--- a/presentation.pptx
+++ b/presentation.pptx
@@ -8,6 +8,7 @@
     <p:sldId id="257" r:id="rId2"/>
     <p:sldId id="258" r:id="rId3"/>
     <p:sldId id="259" r:id="rId4"/>
+    <p:sldId id="260" r:id="rId5"/>
   </p:sldIdLst>
   <p:sldSz cx="12192000" cy="6858000"/>
   <p:notesSz cx="6858000" cy="9144000"/>
@@ -106,6 +107,11 @@
       </a:defRPr>
     </a:lvl9pPr>
   </p:defaultTextStyle>
+  <p:extLst>
+    <p:ext uri="{EFAFB233-063F-42B5-8137-9DF3F51BA10A}">
+      <p15:sldGuideLst xmlns:p15="http://schemas.microsoft.com/office/powerpoint/2012/main"/>
+    </p:ext>
+  </p:extLst>
 </p:presentation>
 </file>
 
@@ -3078,7 +3084,15 @@
             </a:r>
             <a:r>
               <a:rPr lang="en-US" sz="2400" dirty="0"/>
-              <a:t>the developmental relations of maternal demographic, pregnancy-related, and perinatal variables on offspring </a:t>
+              <a:t>the developmental relations of maternal demographic, pregnancy-related, and </a:t>
+            </a:r>
+            <a:r>
+              <a:rPr lang="en-US" sz="2400" dirty="0" smtClean="0"/>
+              <a:t>prenatal </a:t>
+            </a:r>
+            <a:r>
+              <a:rPr lang="en-US" sz="2400" dirty="0"/>
+              <a:t>variables on offspring </a:t>
             </a:r>
             <a:r>
               <a:rPr lang="en-US" sz="2400" dirty="0" smtClean="0"/>
@@ -3213,36 +3227,36 @@
             <p:ph idx="1"/>
             <p:extLst>
               <p:ext uri="{D42A27DB-BD31-4B8C-83A1-F6EECF244321}">
-                <p14:modId xmlns:p14="http://schemas.microsoft.com/office/powerpoint/2010/main" val="253839578"/>
+                <p14:modId xmlns:p14="http://schemas.microsoft.com/office/powerpoint/2010/main" val="2575413487"/>
               </p:ext>
             </p:extLst>
           </p:nvPr>
         </p:nvGraphicFramePr>
         <p:xfrm>
           <a:off x="838200" y="896914"/>
-          <a:ext cx="10432314" cy="3461052"/>
+          <a:ext cx="10400413" cy="3760142"/>
         </p:xfrm>
         <a:graphic>
           <a:graphicData uri="http://schemas.openxmlformats.org/drawingml/2006/table">
             <a:tbl>
               <a:tblPr/>
               <a:tblGrid>
-                <a:gridCol w="2186763"/>
-                <a:gridCol w="1472609"/>
-                <a:gridCol w="1556785"/>
-                <a:gridCol w="1738719"/>
-                <a:gridCol w="1738719"/>
-                <a:gridCol w="1738719"/>
+                <a:gridCol w="2180076"/>
+                <a:gridCol w="1468106"/>
+                <a:gridCol w="1552025"/>
+                <a:gridCol w="1733402"/>
+                <a:gridCol w="1733402"/>
+                <a:gridCol w="1733402"/>
               </a:tblGrid>
-              <a:tr h="98345">
-                <a:tc>
-                  <a:txBody>
-                    <a:bodyPr/>
-                    <a:lstStyle/>
-                    <a:p>
-                      <a:pPr algn="ctr" fontAlgn="base"/>
-                      <a:r>
-                        <a:rPr lang="en-US" sz="1400" b="1" dirty="0">
+              <a:tr h="209533">
+                <a:tc>
+                  <a:txBody>
+                    <a:bodyPr/>
+                    <a:lstStyle/>
+                    <a:p>
+                      <a:pPr algn="ctr" fontAlgn="base"/>
+                      <a:r>
+                        <a:rPr lang="en-US" sz="1200" b="1" dirty="0">
                           <a:solidFill>
                             <a:srgbClr val="666666"/>
                           </a:solidFill>
@@ -3302,7 +3316,7 @@
                     <a:p>
                       <a:pPr algn="ctr" fontAlgn="base"/>
                       <a:r>
-                        <a:rPr lang="en-US" sz="1400" b="1" i="1" dirty="0">
+                        <a:rPr lang="en-US" sz="1200" b="1" i="1" dirty="0">
                           <a:solidFill>
                             <a:srgbClr val="666666"/>
                           </a:solidFill>
@@ -3311,7 +3325,7 @@
                         </a:rPr>
                         <a:t>N</a:t>
                       </a:r>
-                      <a:endParaRPr lang="en-US" sz="1400" b="1" dirty="0">
+                      <a:endParaRPr lang="en-US" sz="1200" b="1" dirty="0">
                         <a:solidFill>
                           <a:srgbClr val="666666"/>
                         </a:solidFill>
@@ -3369,7 +3383,7 @@
                     <a:p>
                       <a:pPr algn="ctr" fontAlgn="base"/>
                       <a:r>
-                        <a:rPr lang="en-US" sz="1400" b="1">
+                        <a:rPr lang="en-US" sz="1200" b="1" dirty="0">
                           <a:solidFill>
                             <a:srgbClr val="666666"/>
                           </a:solidFill>
@@ -3429,7 +3443,7 @@
                     <a:p>
                       <a:pPr algn="ctr" fontAlgn="base"/>
                       <a:r>
-                        <a:rPr lang="en-US" sz="1400" b="1">
+                        <a:rPr lang="en-US" sz="1200" b="1">
                           <a:solidFill>
                             <a:srgbClr val="666666"/>
                           </a:solidFill>
@@ -3489,7 +3503,7 @@
                     <a:p>
                       <a:pPr algn="ctr" fontAlgn="base"/>
                       <a:r>
-                        <a:rPr lang="en-US" sz="1400" b="1">
+                        <a:rPr lang="en-US" sz="1200" b="1">
                           <a:solidFill>
                             <a:srgbClr val="666666"/>
                           </a:solidFill>
@@ -3549,7 +3563,7 @@
                     <a:p>
                       <a:pPr algn="ctr" fontAlgn="base"/>
                       <a:r>
-                        <a:rPr lang="en-US" sz="1400" b="1">
+                        <a:rPr lang="en-US" sz="1200" b="1">
                           <a:solidFill>
                             <a:srgbClr val="666666"/>
                           </a:solidFill>
@@ -3603,15 +3617,15 @@
                   </a:tcPr>
                 </a:tc>
               </a:tr>
-              <a:tr h="136830">
-                <a:tc>
-                  <a:txBody>
-                    <a:bodyPr/>
-                    <a:lstStyle/>
-                    <a:p>
-                      <a:pPr algn="ctr" fontAlgn="base"/>
-                      <a:r>
-                        <a:rPr lang="en-US" sz="1400" dirty="0">
+              <a:tr h="209533">
+                <a:tc>
+                  <a:txBody>
+                    <a:bodyPr/>
+                    <a:lstStyle/>
+                    <a:p>
+                      <a:pPr algn="ctr" fontAlgn="base"/>
+                      <a:r>
+                        <a:rPr lang="en-US" sz="1200" dirty="0">
                           <a:solidFill>
                             <a:srgbClr val="666666"/>
                           </a:solidFill>
@@ -3671,7 +3685,7 @@
                     <a:p>
                       <a:pPr algn="ctr" fontAlgn="base"/>
                       <a:r>
-                        <a:rPr lang="en-US" sz="1400" dirty="0">
+                        <a:rPr lang="en-US" sz="1200" dirty="0">
                           <a:solidFill>
                             <a:srgbClr val="666666"/>
                           </a:solidFill>
@@ -3731,7 +3745,7 @@
                     <a:p>
                       <a:pPr algn="ctr" fontAlgn="base"/>
                       <a:r>
-                        <a:rPr lang="en-US" sz="1400">
+                        <a:rPr lang="en-US" sz="1200" dirty="0">
                           <a:solidFill>
                             <a:srgbClr val="666666"/>
                           </a:solidFill>
@@ -3791,7 +3805,7 @@
                     <a:p>
                       <a:pPr algn="ctr" fontAlgn="base"/>
                       <a:r>
-                        <a:rPr lang="en-US" sz="1400" dirty="0">
+                        <a:rPr lang="en-US" sz="1200" dirty="0">
                           <a:solidFill>
                             <a:srgbClr val="666666"/>
                           </a:solidFill>
@@ -3851,7 +3865,7 @@
                     <a:p>
                       <a:pPr algn="ctr" fontAlgn="base"/>
                       <a:r>
-                        <a:rPr lang="en-US" sz="1400" dirty="0">
+                        <a:rPr lang="en-US" sz="1200" dirty="0">
                           <a:solidFill>
                             <a:srgbClr val="666666"/>
                           </a:solidFill>
@@ -3911,7 +3925,7 @@
                     <a:p>
                       <a:pPr algn="ctr" fontAlgn="base"/>
                       <a:r>
-                        <a:rPr lang="en-US" sz="1400" dirty="0">
+                        <a:rPr lang="en-US" sz="1200" dirty="0">
                           <a:solidFill>
                             <a:srgbClr val="666666"/>
                           </a:solidFill>
@@ -3965,15 +3979,15 @@
                   </a:tcPr>
                 </a:tc>
               </a:tr>
-              <a:tr h="175316">
-                <a:tc>
-                  <a:txBody>
-                    <a:bodyPr/>
-                    <a:lstStyle/>
-                    <a:p>
-                      <a:pPr algn="ctr" fontAlgn="base"/>
-                      <a:r>
-                        <a:rPr lang="en-US" sz="1400">
+              <a:tr h="209533">
+                <a:tc>
+                  <a:txBody>
+                    <a:bodyPr/>
+                    <a:lstStyle/>
+                    <a:p>
+                      <a:pPr algn="ctr" fontAlgn="base"/>
+                      <a:r>
+                        <a:rPr lang="en-US" sz="1200" dirty="0">
                           <a:solidFill>
                             <a:srgbClr val="666666"/>
                           </a:solidFill>
@@ -4033,7 +4047,7 @@
                     <a:p>
                       <a:pPr algn="ctr" fontAlgn="base"/>
                       <a:r>
-                        <a:rPr lang="en-US" sz="1400" dirty="0">
+                        <a:rPr lang="en-US" sz="1200" dirty="0">
                           <a:solidFill>
                             <a:srgbClr val="666666"/>
                           </a:solidFill>
@@ -4093,7 +4107,7 @@
                     <a:p>
                       <a:pPr algn="ctr" fontAlgn="base"/>
                       <a:r>
-                        <a:rPr lang="en-US" sz="1400" dirty="0">
+                        <a:rPr lang="en-US" sz="1200" dirty="0">
                           <a:solidFill>
                             <a:srgbClr val="666666"/>
                           </a:solidFill>
@@ -4153,7 +4167,7 @@
                     <a:p>
                       <a:pPr algn="ctr" fontAlgn="base"/>
                       <a:r>
-                        <a:rPr lang="en-US" sz="1400">
+                        <a:rPr lang="en-US" sz="1200" dirty="0">
                           <a:solidFill>
                             <a:srgbClr val="666666"/>
                           </a:solidFill>
@@ -4213,7 +4227,7 @@
                     <a:p>
                       <a:pPr algn="ctr" fontAlgn="base"/>
                       <a:r>
-                        <a:rPr lang="en-US" sz="1400">
+                        <a:rPr lang="en-US" sz="1200">
                           <a:solidFill>
                             <a:srgbClr val="666666"/>
                           </a:solidFill>
@@ -4273,7 +4287,7 @@
                     <a:p>
                       <a:pPr algn="ctr" fontAlgn="base"/>
                       <a:r>
-                        <a:rPr lang="en-US" sz="1400" dirty="0">
+                        <a:rPr lang="en-US" sz="1200" dirty="0">
                           <a:solidFill>
                             <a:srgbClr val="666666"/>
                           </a:solidFill>
@@ -4327,15 +4341,15 @@
                   </a:tcPr>
                 </a:tc>
               </a:tr>
-              <a:tr h="213800">
-                <a:tc>
-                  <a:txBody>
-                    <a:bodyPr/>
-                    <a:lstStyle/>
-                    <a:p>
-                      <a:pPr algn="ctr" fontAlgn="base"/>
-                      <a:r>
-                        <a:rPr lang="en-US" sz="1400">
+              <a:tr h="416203">
+                <a:tc>
+                  <a:txBody>
+                    <a:bodyPr/>
+                    <a:lstStyle/>
+                    <a:p>
+                      <a:pPr algn="ctr" fontAlgn="base"/>
+                      <a:r>
+                        <a:rPr lang="en-US" sz="1200">
                           <a:solidFill>
                             <a:srgbClr val="666666"/>
                           </a:solidFill>
@@ -4395,7 +4409,7 @@
                     <a:p>
                       <a:pPr algn="ctr" fontAlgn="base"/>
                       <a:r>
-                        <a:rPr lang="en-US" sz="1400" dirty="0">
+                        <a:rPr lang="en-US" sz="1200" dirty="0">
                           <a:solidFill>
                             <a:srgbClr val="666666"/>
                           </a:solidFill>
@@ -4455,7 +4469,7 @@
                     <a:p>
                       <a:pPr algn="ctr" fontAlgn="base"/>
                       <a:r>
-                        <a:rPr lang="en-US" sz="1400">
+                        <a:rPr lang="en-US" sz="1200">
                           <a:solidFill>
                             <a:srgbClr val="666666"/>
                           </a:solidFill>
@@ -4515,7 +4529,7 @@
                     <a:p>
                       <a:pPr algn="ctr" fontAlgn="base"/>
                       <a:r>
-                        <a:rPr lang="en-US" sz="1400" dirty="0">
+                        <a:rPr lang="en-US" sz="1200" dirty="0">
                           <a:solidFill>
                             <a:srgbClr val="666666"/>
                           </a:solidFill>
@@ -4575,7 +4589,7 @@
                     <a:p>
                       <a:pPr algn="ctr" fontAlgn="base"/>
                       <a:r>
-                        <a:rPr lang="en-US" sz="1400">
+                        <a:rPr lang="en-US" sz="1200">
                           <a:solidFill>
                             <a:srgbClr val="666666"/>
                           </a:solidFill>
@@ -4635,7 +4649,7 @@
                     <a:p>
                       <a:pPr algn="ctr" fontAlgn="base"/>
                       <a:r>
-                        <a:rPr lang="en-US" sz="1400" dirty="0">
+                        <a:rPr lang="en-US" sz="1200" dirty="0">
                           <a:solidFill>
                             <a:srgbClr val="666666"/>
                           </a:solidFill>
@@ -4689,15 +4703,15 @@
                   </a:tcPr>
                 </a:tc>
               </a:tr>
-              <a:tr h="213800">
-                <a:tc>
-                  <a:txBody>
-                    <a:bodyPr/>
-                    <a:lstStyle/>
-                    <a:p>
-                      <a:pPr algn="ctr" fontAlgn="base"/>
-                      <a:r>
-                        <a:rPr lang="en-US" sz="1400">
+              <a:tr h="209533">
+                <a:tc>
+                  <a:txBody>
+                    <a:bodyPr/>
+                    <a:lstStyle/>
+                    <a:p>
+                      <a:pPr algn="ctr" fontAlgn="base"/>
+                      <a:r>
+                        <a:rPr lang="en-US" sz="1200">
                           <a:solidFill>
                             <a:srgbClr val="666666"/>
                           </a:solidFill>
@@ -4757,7 +4771,7 @@
                     <a:p>
                       <a:pPr algn="ctr" fontAlgn="base"/>
                       <a:r>
-                        <a:rPr lang="en-US" sz="1400">
+                        <a:rPr lang="en-US" sz="1200" dirty="0">
                           <a:solidFill>
                             <a:srgbClr val="666666"/>
                           </a:solidFill>
@@ -4817,7 +4831,7 @@
                     <a:p>
                       <a:pPr algn="ctr" fontAlgn="base"/>
                       <a:r>
-                        <a:rPr lang="en-US" sz="1400" dirty="0">
+                        <a:rPr lang="en-US" sz="1200" dirty="0">
                           <a:solidFill>
                             <a:srgbClr val="666666"/>
                           </a:solidFill>
@@ -4877,7 +4891,7 @@
                     <a:p>
                       <a:pPr algn="ctr" fontAlgn="base"/>
                       <a:r>
-                        <a:rPr lang="en-US" sz="1400" dirty="0">
+                        <a:rPr lang="en-US" sz="1200" dirty="0">
                           <a:solidFill>
                             <a:srgbClr val="666666"/>
                           </a:solidFill>
@@ -4937,7 +4951,7 @@
                     <a:p>
                       <a:pPr algn="ctr" fontAlgn="base"/>
                       <a:r>
-                        <a:rPr lang="en-US" sz="1400">
+                        <a:rPr lang="en-US" sz="1200">
                           <a:solidFill>
                             <a:srgbClr val="666666"/>
                           </a:solidFill>
@@ -4997,7 +5011,7 @@
                     <a:p>
                       <a:pPr algn="ctr" fontAlgn="base"/>
                       <a:r>
-                        <a:rPr lang="en-US" sz="1400">
+                        <a:rPr lang="en-US" sz="1200">
                           <a:solidFill>
                             <a:srgbClr val="666666"/>
                           </a:solidFill>
@@ -5051,15 +5065,15 @@
                   </a:tcPr>
                 </a:tc>
               </a:tr>
-              <a:tr h="156073">
-                <a:tc>
-                  <a:txBody>
-                    <a:bodyPr/>
-                    <a:lstStyle/>
-                    <a:p>
-                      <a:pPr algn="ctr" fontAlgn="base"/>
-                      <a:r>
-                        <a:rPr lang="en-US" sz="1400" dirty="0">
+              <a:tr h="209533">
+                <a:tc>
+                  <a:txBody>
+                    <a:bodyPr/>
+                    <a:lstStyle/>
+                    <a:p>
+                      <a:pPr algn="ctr" fontAlgn="base"/>
+                      <a:r>
+                        <a:rPr lang="en-US" sz="1200" dirty="0">
                           <a:solidFill>
                             <a:srgbClr val="666666"/>
                           </a:solidFill>
@@ -5069,7 +5083,7 @@
                         <a:t>Weight gain (</a:t>
                       </a:r>
                       <a:r>
-                        <a:rPr lang="en-US" sz="1400" dirty="0" err="1">
+                        <a:rPr lang="en-US" sz="1200" dirty="0" err="1">
                           <a:solidFill>
                             <a:srgbClr val="666666"/>
                           </a:solidFill>
@@ -5079,7 +5093,7 @@
                         <a:t>lb</a:t>
                       </a:r>
                       <a:r>
-                        <a:rPr lang="en-US" sz="1400" dirty="0">
+                        <a:rPr lang="en-US" sz="1200" dirty="0">
                           <a:solidFill>
                             <a:srgbClr val="666666"/>
                           </a:solidFill>
@@ -5139,7 +5153,7 @@
                     <a:p>
                       <a:pPr algn="ctr" fontAlgn="base"/>
                       <a:r>
-                        <a:rPr lang="en-US" sz="1400">
+                        <a:rPr lang="en-US" sz="1200" dirty="0">
                           <a:solidFill>
                             <a:srgbClr val="666666"/>
                           </a:solidFill>
@@ -5199,7 +5213,7 @@
                     <a:p>
                       <a:pPr algn="ctr" fontAlgn="base"/>
                       <a:r>
-                        <a:rPr lang="en-US" sz="1400">
+                        <a:rPr lang="en-US" sz="1200" dirty="0">
                           <a:solidFill>
                             <a:srgbClr val="666666"/>
                           </a:solidFill>
@@ -5259,7 +5273,7 @@
                     <a:p>
                       <a:pPr algn="ctr" fontAlgn="base"/>
                       <a:r>
-                        <a:rPr lang="en-US" sz="1400">
+                        <a:rPr lang="en-US" sz="1200" dirty="0">
                           <a:solidFill>
                             <a:srgbClr val="666666"/>
                           </a:solidFill>
@@ -5319,7 +5333,7 @@
                     <a:p>
                       <a:pPr algn="ctr" fontAlgn="base"/>
                       <a:r>
-                        <a:rPr lang="en-US" sz="1400" dirty="0">
+                        <a:rPr lang="en-US" sz="1200" dirty="0">
                           <a:solidFill>
                             <a:srgbClr val="666666"/>
                           </a:solidFill>
@@ -5379,7 +5393,7 @@
                     <a:p>
                       <a:pPr algn="ctr" fontAlgn="base"/>
                       <a:r>
-                        <a:rPr lang="en-US" sz="1400" dirty="0">
+                        <a:rPr lang="en-US" sz="1200" dirty="0">
                           <a:solidFill>
                             <a:srgbClr val="666666"/>
                           </a:solidFill>
@@ -5433,15 +5447,15 @@
                   </a:tcPr>
                 </a:tc>
               </a:tr>
-              <a:tr h="175316">
-                <a:tc>
-                  <a:txBody>
-                    <a:bodyPr/>
-                    <a:lstStyle/>
-                    <a:p>
-                      <a:pPr algn="ctr" fontAlgn="base"/>
-                      <a:r>
-                        <a:rPr lang="en-US" sz="1400" dirty="0">
+              <a:tr h="209533">
+                <a:tc>
+                  <a:txBody>
+                    <a:bodyPr/>
+                    <a:lstStyle/>
+                    <a:p>
+                      <a:pPr algn="ctr" fontAlgn="base"/>
+                      <a:r>
+                        <a:rPr lang="en-US" sz="1200" dirty="0">
                           <a:solidFill>
                             <a:srgbClr val="666666"/>
                           </a:solidFill>
@@ -5451,7 +5465,7 @@
                         <a:t>SD of </a:t>
                       </a:r>
                       <a:r>
-                        <a:rPr lang="en-US" sz="1400" dirty="0" err="1">
+                        <a:rPr lang="en-US" sz="1200" dirty="0" err="1">
                           <a:solidFill>
                             <a:srgbClr val="666666"/>
                           </a:solidFill>
@@ -5461,7 +5475,7 @@
                         <a:t>Phe</a:t>
                       </a:r>
                       <a:r>
-                        <a:rPr lang="en-US" sz="1400" dirty="0">
+                        <a:rPr lang="en-US" sz="1200" dirty="0">
                           <a:solidFill>
                             <a:srgbClr val="666666"/>
                           </a:solidFill>
@@ -5471,7 +5485,7 @@
                         <a:t> (</a:t>
                       </a:r>
                       <a:r>
-                        <a:rPr lang="el-GR" sz="1400" dirty="0">
+                        <a:rPr lang="el-GR" sz="1200" dirty="0">
                           <a:solidFill>
                             <a:srgbClr val="666666"/>
                           </a:solidFill>
@@ -5481,7 +5495,7 @@
                         <a:t>μ</a:t>
                       </a:r>
                       <a:r>
-                        <a:rPr lang="en-US" sz="1400" dirty="0" err="1">
+                        <a:rPr lang="en-US" sz="1200" dirty="0" err="1">
                           <a:solidFill>
                             <a:srgbClr val="666666"/>
                           </a:solidFill>
@@ -5491,7 +5505,7 @@
                         <a:t>mol</a:t>
                       </a:r>
                       <a:r>
-                        <a:rPr lang="en-US" sz="1400" dirty="0">
+                        <a:rPr lang="en-US" sz="1200" dirty="0">
                           <a:solidFill>
                             <a:srgbClr val="666666"/>
                           </a:solidFill>
@@ -5551,7 +5565,7 @@
                     <a:p>
                       <a:pPr algn="ctr" fontAlgn="base"/>
                       <a:r>
-                        <a:rPr lang="en-US" sz="1400">
+                        <a:rPr lang="en-US" sz="1200">
                           <a:solidFill>
                             <a:srgbClr val="666666"/>
                           </a:solidFill>
@@ -5611,7 +5625,7 @@
                     <a:p>
                       <a:pPr algn="ctr" fontAlgn="base"/>
                       <a:r>
-                        <a:rPr lang="en-US" sz="1400">
+                        <a:rPr lang="en-US" sz="1200" dirty="0">
                           <a:solidFill>
                             <a:srgbClr val="666666"/>
                           </a:solidFill>
@@ -5671,7 +5685,7 @@
                     <a:p>
                       <a:pPr algn="ctr" fontAlgn="base"/>
                       <a:r>
-                        <a:rPr lang="en-US" sz="1400" dirty="0">
+                        <a:rPr lang="en-US" sz="1200" dirty="0">
                           <a:solidFill>
                             <a:srgbClr val="666666"/>
                           </a:solidFill>
@@ -5731,7 +5745,7 @@
                     <a:p>
                       <a:pPr algn="ctr" fontAlgn="base"/>
                       <a:r>
-                        <a:rPr lang="en-US" sz="1400" dirty="0">
+                        <a:rPr lang="en-US" sz="1200" dirty="0">
                           <a:solidFill>
                             <a:srgbClr val="666666"/>
                           </a:solidFill>
@@ -5791,7 +5805,7 @@
                     <a:p>
                       <a:pPr algn="ctr" fontAlgn="base"/>
                       <a:r>
-                        <a:rPr lang="en-US" sz="1400" dirty="0">
+                        <a:rPr lang="en-US" sz="1200" dirty="0">
                           <a:solidFill>
                             <a:srgbClr val="666666"/>
                           </a:solidFill>
@@ -5845,15 +5859,15 @@
                   </a:tcPr>
                 </a:tc>
               </a:tr>
-              <a:tr h="271527">
-                <a:tc>
-                  <a:txBody>
-                    <a:bodyPr/>
-                    <a:lstStyle/>
-                    <a:p>
-                      <a:pPr algn="ctr" fontAlgn="base"/>
-                      <a:r>
-                        <a:rPr lang="en-US" sz="1400">
+              <a:tr h="416203">
+                <a:tc>
+                  <a:txBody>
+                    <a:bodyPr/>
+                    <a:lstStyle/>
+                    <a:p>
+                      <a:pPr algn="ctr" fontAlgn="base"/>
+                      <a:r>
+                        <a:rPr lang="en-US" sz="1200">
                           <a:solidFill>
                             <a:srgbClr val="666666"/>
                           </a:solidFill>
@@ -5863,7 +5877,7 @@
                         <a:t>Average Phe exposure (</a:t>
                       </a:r>
                       <a:r>
-                        <a:rPr lang="el-GR" sz="1400">
+                        <a:rPr lang="el-GR" sz="1200">
                           <a:solidFill>
                             <a:srgbClr val="666666"/>
                           </a:solidFill>
@@ -5873,7 +5887,7 @@
                         <a:t>μ</a:t>
                       </a:r>
                       <a:r>
-                        <a:rPr lang="en-US" sz="1400">
+                        <a:rPr lang="en-US" sz="1200">
                           <a:solidFill>
                             <a:srgbClr val="666666"/>
                           </a:solidFill>
@@ -5933,7 +5947,7 @@
                     <a:p>
                       <a:pPr algn="ctr" fontAlgn="base"/>
                       <a:r>
-                        <a:rPr lang="en-US" sz="1400">
+                        <a:rPr lang="en-US" sz="1200">
                           <a:solidFill>
                             <a:srgbClr val="666666"/>
                           </a:solidFill>
@@ -5993,7 +6007,7 @@
                     <a:p>
                       <a:pPr algn="ctr" fontAlgn="base"/>
                       <a:r>
-                        <a:rPr lang="en-US" sz="1400">
+                        <a:rPr lang="en-US" sz="1200">
                           <a:solidFill>
                             <a:srgbClr val="666666"/>
                           </a:solidFill>
@@ -6053,7 +6067,7 @@
                     <a:p>
                       <a:pPr algn="ctr" fontAlgn="base"/>
                       <a:r>
-                        <a:rPr lang="en-US" sz="1400" dirty="0">
+                        <a:rPr lang="en-US" sz="1200" dirty="0">
                           <a:solidFill>
                             <a:srgbClr val="666666"/>
                           </a:solidFill>
@@ -6113,7 +6127,7 @@
                     <a:p>
                       <a:pPr algn="ctr" fontAlgn="base"/>
                       <a:r>
-                        <a:rPr lang="en-US" sz="1400" dirty="0">
+                        <a:rPr lang="en-US" sz="1200" dirty="0">
                           <a:solidFill>
                             <a:srgbClr val="666666"/>
                           </a:solidFill>
@@ -6173,7 +6187,7 @@
                     <a:p>
                       <a:pPr algn="ctr" fontAlgn="base"/>
                       <a:r>
-                        <a:rPr lang="en-US" sz="1400" dirty="0">
+                        <a:rPr lang="en-US" sz="1200" dirty="0">
                           <a:solidFill>
                             <a:srgbClr val="666666"/>
                           </a:solidFill>
@@ -6227,15 +6241,15 @@
                   </a:tcPr>
                 </a:tc>
               </a:tr>
-              <a:tr h="213800">
-                <a:tc>
-                  <a:txBody>
-                    <a:bodyPr/>
-                    <a:lstStyle/>
-                    <a:p>
-                      <a:pPr algn="ctr" fontAlgn="base"/>
-                      <a:r>
-                        <a:rPr lang="en-US" sz="1400" dirty="0">
+              <a:tr h="416203">
+                <a:tc>
+                  <a:txBody>
+                    <a:bodyPr/>
+                    <a:lstStyle/>
+                    <a:p>
+                      <a:pPr algn="ctr" fontAlgn="base"/>
+                      <a:r>
+                        <a:rPr lang="en-US" sz="1200" dirty="0">
                           <a:solidFill>
                             <a:srgbClr val="666666"/>
                           </a:solidFill>
@@ -6295,7 +6309,7 @@
                     <a:p>
                       <a:pPr algn="ctr" fontAlgn="base"/>
                       <a:r>
-                        <a:rPr lang="en-US" sz="1400">
+                        <a:rPr lang="en-US" sz="1200">
                           <a:solidFill>
                             <a:srgbClr val="666666"/>
                           </a:solidFill>
@@ -6355,7 +6369,7 @@
                     <a:p>
                       <a:pPr algn="ctr" fontAlgn="base"/>
                       <a:r>
-                        <a:rPr lang="en-US" sz="1400">
+                        <a:rPr lang="en-US" sz="1200">
                           <a:solidFill>
                             <a:srgbClr val="666666"/>
                           </a:solidFill>
@@ -6415,7 +6429,7 @@
                     <a:p>
                       <a:pPr algn="ctr" fontAlgn="base"/>
                       <a:r>
-                        <a:rPr lang="en-US" sz="1400">
+                        <a:rPr lang="en-US" sz="1200">
                           <a:solidFill>
                             <a:srgbClr val="666666"/>
                           </a:solidFill>
@@ -6475,7 +6489,7 @@
                     <a:p>
                       <a:pPr algn="ctr" fontAlgn="base"/>
                       <a:r>
-                        <a:rPr lang="en-US" sz="1400" dirty="0">
+                        <a:rPr lang="en-US" sz="1200" dirty="0">
                           <a:solidFill>
                             <a:srgbClr val="666666"/>
                           </a:solidFill>
@@ -6535,7 +6549,7 @@
                     <a:p>
                       <a:pPr algn="ctr" fontAlgn="base"/>
                       <a:r>
-                        <a:rPr lang="en-US" sz="1400" dirty="0">
+                        <a:rPr lang="en-US" sz="1200" dirty="0">
                           <a:solidFill>
                             <a:srgbClr val="666666"/>
                           </a:solidFill>
@@ -6589,15 +6603,15 @@
                   </a:tcPr>
                 </a:tc>
               </a:tr>
-              <a:tr h="136830">
-                <a:tc>
-                  <a:txBody>
-                    <a:bodyPr/>
-                    <a:lstStyle/>
-                    <a:p>
-                      <a:pPr algn="ctr" fontAlgn="base"/>
-                      <a:r>
-                        <a:rPr lang="en-US" sz="1400">
+              <a:tr h="209533">
+                <a:tc>
+                  <a:txBody>
+                    <a:bodyPr/>
+                    <a:lstStyle/>
+                    <a:p>
+                      <a:pPr algn="ctr" fontAlgn="base"/>
+                      <a:r>
+                        <a:rPr lang="en-US" sz="1200">
                           <a:solidFill>
                             <a:srgbClr val="666666"/>
                           </a:solidFill>
@@ -6657,7 +6671,7 @@
                     <a:p>
                       <a:pPr algn="ctr" fontAlgn="base"/>
                       <a:r>
-                        <a:rPr lang="en-US" sz="1400">
+                        <a:rPr lang="en-US" sz="1200">
                           <a:solidFill>
                             <a:srgbClr val="666666"/>
                           </a:solidFill>
@@ -6717,7 +6731,7 @@
                     <a:p>
                       <a:pPr algn="ctr" fontAlgn="base"/>
                       <a:r>
-                        <a:rPr lang="en-US" sz="1400">
+                        <a:rPr lang="en-US" sz="1200">
                           <a:solidFill>
                             <a:srgbClr val="666666"/>
                           </a:solidFill>
@@ -6777,7 +6791,7 @@
                     <a:p>
                       <a:pPr algn="ctr" fontAlgn="base"/>
                       <a:r>
-                        <a:rPr lang="en-US" sz="1400">
+                        <a:rPr lang="en-US" sz="1200">
                           <a:solidFill>
                             <a:srgbClr val="666666"/>
                           </a:solidFill>
@@ -6837,7 +6851,7 @@
                     <a:p>
                       <a:pPr algn="ctr" fontAlgn="base"/>
                       <a:r>
-                        <a:rPr lang="en-US" sz="1400">
+                        <a:rPr lang="en-US" sz="1200" dirty="0">
                           <a:solidFill>
                             <a:srgbClr val="666666"/>
                           </a:solidFill>
@@ -6897,7 +6911,7 @@
                     <a:p>
                       <a:pPr algn="ctr" fontAlgn="base"/>
                       <a:r>
-                        <a:rPr lang="en-US" sz="1400" dirty="0">
+                        <a:rPr lang="en-US" sz="1200" dirty="0">
                           <a:solidFill>
                             <a:srgbClr val="666666"/>
                           </a:solidFill>
@@ -6951,15 +6965,15 @@
                   </a:tcPr>
                 </a:tc>
               </a:tr>
-              <a:tr h="156073">
-                <a:tc>
-                  <a:txBody>
-                    <a:bodyPr/>
-                    <a:lstStyle/>
-                    <a:p>
-                      <a:pPr algn="ctr" fontAlgn="base"/>
-                      <a:r>
-                        <a:rPr lang="en-US" sz="1400">
+              <a:tr h="209533">
+                <a:tc>
+                  <a:txBody>
+                    <a:bodyPr/>
+                    <a:lstStyle/>
+                    <a:p>
+                      <a:pPr algn="ctr" fontAlgn="base"/>
+                      <a:r>
+                        <a:rPr lang="en-US" sz="1200">
                           <a:solidFill>
                             <a:srgbClr val="666666"/>
                           </a:solidFill>
@@ -7019,7 +7033,7 @@
                     <a:p>
                       <a:pPr algn="ctr" fontAlgn="base"/>
                       <a:r>
-                        <a:rPr lang="en-US" sz="1400">
+                        <a:rPr lang="en-US" sz="1200">
                           <a:solidFill>
                             <a:srgbClr val="666666"/>
                           </a:solidFill>
@@ -7079,7 +7093,7 @@
                     <a:p>
                       <a:pPr algn="ctr" fontAlgn="base"/>
                       <a:r>
-                        <a:rPr lang="en-US" sz="1400">
+                        <a:rPr lang="en-US" sz="1200">
                           <a:solidFill>
                             <a:srgbClr val="666666"/>
                           </a:solidFill>
@@ -7139,7 +7153,7 @@
                     <a:p>
                       <a:pPr algn="ctr" fontAlgn="base"/>
                       <a:r>
-                        <a:rPr lang="en-US" sz="1400">
+                        <a:rPr lang="en-US" sz="1200">
                           <a:solidFill>
                             <a:srgbClr val="666666"/>
                           </a:solidFill>
@@ -7199,7 +7213,7 @@
                     <a:p>
                       <a:pPr algn="ctr" fontAlgn="base"/>
                       <a:r>
-                        <a:rPr lang="en-US" sz="1400">
+                        <a:rPr lang="en-US" sz="1200" dirty="0">
                           <a:solidFill>
                             <a:srgbClr val="666666"/>
                           </a:solidFill>
@@ -7259,7 +7273,7 @@
                     <a:p>
                       <a:pPr algn="ctr" fontAlgn="base"/>
                       <a:r>
-                        <a:rPr lang="en-US" sz="1400" dirty="0">
+                        <a:rPr lang="en-US" sz="1200" dirty="0">
                           <a:solidFill>
                             <a:srgbClr val="666666"/>
                           </a:solidFill>
@@ -7313,15 +7327,15 @@
                   </a:tcPr>
                 </a:tc>
               </a:tr>
-              <a:tr h="233042">
-                <a:tc>
-                  <a:txBody>
-                    <a:bodyPr/>
-                    <a:lstStyle/>
-                    <a:p>
-                      <a:pPr algn="ctr" fontAlgn="base"/>
-                      <a:r>
-                        <a:rPr lang="en-US" sz="1400">
+              <a:tr h="416203">
+                <a:tc>
+                  <a:txBody>
+                    <a:bodyPr/>
+                    <a:lstStyle/>
+                    <a:p>
+                      <a:pPr algn="ctr" fontAlgn="base"/>
+                      <a:r>
+                        <a:rPr lang="en-US" sz="1200">
                           <a:solidFill>
                             <a:srgbClr val="666666"/>
                           </a:solidFill>
@@ -7381,7 +7395,7 @@
                     <a:p>
                       <a:pPr algn="ctr" fontAlgn="base"/>
                       <a:r>
-                        <a:rPr lang="en-US" sz="1400" dirty="0">
+                        <a:rPr lang="en-US" sz="1200" dirty="0">
                           <a:solidFill>
                             <a:srgbClr val="666666"/>
                           </a:solidFill>
@@ -7441,7 +7455,7 @@
                     <a:p>
                       <a:pPr algn="ctr" fontAlgn="base"/>
                       <a:r>
-                        <a:rPr lang="en-US" sz="1400">
+                        <a:rPr lang="en-US" sz="1200">
                           <a:solidFill>
                             <a:srgbClr val="666666"/>
                           </a:solidFill>
@@ -7501,7 +7515,7 @@
                     <a:p>
                       <a:pPr algn="ctr" fontAlgn="base"/>
                       <a:r>
-                        <a:rPr lang="en-US" sz="1400">
+                        <a:rPr lang="en-US" sz="1200">
                           <a:solidFill>
                             <a:srgbClr val="666666"/>
                           </a:solidFill>
@@ -7561,7 +7575,7 @@
                     <a:p>
                       <a:pPr algn="ctr" fontAlgn="base"/>
                       <a:r>
-                        <a:rPr lang="en-US" sz="1400">
+                        <a:rPr lang="en-US" sz="1200" dirty="0">
                           <a:solidFill>
                             <a:srgbClr val="666666"/>
                           </a:solidFill>
@@ -7621,7 +7635,7 @@
                     <a:p>
                       <a:pPr algn="ctr" fontAlgn="base"/>
                       <a:r>
-                        <a:rPr lang="en-US" sz="1400" dirty="0">
+                        <a:rPr lang="en-US" sz="1200" dirty="0">
                           <a:solidFill>
                             <a:srgbClr val="666666"/>
                           </a:solidFill>
@@ -7675,15 +7689,15 @@
                   </a:tcPr>
                 </a:tc>
               </a:tr>
-              <a:tr h="175316">
-                <a:tc>
-                  <a:txBody>
-                    <a:bodyPr/>
-                    <a:lstStyle/>
-                    <a:p>
-                      <a:pPr algn="ctr" fontAlgn="base"/>
-                      <a:r>
-                        <a:rPr lang="en-US" sz="1400">
+              <a:tr h="209533">
+                <a:tc>
+                  <a:txBody>
+                    <a:bodyPr/>
+                    <a:lstStyle/>
+                    <a:p>
+                      <a:pPr algn="ctr" fontAlgn="base"/>
+                      <a:r>
+                        <a:rPr lang="en-US" sz="1200">
                           <a:solidFill>
                             <a:srgbClr val="666666"/>
                           </a:solidFill>
@@ -7743,7 +7757,7 @@
                     <a:p>
                       <a:pPr algn="ctr" fontAlgn="base"/>
                       <a:r>
-                        <a:rPr lang="en-US" sz="1400">
+                        <a:rPr lang="en-US" sz="1200">
                           <a:solidFill>
                             <a:srgbClr val="666666"/>
                           </a:solidFill>
@@ -7803,7 +7817,7 @@
                     <a:p>
                       <a:pPr algn="ctr" fontAlgn="base"/>
                       <a:r>
-                        <a:rPr lang="en-US" sz="1400">
+                        <a:rPr lang="en-US" sz="1200">
                           <a:solidFill>
                             <a:srgbClr val="666666"/>
                           </a:solidFill>
@@ -7863,7 +7877,7 @@
                     <a:p>
                       <a:pPr algn="ctr" fontAlgn="base"/>
                       <a:r>
-                        <a:rPr lang="en-US" sz="1400">
+                        <a:rPr lang="en-US" sz="1200">
                           <a:solidFill>
                             <a:srgbClr val="666666"/>
                           </a:solidFill>
@@ -7923,7 +7937,7 @@
                     <a:p>
                       <a:pPr algn="ctr" fontAlgn="base"/>
                       <a:r>
-                        <a:rPr lang="en-US" sz="1400">
+                        <a:rPr lang="en-US" sz="1200">
                           <a:solidFill>
                             <a:srgbClr val="666666"/>
                           </a:solidFill>
@@ -7983,7 +7997,7 @@
                     <a:p>
                       <a:pPr algn="ctr" fontAlgn="base"/>
                       <a:r>
-                        <a:rPr lang="en-US" sz="1400" dirty="0">
+                        <a:rPr lang="en-US" sz="1200" dirty="0">
                           <a:solidFill>
                             <a:srgbClr val="666666"/>
                           </a:solidFill>
@@ -8037,15 +8051,15 @@
                   </a:tcPr>
                 </a:tc>
               </a:tr>
-              <a:tr h="175316">
-                <a:tc>
-                  <a:txBody>
-                    <a:bodyPr/>
-                    <a:lstStyle/>
-                    <a:p>
-                      <a:pPr algn="ctr" fontAlgn="base"/>
-                      <a:r>
-                        <a:rPr lang="en-US" sz="1400" dirty="0">
+              <a:tr h="209533">
+                <a:tc>
+                  <a:txBody>
+                    <a:bodyPr/>
+                    <a:lstStyle/>
+                    <a:p>
+                      <a:pPr algn="ctr" fontAlgn="base"/>
+                      <a:r>
+                        <a:rPr lang="en-US" sz="1200" dirty="0">
                           <a:solidFill>
                             <a:srgbClr val="666666"/>
                           </a:solidFill>
@@ -8105,7 +8119,7 @@
                     <a:p>
                       <a:pPr algn="ctr" fontAlgn="base"/>
                       <a:r>
-                        <a:rPr lang="en-US" sz="1400">
+                        <a:rPr lang="en-US" sz="1200">
                           <a:solidFill>
                             <a:srgbClr val="666666"/>
                           </a:solidFill>
@@ -8165,7 +8179,7 @@
                     <a:p>
                       <a:pPr algn="ctr" fontAlgn="base"/>
                       <a:r>
-                        <a:rPr lang="en-US" sz="1400">
+                        <a:rPr lang="en-US" sz="1200">
                           <a:solidFill>
                             <a:srgbClr val="666666"/>
                           </a:solidFill>
@@ -8225,7 +8239,7 @@
                     <a:p>
                       <a:pPr algn="ctr" fontAlgn="base"/>
                       <a:r>
-                        <a:rPr lang="en-US" sz="1400">
+                        <a:rPr lang="en-US" sz="1200">
                           <a:solidFill>
                             <a:srgbClr val="666666"/>
                           </a:solidFill>
@@ -8285,7 +8299,7 @@
                     <a:p>
                       <a:pPr algn="ctr" fontAlgn="base"/>
                       <a:r>
-                        <a:rPr lang="en-US" sz="1400">
+                        <a:rPr lang="en-US" sz="1200">
                           <a:solidFill>
                             <a:srgbClr val="666666"/>
                           </a:solidFill>
@@ -8345,7 +8359,7 @@
                     <a:p>
                       <a:pPr algn="ctr" fontAlgn="base"/>
                       <a:r>
-                        <a:rPr lang="en-US" sz="1400" dirty="0">
+                        <a:rPr lang="en-US" sz="1200" dirty="0">
                           <a:solidFill>
                             <a:srgbClr val="666666"/>
                           </a:solidFill>
@@ -8677,6 +8691,5292 @@
 </p:sld>
 </file>
 
+<file path=ppt/slides/slide4.xml><?xml version="1.0" encoding="utf-8"?>
+<p:sld xmlns:a="http://schemas.openxmlformats.org/drawingml/2006/main" xmlns:r="http://schemas.openxmlformats.org/officeDocument/2006/relationships" xmlns:p="http://schemas.openxmlformats.org/presentationml/2006/main">
+  <p:cSld>
+    <p:spTree>
+      <p:nvGrpSpPr>
+        <p:cNvPr id="1" name=""/>
+        <p:cNvGrpSpPr/>
+        <p:nvPr/>
+      </p:nvGrpSpPr>
+      <p:grpSpPr>
+        <a:xfrm>
+          <a:off x="0" y="0"/>
+          <a:ext cx="0" cy="0"/>
+          <a:chOff x="0" y="0"/>
+          <a:chExt cx="0" cy="0"/>
+        </a:xfrm>
+      </p:grpSpPr>
+      <p:graphicFrame>
+        <p:nvGraphicFramePr>
+          <p:cNvPr id="2" name="Content Placeholder 15"/>
+          <p:cNvGraphicFramePr>
+            <a:graphicFrameLocks/>
+          </p:cNvGraphicFramePr>
+          <p:nvPr>
+            <p:extLst>
+              <p:ext uri="{D42A27DB-BD31-4B8C-83A1-F6EECF244321}">
+                <p14:modId xmlns:p14="http://schemas.microsoft.com/office/powerpoint/2010/main" val="1301965118"/>
+              </p:ext>
+            </p:extLst>
+          </p:nvPr>
+        </p:nvGraphicFramePr>
+        <p:xfrm>
+          <a:off x="838200" y="896914"/>
+          <a:ext cx="10432314" cy="3485361"/>
+        </p:xfrm>
+        <a:graphic>
+          <a:graphicData uri="http://schemas.openxmlformats.org/drawingml/2006/table">
+            <a:tbl>
+              <a:tblPr/>
+              <a:tblGrid>
+                <a:gridCol w="3239386"/>
+                <a:gridCol w="1270591"/>
+                <a:gridCol w="1265274"/>
+                <a:gridCol w="1451344"/>
+                <a:gridCol w="1605517"/>
+                <a:gridCol w="1600202"/>
+              </a:tblGrid>
+              <a:tr h="98345">
+                <a:tc>
+                  <a:txBody>
+                    <a:bodyPr/>
+                    <a:lstStyle/>
+                    <a:p>
+                      <a:pPr algn="ctr" fontAlgn="base"/>
+                      <a:r>
+                        <a:rPr lang="en-US" sz="1600" b="1" dirty="0">
+                          <a:solidFill>
+                            <a:srgbClr val="666666"/>
+                          </a:solidFill>
+                          <a:effectLst/>
+                          <a:latin typeface="inherit"/>
+                        </a:rPr>
+                        <a:t>Variable</a:t>
+                      </a:r>
+                    </a:p>
+                  </a:txBody>
+                  <a:tcPr marL="2702" marR="2702" marT="1689" marB="1689" anchor="b">
+                    <a:lnL w="3810" cap="flat" cmpd="sng" algn="ctr">
+                      <a:solidFill>
+                        <a:srgbClr val="D3D3D3"/>
+                      </a:solidFill>
+                      <a:prstDash val="solid"/>
+                      <a:round/>
+                      <a:headEnd type="none" w="med" len="med"/>
+                      <a:tailEnd type="none" w="med" len="med"/>
+                    </a:lnL>
+                    <a:lnR w="3810" cap="flat" cmpd="sng" algn="ctr">
+                      <a:solidFill>
+                        <a:srgbClr val="D3D3D3"/>
+                      </a:solidFill>
+                      <a:prstDash val="solid"/>
+                      <a:round/>
+                      <a:headEnd type="none" w="med" len="med"/>
+                      <a:tailEnd type="none" w="med" len="med"/>
+                    </a:lnR>
+                    <a:lnT w="3810" cap="flat" cmpd="sng" algn="ctr">
+                      <a:solidFill>
+                        <a:srgbClr val="D3D3D3"/>
+                      </a:solidFill>
+                      <a:prstDash val="solid"/>
+                      <a:round/>
+                      <a:headEnd type="none" w="med" len="med"/>
+                      <a:tailEnd type="none" w="med" len="med"/>
+                    </a:lnT>
+                    <a:lnB w="3810" cap="flat" cmpd="sng" algn="ctr">
+                      <a:solidFill>
+                        <a:srgbClr val="D3D3D3"/>
+                      </a:solidFill>
+                      <a:prstDash val="solid"/>
+                      <a:round/>
+                      <a:headEnd type="none" w="med" len="med"/>
+                      <a:tailEnd type="none" w="med" len="med"/>
+                    </a:lnB>
+                    <a:solidFill>
+                      <a:srgbClr val="F0F0F0"/>
+                    </a:solidFill>
+                  </a:tcPr>
+                </a:tc>
+                <a:tc>
+                  <a:txBody>
+                    <a:bodyPr/>
+                    <a:lstStyle/>
+                    <a:p>
+                      <a:pPr algn="ctr" fontAlgn="base"/>
+                      <a:r>
+                        <a:rPr lang="en-US" sz="1600" b="1" i="1" dirty="0">
+                          <a:solidFill>
+                            <a:srgbClr val="666666"/>
+                          </a:solidFill>
+                          <a:effectLst/>
+                          <a:latin typeface="inherit"/>
+                        </a:rPr>
+                        <a:t>N</a:t>
+                      </a:r>
+                      <a:endParaRPr lang="en-US" sz="1600" b="1" dirty="0">
+                        <a:solidFill>
+                          <a:srgbClr val="666666"/>
+                        </a:solidFill>
+                        <a:effectLst/>
+                        <a:latin typeface="inherit"/>
+                      </a:endParaRPr>
+                    </a:p>
+                  </a:txBody>
+                  <a:tcPr marL="2702" marR="2702" marT="1689" marB="1689" anchor="b">
+                    <a:lnL w="3810" cap="flat" cmpd="sng" algn="ctr">
+                      <a:solidFill>
+                        <a:srgbClr val="D3D3D3"/>
+                      </a:solidFill>
+                      <a:prstDash val="solid"/>
+                      <a:round/>
+                      <a:headEnd type="none" w="med" len="med"/>
+                      <a:tailEnd type="none" w="med" len="med"/>
+                    </a:lnL>
+                    <a:lnR w="3810" cap="flat" cmpd="sng" algn="ctr">
+                      <a:solidFill>
+                        <a:srgbClr val="D3D3D3"/>
+                      </a:solidFill>
+                      <a:prstDash val="solid"/>
+                      <a:round/>
+                      <a:headEnd type="none" w="med" len="med"/>
+                      <a:tailEnd type="none" w="med" len="med"/>
+                    </a:lnR>
+                    <a:lnT w="3810" cap="flat" cmpd="sng" algn="ctr">
+                      <a:solidFill>
+                        <a:srgbClr val="D3D3D3"/>
+                      </a:solidFill>
+                      <a:prstDash val="solid"/>
+                      <a:round/>
+                      <a:headEnd type="none" w="med" len="med"/>
+                      <a:tailEnd type="none" w="med" len="med"/>
+                    </a:lnT>
+                    <a:lnB w="3810" cap="flat" cmpd="sng" algn="ctr">
+                      <a:solidFill>
+                        <a:srgbClr val="D3D3D3"/>
+                      </a:solidFill>
+                      <a:prstDash val="solid"/>
+                      <a:round/>
+                      <a:headEnd type="none" w="med" len="med"/>
+                      <a:tailEnd type="none" w="med" len="med"/>
+                    </a:lnB>
+                    <a:solidFill>
+                      <a:srgbClr val="F0F0F0"/>
+                    </a:solidFill>
+                  </a:tcPr>
+                </a:tc>
+                <a:tc>
+                  <a:txBody>
+                    <a:bodyPr/>
+                    <a:lstStyle/>
+                    <a:p>
+                      <a:pPr algn="ctr" fontAlgn="base"/>
+                      <a:r>
+                        <a:rPr lang="en-US" sz="1600" b="1">
+                          <a:solidFill>
+                            <a:srgbClr val="666666"/>
+                          </a:solidFill>
+                          <a:effectLst/>
+                          <a:latin typeface="inherit"/>
+                        </a:rPr>
+                        <a:t>Mean</a:t>
+                      </a:r>
+                    </a:p>
+                  </a:txBody>
+                  <a:tcPr marL="2702" marR="2702" marT="1689" marB="1689" anchor="b">
+                    <a:lnL w="3810" cap="flat" cmpd="sng" algn="ctr">
+                      <a:solidFill>
+                        <a:srgbClr val="D3D3D3"/>
+                      </a:solidFill>
+                      <a:prstDash val="solid"/>
+                      <a:round/>
+                      <a:headEnd type="none" w="med" len="med"/>
+                      <a:tailEnd type="none" w="med" len="med"/>
+                    </a:lnL>
+                    <a:lnR w="3810" cap="flat" cmpd="sng" algn="ctr">
+                      <a:solidFill>
+                        <a:srgbClr val="D3D3D3"/>
+                      </a:solidFill>
+                      <a:prstDash val="solid"/>
+                      <a:round/>
+                      <a:headEnd type="none" w="med" len="med"/>
+                      <a:tailEnd type="none" w="med" len="med"/>
+                    </a:lnR>
+                    <a:lnT w="3810" cap="flat" cmpd="sng" algn="ctr">
+                      <a:solidFill>
+                        <a:srgbClr val="D3D3D3"/>
+                      </a:solidFill>
+                      <a:prstDash val="solid"/>
+                      <a:round/>
+                      <a:headEnd type="none" w="med" len="med"/>
+                      <a:tailEnd type="none" w="med" len="med"/>
+                    </a:lnT>
+                    <a:lnB w="3810" cap="flat" cmpd="sng" algn="ctr">
+                      <a:solidFill>
+                        <a:srgbClr val="D3D3D3"/>
+                      </a:solidFill>
+                      <a:prstDash val="solid"/>
+                      <a:round/>
+                      <a:headEnd type="none" w="med" len="med"/>
+                      <a:tailEnd type="none" w="med" len="med"/>
+                    </a:lnB>
+                    <a:solidFill>
+                      <a:srgbClr val="F0F0F0"/>
+                    </a:solidFill>
+                  </a:tcPr>
+                </a:tc>
+                <a:tc>
+                  <a:txBody>
+                    <a:bodyPr/>
+                    <a:lstStyle/>
+                    <a:p>
+                      <a:pPr algn="ctr" fontAlgn="base"/>
+                      <a:r>
+                        <a:rPr lang="en-US" sz="1600" b="1">
+                          <a:solidFill>
+                            <a:srgbClr val="666666"/>
+                          </a:solidFill>
+                          <a:effectLst/>
+                          <a:latin typeface="inherit"/>
+                        </a:rPr>
+                        <a:t>SD</a:t>
+                      </a:r>
+                    </a:p>
+                  </a:txBody>
+                  <a:tcPr marL="2702" marR="2702" marT="1689" marB="1689" anchor="b">
+                    <a:lnL w="3810" cap="flat" cmpd="sng" algn="ctr">
+                      <a:solidFill>
+                        <a:srgbClr val="D3D3D3"/>
+                      </a:solidFill>
+                      <a:prstDash val="solid"/>
+                      <a:round/>
+                      <a:headEnd type="none" w="med" len="med"/>
+                      <a:tailEnd type="none" w="med" len="med"/>
+                    </a:lnL>
+                    <a:lnR w="3810" cap="flat" cmpd="sng" algn="ctr">
+                      <a:solidFill>
+                        <a:srgbClr val="D3D3D3"/>
+                      </a:solidFill>
+                      <a:prstDash val="solid"/>
+                      <a:round/>
+                      <a:headEnd type="none" w="med" len="med"/>
+                      <a:tailEnd type="none" w="med" len="med"/>
+                    </a:lnR>
+                    <a:lnT w="3810" cap="flat" cmpd="sng" algn="ctr">
+                      <a:solidFill>
+                        <a:srgbClr val="D3D3D3"/>
+                      </a:solidFill>
+                      <a:prstDash val="solid"/>
+                      <a:round/>
+                      <a:headEnd type="none" w="med" len="med"/>
+                      <a:tailEnd type="none" w="med" len="med"/>
+                    </a:lnT>
+                    <a:lnB w="3810" cap="flat" cmpd="sng" algn="ctr">
+                      <a:solidFill>
+                        <a:srgbClr val="D3D3D3"/>
+                      </a:solidFill>
+                      <a:prstDash val="solid"/>
+                      <a:round/>
+                      <a:headEnd type="none" w="med" len="med"/>
+                      <a:tailEnd type="none" w="med" len="med"/>
+                    </a:lnB>
+                    <a:solidFill>
+                      <a:srgbClr val="F0F0F0"/>
+                    </a:solidFill>
+                  </a:tcPr>
+                </a:tc>
+                <a:tc>
+                  <a:txBody>
+                    <a:bodyPr/>
+                    <a:lstStyle/>
+                    <a:p>
+                      <a:pPr algn="ctr" fontAlgn="base"/>
+                      <a:r>
+                        <a:rPr lang="en-US" sz="1600" b="1">
+                          <a:solidFill>
+                            <a:srgbClr val="666666"/>
+                          </a:solidFill>
+                          <a:effectLst/>
+                          <a:latin typeface="inherit"/>
+                        </a:rPr>
+                        <a:t>Minimum</a:t>
+                      </a:r>
+                    </a:p>
+                  </a:txBody>
+                  <a:tcPr marL="2702" marR="2702" marT="1689" marB="1689" anchor="b">
+                    <a:lnL w="3810" cap="flat" cmpd="sng" algn="ctr">
+                      <a:solidFill>
+                        <a:srgbClr val="D3D3D3"/>
+                      </a:solidFill>
+                      <a:prstDash val="solid"/>
+                      <a:round/>
+                      <a:headEnd type="none" w="med" len="med"/>
+                      <a:tailEnd type="none" w="med" len="med"/>
+                    </a:lnL>
+                    <a:lnR w="3810" cap="flat" cmpd="sng" algn="ctr">
+                      <a:solidFill>
+                        <a:srgbClr val="D3D3D3"/>
+                      </a:solidFill>
+                      <a:prstDash val="solid"/>
+                      <a:round/>
+                      <a:headEnd type="none" w="med" len="med"/>
+                      <a:tailEnd type="none" w="med" len="med"/>
+                    </a:lnR>
+                    <a:lnT w="3810" cap="flat" cmpd="sng" algn="ctr">
+                      <a:solidFill>
+                        <a:srgbClr val="D3D3D3"/>
+                      </a:solidFill>
+                      <a:prstDash val="solid"/>
+                      <a:round/>
+                      <a:headEnd type="none" w="med" len="med"/>
+                      <a:tailEnd type="none" w="med" len="med"/>
+                    </a:lnT>
+                    <a:lnB w="3810" cap="flat" cmpd="sng" algn="ctr">
+                      <a:solidFill>
+                        <a:srgbClr val="D3D3D3"/>
+                      </a:solidFill>
+                      <a:prstDash val="solid"/>
+                      <a:round/>
+                      <a:headEnd type="none" w="med" len="med"/>
+                      <a:tailEnd type="none" w="med" len="med"/>
+                    </a:lnB>
+                    <a:solidFill>
+                      <a:srgbClr val="F0F0F0"/>
+                    </a:solidFill>
+                  </a:tcPr>
+                </a:tc>
+                <a:tc>
+                  <a:txBody>
+                    <a:bodyPr/>
+                    <a:lstStyle/>
+                    <a:p>
+                      <a:pPr algn="ctr" fontAlgn="base"/>
+                      <a:r>
+                        <a:rPr lang="en-US" sz="1600" b="1">
+                          <a:solidFill>
+                            <a:srgbClr val="666666"/>
+                          </a:solidFill>
+                          <a:effectLst/>
+                          <a:latin typeface="inherit"/>
+                        </a:rPr>
+                        <a:t>Maximum</a:t>
+                      </a:r>
+                    </a:p>
+                  </a:txBody>
+                  <a:tcPr marL="2702" marR="2702" marT="1689" marB="1689" anchor="b">
+                    <a:lnL w="3810" cap="flat" cmpd="sng" algn="ctr">
+                      <a:solidFill>
+                        <a:srgbClr val="D3D3D3"/>
+                      </a:solidFill>
+                      <a:prstDash val="solid"/>
+                      <a:round/>
+                      <a:headEnd type="none" w="med" len="med"/>
+                      <a:tailEnd type="none" w="med" len="med"/>
+                    </a:lnL>
+                    <a:lnR w="3810" cap="flat" cmpd="sng" algn="ctr">
+                      <a:solidFill>
+                        <a:srgbClr val="D3D3D3"/>
+                      </a:solidFill>
+                      <a:prstDash val="solid"/>
+                      <a:round/>
+                      <a:headEnd type="none" w="med" len="med"/>
+                      <a:tailEnd type="none" w="med" len="med"/>
+                    </a:lnR>
+                    <a:lnT w="3810" cap="flat" cmpd="sng" algn="ctr">
+                      <a:solidFill>
+                        <a:srgbClr val="D3D3D3"/>
+                      </a:solidFill>
+                      <a:prstDash val="solid"/>
+                      <a:round/>
+                      <a:headEnd type="none" w="med" len="med"/>
+                      <a:tailEnd type="none" w="med" len="med"/>
+                    </a:lnT>
+                    <a:lnB w="3810" cap="flat" cmpd="sng" algn="ctr">
+                      <a:solidFill>
+                        <a:srgbClr val="D3D3D3"/>
+                      </a:solidFill>
+                      <a:prstDash val="solid"/>
+                      <a:round/>
+                      <a:headEnd type="none" w="med" len="med"/>
+                      <a:tailEnd type="none" w="med" len="med"/>
+                    </a:lnB>
+                    <a:solidFill>
+                      <a:srgbClr val="F0F0F0"/>
+                    </a:solidFill>
+                  </a:tcPr>
+                </a:tc>
+              </a:tr>
+              <a:tr h="136830">
+                <a:tc>
+                  <a:txBody>
+                    <a:bodyPr/>
+                    <a:lstStyle/>
+                    <a:p>
+                      <a:pPr algn="ctr" fontAlgn="base"/>
+                      <a:r>
+                        <a:rPr lang="en-US" sz="1600" dirty="0">
+                          <a:solidFill>
+                            <a:srgbClr val="666666"/>
+                          </a:solidFill>
+                          <a:effectLst/>
+                          <a:latin typeface="inherit"/>
+                        </a:rPr>
+                        <a:t>Mother’s age (y)</a:t>
+                      </a:r>
+                    </a:p>
+                  </a:txBody>
+                  <a:tcPr marL="2702" marR="2702" marT="1689" marB="1689">
+                    <a:lnL w="3810" cap="flat" cmpd="sng" algn="ctr">
+                      <a:solidFill>
+                        <a:srgbClr val="D3D3D3"/>
+                      </a:solidFill>
+                      <a:prstDash val="solid"/>
+                      <a:round/>
+                      <a:headEnd type="none" w="med" len="med"/>
+                      <a:tailEnd type="none" w="med" len="med"/>
+                    </a:lnL>
+                    <a:lnR w="3810" cap="flat" cmpd="sng" algn="ctr">
+                      <a:solidFill>
+                        <a:srgbClr val="D3D3D3"/>
+                      </a:solidFill>
+                      <a:prstDash val="solid"/>
+                      <a:round/>
+                      <a:headEnd type="none" w="med" len="med"/>
+                      <a:tailEnd type="none" w="med" len="med"/>
+                    </a:lnR>
+                    <a:lnT w="3810" cap="flat" cmpd="sng" algn="ctr">
+                      <a:solidFill>
+                        <a:srgbClr val="D3D3D3"/>
+                      </a:solidFill>
+                      <a:prstDash val="solid"/>
+                      <a:round/>
+                      <a:headEnd type="none" w="med" len="med"/>
+                      <a:tailEnd type="none" w="med" len="med"/>
+                    </a:lnT>
+                    <a:lnB w="3810" cap="flat" cmpd="sng" algn="ctr">
+                      <a:solidFill>
+                        <a:srgbClr val="D3D3D3"/>
+                      </a:solidFill>
+                      <a:prstDash val="solid"/>
+                      <a:round/>
+                      <a:headEnd type="none" w="med" len="med"/>
+                      <a:tailEnd type="none" w="med" len="med"/>
+                    </a:lnB>
+                    <a:solidFill>
+                      <a:srgbClr val="FFFFFF"/>
+                    </a:solidFill>
+                  </a:tcPr>
+                </a:tc>
+                <a:tc>
+                  <a:txBody>
+                    <a:bodyPr/>
+                    <a:lstStyle/>
+                    <a:p>
+                      <a:pPr algn="ctr" fontAlgn="base"/>
+                      <a:r>
+                        <a:rPr lang="en-US" sz="1600" dirty="0">
+                          <a:solidFill>
+                            <a:srgbClr val="666666"/>
+                          </a:solidFill>
+                          <a:effectLst/>
+                          <a:latin typeface="inherit"/>
+                        </a:rPr>
+                        <a:t>412</a:t>
+                      </a:r>
+                    </a:p>
+                  </a:txBody>
+                  <a:tcPr marL="2702" marR="2702" marT="1689" marB="1689">
+                    <a:lnL w="3810" cap="flat" cmpd="sng" algn="ctr">
+                      <a:solidFill>
+                        <a:srgbClr val="D3D3D3"/>
+                      </a:solidFill>
+                      <a:prstDash val="solid"/>
+                      <a:round/>
+                      <a:headEnd type="none" w="med" len="med"/>
+                      <a:tailEnd type="none" w="med" len="med"/>
+                    </a:lnL>
+                    <a:lnR w="3810" cap="flat" cmpd="sng" algn="ctr">
+                      <a:solidFill>
+                        <a:srgbClr val="D3D3D3"/>
+                      </a:solidFill>
+                      <a:prstDash val="solid"/>
+                      <a:round/>
+                      <a:headEnd type="none" w="med" len="med"/>
+                      <a:tailEnd type="none" w="med" len="med"/>
+                    </a:lnR>
+                    <a:lnT w="3810" cap="flat" cmpd="sng" algn="ctr">
+                      <a:solidFill>
+                        <a:srgbClr val="D3D3D3"/>
+                      </a:solidFill>
+                      <a:prstDash val="solid"/>
+                      <a:round/>
+                      <a:headEnd type="none" w="med" len="med"/>
+                      <a:tailEnd type="none" w="med" len="med"/>
+                    </a:lnT>
+                    <a:lnB w="3810" cap="flat" cmpd="sng" algn="ctr">
+                      <a:solidFill>
+                        <a:srgbClr val="D3D3D3"/>
+                      </a:solidFill>
+                      <a:prstDash val="solid"/>
+                      <a:round/>
+                      <a:headEnd type="none" w="med" len="med"/>
+                      <a:tailEnd type="none" w="med" len="med"/>
+                    </a:lnB>
+                    <a:solidFill>
+                      <a:srgbClr val="FFFFFF"/>
+                    </a:solidFill>
+                  </a:tcPr>
+                </a:tc>
+                <a:tc>
+                  <a:txBody>
+                    <a:bodyPr/>
+                    <a:lstStyle/>
+                    <a:p>
+                      <a:pPr algn="ctr" fontAlgn="base"/>
+                      <a:r>
+                        <a:rPr lang="en-US" sz="1600">
+                          <a:solidFill>
+                            <a:srgbClr val="666666"/>
+                          </a:solidFill>
+                          <a:effectLst/>
+                          <a:latin typeface="inherit"/>
+                        </a:rPr>
+                        <a:t>24.1</a:t>
+                      </a:r>
+                    </a:p>
+                  </a:txBody>
+                  <a:tcPr marL="2702" marR="2702" marT="1689" marB="1689">
+                    <a:lnL w="3810" cap="flat" cmpd="sng" algn="ctr">
+                      <a:solidFill>
+                        <a:srgbClr val="D3D3D3"/>
+                      </a:solidFill>
+                      <a:prstDash val="solid"/>
+                      <a:round/>
+                      <a:headEnd type="none" w="med" len="med"/>
+                      <a:tailEnd type="none" w="med" len="med"/>
+                    </a:lnL>
+                    <a:lnR w="3810" cap="flat" cmpd="sng" algn="ctr">
+                      <a:solidFill>
+                        <a:srgbClr val="D3D3D3"/>
+                      </a:solidFill>
+                      <a:prstDash val="solid"/>
+                      <a:round/>
+                      <a:headEnd type="none" w="med" len="med"/>
+                      <a:tailEnd type="none" w="med" len="med"/>
+                    </a:lnR>
+                    <a:lnT w="3810" cap="flat" cmpd="sng" algn="ctr">
+                      <a:solidFill>
+                        <a:srgbClr val="D3D3D3"/>
+                      </a:solidFill>
+                      <a:prstDash val="solid"/>
+                      <a:round/>
+                      <a:headEnd type="none" w="med" len="med"/>
+                      <a:tailEnd type="none" w="med" len="med"/>
+                    </a:lnT>
+                    <a:lnB w="3810" cap="flat" cmpd="sng" algn="ctr">
+                      <a:solidFill>
+                        <a:srgbClr val="D3D3D3"/>
+                      </a:solidFill>
+                      <a:prstDash val="solid"/>
+                      <a:round/>
+                      <a:headEnd type="none" w="med" len="med"/>
+                      <a:tailEnd type="none" w="med" len="med"/>
+                    </a:lnB>
+                    <a:solidFill>
+                      <a:srgbClr val="FFFFFF"/>
+                    </a:solidFill>
+                  </a:tcPr>
+                </a:tc>
+                <a:tc>
+                  <a:txBody>
+                    <a:bodyPr/>
+                    <a:lstStyle/>
+                    <a:p>
+                      <a:pPr algn="ctr" fontAlgn="base"/>
+                      <a:r>
+                        <a:rPr lang="en-US" sz="1600" dirty="0">
+                          <a:solidFill>
+                            <a:srgbClr val="666666"/>
+                          </a:solidFill>
+                          <a:effectLst/>
+                          <a:latin typeface="inherit"/>
+                        </a:rPr>
+                        <a:t>4.1</a:t>
+                      </a:r>
+                    </a:p>
+                  </a:txBody>
+                  <a:tcPr marL="2702" marR="2702" marT="1689" marB="1689">
+                    <a:lnL w="3810" cap="flat" cmpd="sng" algn="ctr">
+                      <a:solidFill>
+                        <a:srgbClr val="D3D3D3"/>
+                      </a:solidFill>
+                      <a:prstDash val="solid"/>
+                      <a:round/>
+                      <a:headEnd type="none" w="med" len="med"/>
+                      <a:tailEnd type="none" w="med" len="med"/>
+                    </a:lnL>
+                    <a:lnR w="3810" cap="flat" cmpd="sng" algn="ctr">
+                      <a:solidFill>
+                        <a:srgbClr val="D3D3D3"/>
+                      </a:solidFill>
+                      <a:prstDash val="solid"/>
+                      <a:round/>
+                      <a:headEnd type="none" w="med" len="med"/>
+                      <a:tailEnd type="none" w="med" len="med"/>
+                    </a:lnR>
+                    <a:lnT w="3810" cap="flat" cmpd="sng" algn="ctr">
+                      <a:solidFill>
+                        <a:srgbClr val="D3D3D3"/>
+                      </a:solidFill>
+                      <a:prstDash val="solid"/>
+                      <a:round/>
+                      <a:headEnd type="none" w="med" len="med"/>
+                      <a:tailEnd type="none" w="med" len="med"/>
+                    </a:lnT>
+                    <a:lnB w="3810" cap="flat" cmpd="sng" algn="ctr">
+                      <a:solidFill>
+                        <a:srgbClr val="D3D3D3"/>
+                      </a:solidFill>
+                      <a:prstDash val="solid"/>
+                      <a:round/>
+                      <a:headEnd type="none" w="med" len="med"/>
+                      <a:tailEnd type="none" w="med" len="med"/>
+                    </a:lnB>
+                    <a:solidFill>
+                      <a:srgbClr val="FFFFFF"/>
+                    </a:solidFill>
+                  </a:tcPr>
+                </a:tc>
+                <a:tc>
+                  <a:txBody>
+                    <a:bodyPr/>
+                    <a:lstStyle/>
+                    <a:p>
+                      <a:pPr algn="ctr" fontAlgn="base"/>
+                      <a:r>
+                        <a:rPr lang="en-US" sz="1600" dirty="0">
+                          <a:solidFill>
+                            <a:srgbClr val="666666"/>
+                          </a:solidFill>
+                          <a:effectLst/>
+                          <a:latin typeface="inherit"/>
+                        </a:rPr>
+                        <a:t>16</a:t>
+                      </a:r>
+                    </a:p>
+                  </a:txBody>
+                  <a:tcPr marL="2702" marR="2702" marT="1689" marB="1689">
+                    <a:lnL w="3810" cap="flat" cmpd="sng" algn="ctr">
+                      <a:solidFill>
+                        <a:srgbClr val="D3D3D3"/>
+                      </a:solidFill>
+                      <a:prstDash val="solid"/>
+                      <a:round/>
+                      <a:headEnd type="none" w="med" len="med"/>
+                      <a:tailEnd type="none" w="med" len="med"/>
+                    </a:lnL>
+                    <a:lnR w="3810" cap="flat" cmpd="sng" algn="ctr">
+                      <a:solidFill>
+                        <a:srgbClr val="D3D3D3"/>
+                      </a:solidFill>
+                      <a:prstDash val="solid"/>
+                      <a:round/>
+                      <a:headEnd type="none" w="med" len="med"/>
+                      <a:tailEnd type="none" w="med" len="med"/>
+                    </a:lnR>
+                    <a:lnT w="3810" cap="flat" cmpd="sng" algn="ctr">
+                      <a:solidFill>
+                        <a:srgbClr val="D3D3D3"/>
+                      </a:solidFill>
+                      <a:prstDash val="solid"/>
+                      <a:round/>
+                      <a:headEnd type="none" w="med" len="med"/>
+                      <a:tailEnd type="none" w="med" len="med"/>
+                    </a:lnT>
+                    <a:lnB w="3810" cap="flat" cmpd="sng" algn="ctr">
+                      <a:solidFill>
+                        <a:srgbClr val="D3D3D3"/>
+                      </a:solidFill>
+                      <a:prstDash val="solid"/>
+                      <a:round/>
+                      <a:headEnd type="none" w="med" len="med"/>
+                      <a:tailEnd type="none" w="med" len="med"/>
+                    </a:lnB>
+                    <a:solidFill>
+                      <a:srgbClr val="FFFFFF"/>
+                    </a:solidFill>
+                  </a:tcPr>
+                </a:tc>
+                <a:tc>
+                  <a:txBody>
+                    <a:bodyPr/>
+                    <a:lstStyle/>
+                    <a:p>
+                      <a:pPr algn="ctr" fontAlgn="base"/>
+                      <a:r>
+                        <a:rPr lang="en-US" sz="1600" dirty="0">
+                          <a:solidFill>
+                            <a:srgbClr val="666666"/>
+                          </a:solidFill>
+                          <a:effectLst/>
+                          <a:latin typeface="inherit"/>
+                        </a:rPr>
+                        <a:t>36</a:t>
+                      </a:r>
+                    </a:p>
+                  </a:txBody>
+                  <a:tcPr marL="2702" marR="2702" marT="1689" marB="1689">
+                    <a:lnL w="3810" cap="flat" cmpd="sng" algn="ctr">
+                      <a:solidFill>
+                        <a:srgbClr val="D3D3D3"/>
+                      </a:solidFill>
+                      <a:prstDash val="solid"/>
+                      <a:round/>
+                      <a:headEnd type="none" w="med" len="med"/>
+                      <a:tailEnd type="none" w="med" len="med"/>
+                    </a:lnL>
+                    <a:lnR w="3810" cap="flat" cmpd="sng" algn="ctr">
+                      <a:solidFill>
+                        <a:srgbClr val="D3D3D3"/>
+                      </a:solidFill>
+                      <a:prstDash val="solid"/>
+                      <a:round/>
+                      <a:headEnd type="none" w="med" len="med"/>
+                      <a:tailEnd type="none" w="med" len="med"/>
+                    </a:lnR>
+                    <a:lnT w="3810" cap="flat" cmpd="sng" algn="ctr">
+                      <a:solidFill>
+                        <a:srgbClr val="D3D3D3"/>
+                      </a:solidFill>
+                      <a:prstDash val="solid"/>
+                      <a:round/>
+                      <a:headEnd type="none" w="med" len="med"/>
+                      <a:tailEnd type="none" w="med" len="med"/>
+                    </a:lnT>
+                    <a:lnB w="3810" cap="flat" cmpd="sng" algn="ctr">
+                      <a:solidFill>
+                        <a:srgbClr val="D3D3D3"/>
+                      </a:solidFill>
+                      <a:prstDash val="solid"/>
+                      <a:round/>
+                      <a:headEnd type="none" w="med" len="med"/>
+                      <a:tailEnd type="none" w="med" len="med"/>
+                    </a:lnB>
+                    <a:solidFill>
+                      <a:srgbClr val="FFFFFF"/>
+                    </a:solidFill>
+                  </a:tcPr>
+                </a:tc>
+              </a:tr>
+              <a:tr h="175316">
+                <a:tc>
+                  <a:txBody>
+                    <a:bodyPr/>
+                    <a:lstStyle/>
+                    <a:p>
+                      <a:pPr algn="ctr" fontAlgn="base"/>
+                      <a:r>
+                        <a:rPr lang="en-US" sz="1600" dirty="0">
+                          <a:solidFill>
+                            <a:srgbClr val="666666"/>
+                          </a:solidFill>
+                          <a:effectLst/>
+                          <a:latin typeface="inherit"/>
+                        </a:rPr>
+                        <a:t>Mother’s Verbal IQ</a:t>
+                      </a:r>
+                    </a:p>
+                  </a:txBody>
+                  <a:tcPr marL="2702" marR="2702" marT="1689" marB="1689">
+                    <a:lnL w="3810" cap="flat" cmpd="sng" algn="ctr">
+                      <a:solidFill>
+                        <a:srgbClr val="D3D3D3"/>
+                      </a:solidFill>
+                      <a:prstDash val="solid"/>
+                      <a:round/>
+                      <a:headEnd type="none" w="med" len="med"/>
+                      <a:tailEnd type="none" w="med" len="med"/>
+                    </a:lnL>
+                    <a:lnR w="3810" cap="flat" cmpd="sng" algn="ctr">
+                      <a:solidFill>
+                        <a:srgbClr val="D3D3D3"/>
+                      </a:solidFill>
+                      <a:prstDash val="solid"/>
+                      <a:round/>
+                      <a:headEnd type="none" w="med" len="med"/>
+                      <a:tailEnd type="none" w="med" len="med"/>
+                    </a:lnR>
+                    <a:lnT w="3810" cap="flat" cmpd="sng" algn="ctr">
+                      <a:solidFill>
+                        <a:srgbClr val="D3D3D3"/>
+                      </a:solidFill>
+                      <a:prstDash val="solid"/>
+                      <a:round/>
+                      <a:headEnd type="none" w="med" len="med"/>
+                      <a:tailEnd type="none" w="med" len="med"/>
+                    </a:lnT>
+                    <a:lnB w="3810" cap="flat" cmpd="sng" algn="ctr">
+                      <a:solidFill>
+                        <a:srgbClr val="D3D3D3"/>
+                      </a:solidFill>
+                      <a:prstDash val="solid"/>
+                      <a:round/>
+                      <a:headEnd type="none" w="med" len="med"/>
+                      <a:tailEnd type="none" w="med" len="med"/>
+                    </a:lnB>
+                    <a:solidFill>
+                      <a:srgbClr val="FFFFFF"/>
+                    </a:solidFill>
+                  </a:tcPr>
+                </a:tc>
+                <a:tc>
+                  <a:txBody>
+                    <a:bodyPr/>
+                    <a:lstStyle/>
+                    <a:p>
+                      <a:pPr algn="ctr" fontAlgn="base"/>
+                      <a:r>
+                        <a:rPr lang="en-US" sz="1600" dirty="0">
+                          <a:solidFill>
+                            <a:srgbClr val="666666"/>
+                          </a:solidFill>
+                          <a:effectLst/>
+                          <a:latin typeface="inherit"/>
+                        </a:rPr>
+                        <a:t>376</a:t>
+                      </a:r>
+                    </a:p>
+                  </a:txBody>
+                  <a:tcPr marL="2702" marR="2702" marT="1689" marB="1689">
+                    <a:lnL w="3810" cap="flat" cmpd="sng" algn="ctr">
+                      <a:solidFill>
+                        <a:srgbClr val="D3D3D3"/>
+                      </a:solidFill>
+                      <a:prstDash val="solid"/>
+                      <a:round/>
+                      <a:headEnd type="none" w="med" len="med"/>
+                      <a:tailEnd type="none" w="med" len="med"/>
+                    </a:lnL>
+                    <a:lnR w="3810" cap="flat" cmpd="sng" algn="ctr">
+                      <a:solidFill>
+                        <a:srgbClr val="D3D3D3"/>
+                      </a:solidFill>
+                      <a:prstDash val="solid"/>
+                      <a:round/>
+                      <a:headEnd type="none" w="med" len="med"/>
+                      <a:tailEnd type="none" w="med" len="med"/>
+                    </a:lnR>
+                    <a:lnT w="3810" cap="flat" cmpd="sng" algn="ctr">
+                      <a:solidFill>
+                        <a:srgbClr val="D3D3D3"/>
+                      </a:solidFill>
+                      <a:prstDash val="solid"/>
+                      <a:round/>
+                      <a:headEnd type="none" w="med" len="med"/>
+                      <a:tailEnd type="none" w="med" len="med"/>
+                    </a:lnT>
+                    <a:lnB w="3810" cap="flat" cmpd="sng" algn="ctr">
+                      <a:solidFill>
+                        <a:srgbClr val="D3D3D3"/>
+                      </a:solidFill>
+                      <a:prstDash val="solid"/>
+                      <a:round/>
+                      <a:headEnd type="none" w="med" len="med"/>
+                      <a:tailEnd type="none" w="med" len="med"/>
+                    </a:lnB>
+                    <a:solidFill>
+                      <a:srgbClr val="FFFFFF"/>
+                    </a:solidFill>
+                  </a:tcPr>
+                </a:tc>
+                <a:tc>
+                  <a:txBody>
+                    <a:bodyPr/>
+                    <a:lstStyle/>
+                    <a:p>
+                      <a:pPr algn="ctr" fontAlgn="base"/>
+                      <a:r>
+                        <a:rPr lang="en-US" sz="1600" dirty="0">
+                          <a:solidFill>
+                            <a:srgbClr val="666666"/>
+                          </a:solidFill>
+                          <a:effectLst/>
+                          <a:latin typeface="inherit"/>
+                        </a:rPr>
+                        <a:t>85.6</a:t>
+                      </a:r>
+                    </a:p>
+                  </a:txBody>
+                  <a:tcPr marL="2702" marR="2702" marT="1689" marB="1689">
+                    <a:lnL w="3810" cap="flat" cmpd="sng" algn="ctr">
+                      <a:solidFill>
+                        <a:srgbClr val="D3D3D3"/>
+                      </a:solidFill>
+                      <a:prstDash val="solid"/>
+                      <a:round/>
+                      <a:headEnd type="none" w="med" len="med"/>
+                      <a:tailEnd type="none" w="med" len="med"/>
+                    </a:lnL>
+                    <a:lnR w="3810" cap="flat" cmpd="sng" algn="ctr">
+                      <a:solidFill>
+                        <a:srgbClr val="D3D3D3"/>
+                      </a:solidFill>
+                      <a:prstDash val="solid"/>
+                      <a:round/>
+                      <a:headEnd type="none" w="med" len="med"/>
+                      <a:tailEnd type="none" w="med" len="med"/>
+                    </a:lnR>
+                    <a:lnT w="3810" cap="flat" cmpd="sng" algn="ctr">
+                      <a:solidFill>
+                        <a:srgbClr val="D3D3D3"/>
+                      </a:solidFill>
+                      <a:prstDash val="solid"/>
+                      <a:round/>
+                      <a:headEnd type="none" w="med" len="med"/>
+                      <a:tailEnd type="none" w="med" len="med"/>
+                    </a:lnT>
+                    <a:lnB w="3810" cap="flat" cmpd="sng" algn="ctr">
+                      <a:solidFill>
+                        <a:srgbClr val="D3D3D3"/>
+                      </a:solidFill>
+                      <a:prstDash val="solid"/>
+                      <a:round/>
+                      <a:headEnd type="none" w="med" len="med"/>
+                      <a:tailEnd type="none" w="med" len="med"/>
+                    </a:lnB>
+                    <a:solidFill>
+                      <a:srgbClr val="FFFFFF"/>
+                    </a:solidFill>
+                  </a:tcPr>
+                </a:tc>
+                <a:tc>
+                  <a:txBody>
+                    <a:bodyPr/>
+                    <a:lstStyle/>
+                    <a:p>
+                      <a:pPr algn="ctr" fontAlgn="base"/>
+                      <a:r>
+                        <a:rPr lang="en-US" sz="1600">
+                          <a:solidFill>
+                            <a:srgbClr val="666666"/>
+                          </a:solidFill>
+                          <a:effectLst/>
+                          <a:latin typeface="inherit"/>
+                        </a:rPr>
+                        <a:t>12.7</a:t>
+                      </a:r>
+                    </a:p>
+                  </a:txBody>
+                  <a:tcPr marL="2702" marR="2702" marT="1689" marB="1689">
+                    <a:lnL w="3810" cap="flat" cmpd="sng" algn="ctr">
+                      <a:solidFill>
+                        <a:srgbClr val="D3D3D3"/>
+                      </a:solidFill>
+                      <a:prstDash val="solid"/>
+                      <a:round/>
+                      <a:headEnd type="none" w="med" len="med"/>
+                      <a:tailEnd type="none" w="med" len="med"/>
+                    </a:lnL>
+                    <a:lnR w="3810" cap="flat" cmpd="sng" algn="ctr">
+                      <a:solidFill>
+                        <a:srgbClr val="D3D3D3"/>
+                      </a:solidFill>
+                      <a:prstDash val="solid"/>
+                      <a:round/>
+                      <a:headEnd type="none" w="med" len="med"/>
+                      <a:tailEnd type="none" w="med" len="med"/>
+                    </a:lnR>
+                    <a:lnT w="3810" cap="flat" cmpd="sng" algn="ctr">
+                      <a:solidFill>
+                        <a:srgbClr val="D3D3D3"/>
+                      </a:solidFill>
+                      <a:prstDash val="solid"/>
+                      <a:round/>
+                      <a:headEnd type="none" w="med" len="med"/>
+                      <a:tailEnd type="none" w="med" len="med"/>
+                    </a:lnT>
+                    <a:lnB w="3810" cap="flat" cmpd="sng" algn="ctr">
+                      <a:solidFill>
+                        <a:srgbClr val="D3D3D3"/>
+                      </a:solidFill>
+                      <a:prstDash val="solid"/>
+                      <a:round/>
+                      <a:headEnd type="none" w="med" len="med"/>
+                      <a:tailEnd type="none" w="med" len="med"/>
+                    </a:lnB>
+                    <a:solidFill>
+                      <a:srgbClr val="FFFFFF"/>
+                    </a:solidFill>
+                  </a:tcPr>
+                </a:tc>
+                <a:tc>
+                  <a:txBody>
+                    <a:bodyPr/>
+                    <a:lstStyle/>
+                    <a:p>
+                      <a:pPr algn="ctr" fontAlgn="base"/>
+                      <a:r>
+                        <a:rPr lang="en-US" sz="1600">
+                          <a:solidFill>
+                            <a:srgbClr val="666666"/>
+                          </a:solidFill>
+                          <a:effectLst/>
+                          <a:latin typeface="inherit"/>
+                        </a:rPr>
+                        <a:t>22</a:t>
+                      </a:r>
+                    </a:p>
+                  </a:txBody>
+                  <a:tcPr marL="2702" marR="2702" marT="1689" marB="1689">
+                    <a:lnL w="3810" cap="flat" cmpd="sng" algn="ctr">
+                      <a:solidFill>
+                        <a:srgbClr val="D3D3D3"/>
+                      </a:solidFill>
+                      <a:prstDash val="solid"/>
+                      <a:round/>
+                      <a:headEnd type="none" w="med" len="med"/>
+                      <a:tailEnd type="none" w="med" len="med"/>
+                    </a:lnL>
+                    <a:lnR w="3810" cap="flat" cmpd="sng" algn="ctr">
+                      <a:solidFill>
+                        <a:srgbClr val="D3D3D3"/>
+                      </a:solidFill>
+                      <a:prstDash val="solid"/>
+                      <a:round/>
+                      <a:headEnd type="none" w="med" len="med"/>
+                      <a:tailEnd type="none" w="med" len="med"/>
+                    </a:lnR>
+                    <a:lnT w="3810" cap="flat" cmpd="sng" algn="ctr">
+                      <a:solidFill>
+                        <a:srgbClr val="D3D3D3"/>
+                      </a:solidFill>
+                      <a:prstDash val="solid"/>
+                      <a:round/>
+                      <a:headEnd type="none" w="med" len="med"/>
+                      <a:tailEnd type="none" w="med" len="med"/>
+                    </a:lnT>
+                    <a:lnB w="3810" cap="flat" cmpd="sng" algn="ctr">
+                      <a:solidFill>
+                        <a:srgbClr val="D3D3D3"/>
+                      </a:solidFill>
+                      <a:prstDash val="solid"/>
+                      <a:round/>
+                      <a:headEnd type="none" w="med" len="med"/>
+                      <a:tailEnd type="none" w="med" len="med"/>
+                    </a:lnB>
+                    <a:solidFill>
+                      <a:srgbClr val="FFFFFF"/>
+                    </a:solidFill>
+                  </a:tcPr>
+                </a:tc>
+                <a:tc>
+                  <a:txBody>
+                    <a:bodyPr/>
+                    <a:lstStyle/>
+                    <a:p>
+                      <a:pPr algn="ctr" fontAlgn="base"/>
+                      <a:r>
+                        <a:rPr lang="en-US" sz="1600" dirty="0">
+                          <a:solidFill>
+                            <a:srgbClr val="666666"/>
+                          </a:solidFill>
+                          <a:effectLst/>
+                          <a:latin typeface="inherit"/>
+                        </a:rPr>
+                        <a:t>129</a:t>
+                      </a:r>
+                    </a:p>
+                  </a:txBody>
+                  <a:tcPr marL="2702" marR="2702" marT="1689" marB="1689">
+                    <a:lnL w="3810" cap="flat" cmpd="sng" algn="ctr">
+                      <a:solidFill>
+                        <a:srgbClr val="D3D3D3"/>
+                      </a:solidFill>
+                      <a:prstDash val="solid"/>
+                      <a:round/>
+                      <a:headEnd type="none" w="med" len="med"/>
+                      <a:tailEnd type="none" w="med" len="med"/>
+                    </a:lnL>
+                    <a:lnR w="3810" cap="flat" cmpd="sng" algn="ctr">
+                      <a:solidFill>
+                        <a:srgbClr val="D3D3D3"/>
+                      </a:solidFill>
+                      <a:prstDash val="solid"/>
+                      <a:round/>
+                      <a:headEnd type="none" w="med" len="med"/>
+                      <a:tailEnd type="none" w="med" len="med"/>
+                    </a:lnR>
+                    <a:lnT w="3810" cap="flat" cmpd="sng" algn="ctr">
+                      <a:solidFill>
+                        <a:srgbClr val="D3D3D3"/>
+                      </a:solidFill>
+                      <a:prstDash val="solid"/>
+                      <a:round/>
+                      <a:headEnd type="none" w="med" len="med"/>
+                      <a:tailEnd type="none" w="med" len="med"/>
+                    </a:lnT>
+                    <a:lnB w="3810" cap="flat" cmpd="sng" algn="ctr">
+                      <a:solidFill>
+                        <a:srgbClr val="D3D3D3"/>
+                      </a:solidFill>
+                      <a:prstDash val="solid"/>
+                      <a:round/>
+                      <a:headEnd type="none" w="med" len="med"/>
+                      <a:tailEnd type="none" w="med" len="med"/>
+                    </a:lnB>
+                    <a:solidFill>
+                      <a:srgbClr val="FFFFFF"/>
+                    </a:solidFill>
+                  </a:tcPr>
+                </a:tc>
+              </a:tr>
+              <a:tr h="213800">
+                <a:tc>
+                  <a:txBody>
+                    <a:bodyPr/>
+                    <a:lstStyle/>
+                    <a:p>
+                      <a:pPr algn="ctr" fontAlgn="base"/>
+                      <a:r>
+                        <a:rPr lang="en-US" sz="1600">
+                          <a:solidFill>
+                            <a:srgbClr val="666666"/>
+                          </a:solidFill>
+                          <a:effectLst/>
+                          <a:latin typeface="inherit"/>
+                        </a:rPr>
+                        <a:t>Mother’s Performance IQ</a:t>
+                      </a:r>
+                    </a:p>
+                  </a:txBody>
+                  <a:tcPr marL="2702" marR="2702" marT="1689" marB="1689">
+                    <a:lnL w="3810" cap="flat" cmpd="sng" algn="ctr">
+                      <a:solidFill>
+                        <a:srgbClr val="D3D3D3"/>
+                      </a:solidFill>
+                      <a:prstDash val="solid"/>
+                      <a:round/>
+                      <a:headEnd type="none" w="med" len="med"/>
+                      <a:tailEnd type="none" w="med" len="med"/>
+                    </a:lnL>
+                    <a:lnR w="3810" cap="flat" cmpd="sng" algn="ctr">
+                      <a:solidFill>
+                        <a:srgbClr val="D3D3D3"/>
+                      </a:solidFill>
+                      <a:prstDash val="solid"/>
+                      <a:round/>
+                      <a:headEnd type="none" w="med" len="med"/>
+                      <a:tailEnd type="none" w="med" len="med"/>
+                    </a:lnR>
+                    <a:lnT w="3810" cap="flat" cmpd="sng" algn="ctr">
+                      <a:solidFill>
+                        <a:srgbClr val="D3D3D3"/>
+                      </a:solidFill>
+                      <a:prstDash val="solid"/>
+                      <a:round/>
+                      <a:headEnd type="none" w="med" len="med"/>
+                      <a:tailEnd type="none" w="med" len="med"/>
+                    </a:lnT>
+                    <a:lnB w="3810" cap="flat" cmpd="sng" algn="ctr">
+                      <a:solidFill>
+                        <a:srgbClr val="D3D3D3"/>
+                      </a:solidFill>
+                      <a:prstDash val="solid"/>
+                      <a:round/>
+                      <a:headEnd type="none" w="med" len="med"/>
+                      <a:tailEnd type="none" w="med" len="med"/>
+                    </a:lnB>
+                    <a:solidFill>
+                      <a:srgbClr val="FFFFFF"/>
+                    </a:solidFill>
+                  </a:tcPr>
+                </a:tc>
+                <a:tc>
+                  <a:txBody>
+                    <a:bodyPr/>
+                    <a:lstStyle/>
+                    <a:p>
+                      <a:pPr algn="ctr" fontAlgn="base"/>
+                      <a:r>
+                        <a:rPr lang="en-US" sz="1600" dirty="0">
+                          <a:solidFill>
+                            <a:srgbClr val="666666"/>
+                          </a:solidFill>
+                          <a:effectLst/>
+                          <a:latin typeface="inherit"/>
+                        </a:rPr>
+                        <a:t>378</a:t>
+                      </a:r>
+                    </a:p>
+                  </a:txBody>
+                  <a:tcPr marL="2702" marR="2702" marT="1689" marB="1689">
+                    <a:lnL w="3810" cap="flat" cmpd="sng" algn="ctr">
+                      <a:solidFill>
+                        <a:srgbClr val="D3D3D3"/>
+                      </a:solidFill>
+                      <a:prstDash val="solid"/>
+                      <a:round/>
+                      <a:headEnd type="none" w="med" len="med"/>
+                      <a:tailEnd type="none" w="med" len="med"/>
+                    </a:lnL>
+                    <a:lnR w="3810" cap="flat" cmpd="sng" algn="ctr">
+                      <a:solidFill>
+                        <a:srgbClr val="D3D3D3"/>
+                      </a:solidFill>
+                      <a:prstDash val="solid"/>
+                      <a:round/>
+                      <a:headEnd type="none" w="med" len="med"/>
+                      <a:tailEnd type="none" w="med" len="med"/>
+                    </a:lnR>
+                    <a:lnT w="3810" cap="flat" cmpd="sng" algn="ctr">
+                      <a:solidFill>
+                        <a:srgbClr val="D3D3D3"/>
+                      </a:solidFill>
+                      <a:prstDash val="solid"/>
+                      <a:round/>
+                      <a:headEnd type="none" w="med" len="med"/>
+                      <a:tailEnd type="none" w="med" len="med"/>
+                    </a:lnT>
+                    <a:lnB w="3810" cap="flat" cmpd="sng" algn="ctr">
+                      <a:solidFill>
+                        <a:srgbClr val="D3D3D3"/>
+                      </a:solidFill>
+                      <a:prstDash val="solid"/>
+                      <a:round/>
+                      <a:headEnd type="none" w="med" len="med"/>
+                      <a:tailEnd type="none" w="med" len="med"/>
+                    </a:lnB>
+                    <a:solidFill>
+                      <a:srgbClr val="FFFFFF"/>
+                    </a:solidFill>
+                  </a:tcPr>
+                </a:tc>
+                <a:tc>
+                  <a:txBody>
+                    <a:bodyPr/>
+                    <a:lstStyle/>
+                    <a:p>
+                      <a:pPr algn="ctr" fontAlgn="base"/>
+                      <a:r>
+                        <a:rPr lang="en-US" sz="1600">
+                          <a:solidFill>
+                            <a:srgbClr val="666666"/>
+                          </a:solidFill>
+                          <a:effectLst/>
+                          <a:latin typeface="inherit"/>
+                        </a:rPr>
+                        <a:t>88.5</a:t>
+                      </a:r>
+                    </a:p>
+                  </a:txBody>
+                  <a:tcPr marL="2702" marR="2702" marT="1689" marB="1689">
+                    <a:lnL w="3810" cap="flat" cmpd="sng" algn="ctr">
+                      <a:solidFill>
+                        <a:srgbClr val="D3D3D3"/>
+                      </a:solidFill>
+                      <a:prstDash val="solid"/>
+                      <a:round/>
+                      <a:headEnd type="none" w="med" len="med"/>
+                      <a:tailEnd type="none" w="med" len="med"/>
+                    </a:lnL>
+                    <a:lnR w="3810" cap="flat" cmpd="sng" algn="ctr">
+                      <a:solidFill>
+                        <a:srgbClr val="D3D3D3"/>
+                      </a:solidFill>
+                      <a:prstDash val="solid"/>
+                      <a:round/>
+                      <a:headEnd type="none" w="med" len="med"/>
+                      <a:tailEnd type="none" w="med" len="med"/>
+                    </a:lnR>
+                    <a:lnT w="3810" cap="flat" cmpd="sng" algn="ctr">
+                      <a:solidFill>
+                        <a:srgbClr val="D3D3D3"/>
+                      </a:solidFill>
+                      <a:prstDash val="solid"/>
+                      <a:round/>
+                      <a:headEnd type="none" w="med" len="med"/>
+                      <a:tailEnd type="none" w="med" len="med"/>
+                    </a:lnT>
+                    <a:lnB w="3810" cap="flat" cmpd="sng" algn="ctr">
+                      <a:solidFill>
+                        <a:srgbClr val="D3D3D3"/>
+                      </a:solidFill>
+                      <a:prstDash val="solid"/>
+                      <a:round/>
+                      <a:headEnd type="none" w="med" len="med"/>
+                      <a:tailEnd type="none" w="med" len="med"/>
+                    </a:lnB>
+                    <a:solidFill>
+                      <a:srgbClr val="FFFFFF"/>
+                    </a:solidFill>
+                  </a:tcPr>
+                </a:tc>
+                <a:tc>
+                  <a:txBody>
+                    <a:bodyPr/>
+                    <a:lstStyle/>
+                    <a:p>
+                      <a:pPr algn="ctr" fontAlgn="base"/>
+                      <a:r>
+                        <a:rPr lang="en-US" sz="1600" dirty="0">
+                          <a:solidFill>
+                            <a:srgbClr val="666666"/>
+                          </a:solidFill>
+                          <a:effectLst/>
+                          <a:latin typeface="inherit"/>
+                        </a:rPr>
+                        <a:t>14.4</a:t>
+                      </a:r>
+                    </a:p>
+                  </a:txBody>
+                  <a:tcPr marL="2702" marR="2702" marT="1689" marB="1689">
+                    <a:lnL w="3810" cap="flat" cmpd="sng" algn="ctr">
+                      <a:solidFill>
+                        <a:srgbClr val="D3D3D3"/>
+                      </a:solidFill>
+                      <a:prstDash val="solid"/>
+                      <a:round/>
+                      <a:headEnd type="none" w="med" len="med"/>
+                      <a:tailEnd type="none" w="med" len="med"/>
+                    </a:lnL>
+                    <a:lnR w="3810" cap="flat" cmpd="sng" algn="ctr">
+                      <a:solidFill>
+                        <a:srgbClr val="D3D3D3"/>
+                      </a:solidFill>
+                      <a:prstDash val="solid"/>
+                      <a:round/>
+                      <a:headEnd type="none" w="med" len="med"/>
+                      <a:tailEnd type="none" w="med" len="med"/>
+                    </a:lnR>
+                    <a:lnT w="3810" cap="flat" cmpd="sng" algn="ctr">
+                      <a:solidFill>
+                        <a:srgbClr val="D3D3D3"/>
+                      </a:solidFill>
+                      <a:prstDash val="solid"/>
+                      <a:round/>
+                      <a:headEnd type="none" w="med" len="med"/>
+                      <a:tailEnd type="none" w="med" len="med"/>
+                    </a:lnT>
+                    <a:lnB w="3810" cap="flat" cmpd="sng" algn="ctr">
+                      <a:solidFill>
+                        <a:srgbClr val="D3D3D3"/>
+                      </a:solidFill>
+                      <a:prstDash val="solid"/>
+                      <a:round/>
+                      <a:headEnd type="none" w="med" len="med"/>
+                      <a:tailEnd type="none" w="med" len="med"/>
+                    </a:lnB>
+                    <a:solidFill>
+                      <a:srgbClr val="FFFFFF"/>
+                    </a:solidFill>
+                  </a:tcPr>
+                </a:tc>
+                <a:tc>
+                  <a:txBody>
+                    <a:bodyPr/>
+                    <a:lstStyle/>
+                    <a:p>
+                      <a:pPr algn="ctr" fontAlgn="base"/>
+                      <a:r>
+                        <a:rPr lang="en-US" sz="1600">
+                          <a:solidFill>
+                            <a:srgbClr val="666666"/>
+                          </a:solidFill>
+                          <a:effectLst/>
+                          <a:latin typeface="inherit"/>
+                        </a:rPr>
+                        <a:t>47</a:t>
+                      </a:r>
+                    </a:p>
+                  </a:txBody>
+                  <a:tcPr marL="2702" marR="2702" marT="1689" marB="1689">
+                    <a:lnL w="3810" cap="flat" cmpd="sng" algn="ctr">
+                      <a:solidFill>
+                        <a:srgbClr val="D3D3D3"/>
+                      </a:solidFill>
+                      <a:prstDash val="solid"/>
+                      <a:round/>
+                      <a:headEnd type="none" w="med" len="med"/>
+                      <a:tailEnd type="none" w="med" len="med"/>
+                    </a:lnL>
+                    <a:lnR w="3810" cap="flat" cmpd="sng" algn="ctr">
+                      <a:solidFill>
+                        <a:srgbClr val="D3D3D3"/>
+                      </a:solidFill>
+                      <a:prstDash val="solid"/>
+                      <a:round/>
+                      <a:headEnd type="none" w="med" len="med"/>
+                      <a:tailEnd type="none" w="med" len="med"/>
+                    </a:lnR>
+                    <a:lnT w="3810" cap="flat" cmpd="sng" algn="ctr">
+                      <a:solidFill>
+                        <a:srgbClr val="D3D3D3"/>
+                      </a:solidFill>
+                      <a:prstDash val="solid"/>
+                      <a:round/>
+                      <a:headEnd type="none" w="med" len="med"/>
+                      <a:tailEnd type="none" w="med" len="med"/>
+                    </a:lnT>
+                    <a:lnB w="3810" cap="flat" cmpd="sng" algn="ctr">
+                      <a:solidFill>
+                        <a:srgbClr val="D3D3D3"/>
+                      </a:solidFill>
+                      <a:prstDash val="solid"/>
+                      <a:round/>
+                      <a:headEnd type="none" w="med" len="med"/>
+                      <a:tailEnd type="none" w="med" len="med"/>
+                    </a:lnB>
+                    <a:solidFill>
+                      <a:srgbClr val="FFFFFF"/>
+                    </a:solidFill>
+                  </a:tcPr>
+                </a:tc>
+                <a:tc>
+                  <a:txBody>
+                    <a:bodyPr/>
+                    <a:lstStyle/>
+                    <a:p>
+                      <a:pPr algn="ctr" fontAlgn="base"/>
+                      <a:r>
+                        <a:rPr lang="en-US" sz="1600" dirty="0">
+                          <a:solidFill>
+                            <a:srgbClr val="666666"/>
+                          </a:solidFill>
+                          <a:effectLst/>
+                          <a:latin typeface="inherit"/>
+                        </a:rPr>
+                        <a:t>132</a:t>
+                      </a:r>
+                    </a:p>
+                  </a:txBody>
+                  <a:tcPr marL="2702" marR="2702" marT="1689" marB="1689">
+                    <a:lnL w="3810" cap="flat" cmpd="sng" algn="ctr">
+                      <a:solidFill>
+                        <a:srgbClr val="D3D3D3"/>
+                      </a:solidFill>
+                      <a:prstDash val="solid"/>
+                      <a:round/>
+                      <a:headEnd type="none" w="med" len="med"/>
+                      <a:tailEnd type="none" w="med" len="med"/>
+                    </a:lnL>
+                    <a:lnR w="3810" cap="flat" cmpd="sng" algn="ctr">
+                      <a:solidFill>
+                        <a:srgbClr val="D3D3D3"/>
+                      </a:solidFill>
+                      <a:prstDash val="solid"/>
+                      <a:round/>
+                      <a:headEnd type="none" w="med" len="med"/>
+                      <a:tailEnd type="none" w="med" len="med"/>
+                    </a:lnR>
+                    <a:lnT w="3810" cap="flat" cmpd="sng" algn="ctr">
+                      <a:solidFill>
+                        <a:srgbClr val="D3D3D3"/>
+                      </a:solidFill>
+                      <a:prstDash val="solid"/>
+                      <a:round/>
+                      <a:headEnd type="none" w="med" len="med"/>
+                      <a:tailEnd type="none" w="med" len="med"/>
+                    </a:lnT>
+                    <a:lnB w="3810" cap="flat" cmpd="sng" algn="ctr">
+                      <a:solidFill>
+                        <a:srgbClr val="D3D3D3"/>
+                      </a:solidFill>
+                      <a:prstDash val="solid"/>
+                      <a:round/>
+                      <a:headEnd type="none" w="med" len="med"/>
+                      <a:tailEnd type="none" w="med" len="med"/>
+                    </a:lnB>
+                    <a:solidFill>
+                      <a:srgbClr val="FFFFFF"/>
+                    </a:solidFill>
+                  </a:tcPr>
+                </a:tc>
+              </a:tr>
+              <a:tr h="213800">
+                <a:tc>
+                  <a:txBody>
+                    <a:bodyPr/>
+                    <a:lstStyle/>
+                    <a:p>
+                      <a:pPr algn="ctr" fontAlgn="base"/>
+                      <a:r>
+                        <a:rPr lang="en-US" sz="1600">
+                          <a:solidFill>
+                            <a:srgbClr val="666666"/>
+                          </a:solidFill>
+                          <a:effectLst/>
+                          <a:latin typeface="inherit"/>
+                        </a:rPr>
+                        <a:t>Mother’s Full-scale IQ</a:t>
+                      </a:r>
+                    </a:p>
+                  </a:txBody>
+                  <a:tcPr marL="2702" marR="2702" marT="1689" marB="1689">
+                    <a:lnL w="3810" cap="flat" cmpd="sng" algn="ctr">
+                      <a:solidFill>
+                        <a:srgbClr val="D3D3D3"/>
+                      </a:solidFill>
+                      <a:prstDash val="solid"/>
+                      <a:round/>
+                      <a:headEnd type="none" w="med" len="med"/>
+                      <a:tailEnd type="none" w="med" len="med"/>
+                    </a:lnL>
+                    <a:lnR w="3810" cap="flat" cmpd="sng" algn="ctr">
+                      <a:solidFill>
+                        <a:srgbClr val="D3D3D3"/>
+                      </a:solidFill>
+                      <a:prstDash val="solid"/>
+                      <a:round/>
+                      <a:headEnd type="none" w="med" len="med"/>
+                      <a:tailEnd type="none" w="med" len="med"/>
+                    </a:lnR>
+                    <a:lnT w="3810" cap="flat" cmpd="sng" algn="ctr">
+                      <a:solidFill>
+                        <a:srgbClr val="D3D3D3"/>
+                      </a:solidFill>
+                      <a:prstDash val="solid"/>
+                      <a:round/>
+                      <a:headEnd type="none" w="med" len="med"/>
+                      <a:tailEnd type="none" w="med" len="med"/>
+                    </a:lnT>
+                    <a:lnB w="3810" cap="flat" cmpd="sng" algn="ctr">
+                      <a:solidFill>
+                        <a:srgbClr val="D3D3D3"/>
+                      </a:solidFill>
+                      <a:prstDash val="solid"/>
+                      <a:round/>
+                      <a:headEnd type="none" w="med" len="med"/>
+                      <a:tailEnd type="none" w="med" len="med"/>
+                    </a:lnB>
+                    <a:solidFill>
+                      <a:srgbClr val="FFFFFF"/>
+                    </a:solidFill>
+                  </a:tcPr>
+                </a:tc>
+                <a:tc>
+                  <a:txBody>
+                    <a:bodyPr/>
+                    <a:lstStyle/>
+                    <a:p>
+                      <a:pPr algn="ctr" fontAlgn="base"/>
+                      <a:r>
+                        <a:rPr lang="en-US" sz="1600" dirty="0">
+                          <a:solidFill>
+                            <a:srgbClr val="666666"/>
+                          </a:solidFill>
+                          <a:effectLst/>
+                          <a:latin typeface="inherit"/>
+                        </a:rPr>
+                        <a:t>379</a:t>
+                      </a:r>
+                    </a:p>
+                  </a:txBody>
+                  <a:tcPr marL="2702" marR="2702" marT="1689" marB="1689">
+                    <a:lnL w="3810" cap="flat" cmpd="sng" algn="ctr">
+                      <a:solidFill>
+                        <a:srgbClr val="D3D3D3"/>
+                      </a:solidFill>
+                      <a:prstDash val="solid"/>
+                      <a:round/>
+                      <a:headEnd type="none" w="med" len="med"/>
+                      <a:tailEnd type="none" w="med" len="med"/>
+                    </a:lnL>
+                    <a:lnR w="3810" cap="flat" cmpd="sng" algn="ctr">
+                      <a:solidFill>
+                        <a:srgbClr val="D3D3D3"/>
+                      </a:solidFill>
+                      <a:prstDash val="solid"/>
+                      <a:round/>
+                      <a:headEnd type="none" w="med" len="med"/>
+                      <a:tailEnd type="none" w="med" len="med"/>
+                    </a:lnR>
+                    <a:lnT w="3810" cap="flat" cmpd="sng" algn="ctr">
+                      <a:solidFill>
+                        <a:srgbClr val="D3D3D3"/>
+                      </a:solidFill>
+                      <a:prstDash val="solid"/>
+                      <a:round/>
+                      <a:headEnd type="none" w="med" len="med"/>
+                      <a:tailEnd type="none" w="med" len="med"/>
+                    </a:lnT>
+                    <a:lnB w="3810" cap="flat" cmpd="sng" algn="ctr">
+                      <a:solidFill>
+                        <a:srgbClr val="D3D3D3"/>
+                      </a:solidFill>
+                      <a:prstDash val="solid"/>
+                      <a:round/>
+                      <a:headEnd type="none" w="med" len="med"/>
+                      <a:tailEnd type="none" w="med" len="med"/>
+                    </a:lnB>
+                    <a:solidFill>
+                      <a:srgbClr val="FFFFFF"/>
+                    </a:solidFill>
+                  </a:tcPr>
+                </a:tc>
+                <a:tc>
+                  <a:txBody>
+                    <a:bodyPr/>
+                    <a:lstStyle/>
+                    <a:p>
+                      <a:pPr algn="ctr" fontAlgn="base"/>
+                      <a:r>
+                        <a:rPr lang="en-US" sz="1600" dirty="0">
+                          <a:solidFill>
+                            <a:srgbClr val="666666"/>
+                          </a:solidFill>
+                          <a:effectLst/>
+                          <a:latin typeface="inherit"/>
+                        </a:rPr>
+                        <a:t>85.9</a:t>
+                      </a:r>
+                    </a:p>
+                  </a:txBody>
+                  <a:tcPr marL="2702" marR="2702" marT="1689" marB="1689">
+                    <a:lnL w="3810" cap="flat" cmpd="sng" algn="ctr">
+                      <a:solidFill>
+                        <a:srgbClr val="D3D3D3"/>
+                      </a:solidFill>
+                      <a:prstDash val="solid"/>
+                      <a:round/>
+                      <a:headEnd type="none" w="med" len="med"/>
+                      <a:tailEnd type="none" w="med" len="med"/>
+                    </a:lnL>
+                    <a:lnR w="3810" cap="flat" cmpd="sng" algn="ctr">
+                      <a:solidFill>
+                        <a:srgbClr val="D3D3D3"/>
+                      </a:solidFill>
+                      <a:prstDash val="solid"/>
+                      <a:round/>
+                      <a:headEnd type="none" w="med" len="med"/>
+                      <a:tailEnd type="none" w="med" len="med"/>
+                    </a:lnR>
+                    <a:lnT w="3810" cap="flat" cmpd="sng" algn="ctr">
+                      <a:solidFill>
+                        <a:srgbClr val="D3D3D3"/>
+                      </a:solidFill>
+                      <a:prstDash val="solid"/>
+                      <a:round/>
+                      <a:headEnd type="none" w="med" len="med"/>
+                      <a:tailEnd type="none" w="med" len="med"/>
+                    </a:lnT>
+                    <a:lnB w="3810" cap="flat" cmpd="sng" algn="ctr">
+                      <a:solidFill>
+                        <a:srgbClr val="D3D3D3"/>
+                      </a:solidFill>
+                      <a:prstDash val="solid"/>
+                      <a:round/>
+                      <a:headEnd type="none" w="med" len="med"/>
+                      <a:tailEnd type="none" w="med" len="med"/>
+                    </a:lnB>
+                    <a:solidFill>
+                      <a:srgbClr val="FFFFFF"/>
+                    </a:solidFill>
+                  </a:tcPr>
+                </a:tc>
+                <a:tc>
+                  <a:txBody>
+                    <a:bodyPr/>
+                    <a:lstStyle/>
+                    <a:p>
+                      <a:pPr algn="ctr" fontAlgn="base"/>
+                      <a:r>
+                        <a:rPr lang="en-US" sz="1600" dirty="0">
+                          <a:solidFill>
+                            <a:srgbClr val="666666"/>
+                          </a:solidFill>
+                          <a:effectLst/>
+                          <a:latin typeface="inherit"/>
+                        </a:rPr>
+                        <a:t>13.7</a:t>
+                      </a:r>
+                    </a:p>
+                  </a:txBody>
+                  <a:tcPr marL="2702" marR="2702" marT="1689" marB="1689">
+                    <a:lnL w="3810" cap="flat" cmpd="sng" algn="ctr">
+                      <a:solidFill>
+                        <a:srgbClr val="D3D3D3"/>
+                      </a:solidFill>
+                      <a:prstDash val="solid"/>
+                      <a:round/>
+                      <a:headEnd type="none" w="med" len="med"/>
+                      <a:tailEnd type="none" w="med" len="med"/>
+                    </a:lnL>
+                    <a:lnR w="3810" cap="flat" cmpd="sng" algn="ctr">
+                      <a:solidFill>
+                        <a:srgbClr val="D3D3D3"/>
+                      </a:solidFill>
+                      <a:prstDash val="solid"/>
+                      <a:round/>
+                      <a:headEnd type="none" w="med" len="med"/>
+                      <a:tailEnd type="none" w="med" len="med"/>
+                    </a:lnR>
+                    <a:lnT w="3810" cap="flat" cmpd="sng" algn="ctr">
+                      <a:solidFill>
+                        <a:srgbClr val="D3D3D3"/>
+                      </a:solidFill>
+                      <a:prstDash val="solid"/>
+                      <a:round/>
+                      <a:headEnd type="none" w="med" len="med"/>
+                      <a:tailEnd type="none" w="med" len="med"/>
+                    </a:lnT>
+                    <a:lnB w="3810" cap="flat" cmpd="sng" algn="ctr">
+                      <a:solidFill>
+                        <a:srgbClr val="D3D3D3"/>
+                      </a:solidFill>
+                      <a:prstDash val="solid"/>
+                      <a:round/>
+                      <a:headEnd type="none" w="med" len="med"/>
+                      <a:tailEnd type="none" w="med" len="med"/>
+                    </a:lnB>
+                    <a:solidFill>
+                      <a:srgbClr val="FFFFFF"/>
+                    </a:solidFill>
+                  </a:tcPr>
+                </a:tc>
+                <a:tc>
+                  <a:txBody>
+                    <a:bodyPr/>
+                    <a:lstStyle/>
+                    <a:p>
+                      <a:pPr algn="ctr" fontAlgn="base"/>
+                      <a:r>
+                        <a:rPr lang="en-US" sz="1600">
+                          <a:solidFill>
+                            <a:srgbClr val="666666"/>
+                          </a:solidFill>
+                          <a:effectLst/>
+                          <a:latin typeface="inherit"/>
+                        </a:rPr>
+                        <a:t>40</a:t>
+                      </a:r>
+                    </a:p>
+                  </a:txBody>
+                  <a:tcPr marL="2702" marR="2702" marT="1689" marB="1689">
+                    <a:lnL w="3810" cap="flat" cmpd="sng" algn="ctr">
+                      <a:solidFill>
+                        <a:srgbClr val="D3D3D3"/>
+                      </a:solidFill>
+                      <a:prstDash val="solid"/>
+                      <a:round/>
+                      <a:headEnd type="none" w="med" len="med"/>
+                      <a:tailEnd type="none" w="med" len="med"/>
+                    </a:lnL>
+                    <a:lnR w="3810" cap="flat" cmpd="sng" algn="ctr">
+                      <a:solidFill>
+                        <a:srgbClr val="D3D3D3"/>
+                      </a:solidFill>
+                      <a:prstDash val="solid"/>
+                      <a:round/>
+                      <a:headEnd type="none" w="med" len="med"/>
+                      <a:tailEnd type="none" w="med" len="med"/>
+                    </a:lnR>
+                    <a:lnT w="3810" cap="flat" cmpd="sng" algn="ctr">
+                      <a:solidFill>
+                        <a:srgbClr val="D3D3D3"/>
+                      </a:solidFill>
+                      <a:prstDash val="solid"/>
+                      <a:round/>
+                      <a:headEnd type="none" w="med" len="med"/>
+                      <a:tailEnd type="none" w="med" len="med"/>
+                    </a:lnT>
+                    <a:lnB w="3810" cap="flat" cmpd="sng" algn="ctr">
+                      <a:solidFill>
+                        <a:srgbClr val="D3D3D3"/>
+                      </a:solidFill>
+                      <a:prstDash val="solid"/>
+                      <a:round/>
+                      <a:headEnd type="none" w="med" len="med"/>
+                      <a:tailEnd type="none" w="med" len="med"/>
+                    </a:lnB>
+                    <a:solidFill>
+                      <a:srgbClr val="FFFFFF"/>
+                    </a:solidFill>
+                  </a:tcPr>
+                </a:tc>
+                <a:tc>
+                  <a:txBody>
+                    <a:bodyPr/>
+                    <a:lstStyle/>
+                    <a:p>
+                      <a:pPr algn="ctr" fontAlgn="base"/>
+                      <a:r>
+                        <a:rPr lang="en-US" sz="1600">
+                          <a:solidFill>
+                            <a:srgbClr val="666666"/>
+                          </a:solidFill>
+                          <a:effectLst/>
+                          <a:latin typeface="inherit"/>
+                        </a:rPr>
+                        <a:t>130</a:t>
+                      </a:r>
+                    </a:p>
+                  </a:txBody>
+                  <a:tcPr marL="2702" marR="2702" marT="1689" marB="1689">
+                    <a:lnL w="3810" cap="flat" cmpd="sng" algn="ctr">
+                      <a:solidFill>
+                        <a:srgbClr val="D3D3D3"/>
+                      </a:solidFill>
+                      <a:prstDash val="solid"/>
+                      <a:round/>
+                      <a:headEnd type="none" w="med" len="med"/>
+                      <a:tailEnd type="none" w="med" len="med"/>
+                    </a:lnL>
+                    <a:lnR w="3810" cap="flat" cmpd="sng" algn="ctr">
+                      <a:solidFill>
+                        <a:srgbClr val="D3D3D3"/>
+                      </a:solidFill>
+                      <a:prstDash val="solid"/>
+                      <a:round/>
+                      <a:headEnd type="none" w="med" len="med"/>
+                      <a:tailEnd type="none" w="med" len="med"/>
+                    </a:lnR>
+                    <a:lnT w="3810" cap="flat" cmpd="sng" algn="ctr">
+                      <a:solidFill>
+                        <a:srgbClr val="D3D3D3"/>
+                      </a:solidFill>
+                      <a:prstDash val="solid"/>
+                      <a:round/>
+                      <a:headEnd type="none" w="med" len="med"/>
+                      <a:tailEnd type="none" w="med" len="med"/>
+                    </a:lnT>
+                    <a:lnB w="3810" cap="flat" cmpd="sng" algn="ctr">
+                      <a:solidFill>
+                        <a:srgbClr val="D3D3D3"/>
+                      </a:solidFill>
+                      <a:prstDash val="solid"/>
+                      <a:round/>
+                      <a:headEnd type="none" w="med" len="med"/>
+                      <a:tailEnd type="none" w="med" len="med"/>
+                    </a:lnB>
+                    <a:solidFill>
+                      <a:srgbClr val="FFFFFF"/>
+                    </a:solidFill>
+                  </a:tcPr>
+                </a:tc>
+              </a:tr>
+              <a:tr h="156073">
+                <a:tc>
+                  <a:txBody>
+                    <a:bodyPr/>
+                    <a:lstStyle/>
+                    <a:p>
+                      <a:pPr algn="ctr" fontAlgn="base"/>
+                      <a:r>
+                        <a:rPr lang="en-US" sz="1600" dirty="0">
+                          <a:solidFill>
+                            <a:srgbClr val="666666"/>
+                          </a:solidFill>
+                          <a:effectLst/>
+                          <a:latin typeface="inherit"/>
+                        </a:rPr>
+                        <a:t>Weight gain (</a:t>
+                      </a:r>
+                      <a:r>
+                        <a:rPr lang="en-US" sz="1600" dirty="0" err="1">
+                          <a:solidFill>
+                            <a:srgbClr val="666666"/>
+                          </a:solidFill>
+                          <a:effectLst/>
+                          <a:latin typeface="inherit"/>
+                        </a:rPr>
+                        <a:t>lb</a:t>
+                      </a:r>
+                      <a:r>
+                        <a:rPr lang="en-US" sz="1600" dirty="0">
+                          <a:solidFill>
+                            <a:srgbClr val="666666"/>
+                          </a:solidFill>
+                          <a:effectLst/>
+                          <a:latin typeface="inherit"/>
+                        </a:rPr>
+                        <a:t>)</a:t>
+                      </a:r>
+                    </a:p>
+                  </a:txBody>
+                  <a:tcPr marL="2702" marR="2702" marT="1689" marB="1689">
+                    <a:lnL w="3810" cap="flat" cmpd="sng" algn="ctr">
+                      <a:solidFill>
+                        <a:srgbClr val="D3D3D3"/>
+                      </a:solidFill>
+                      <a:prstDash val="solid"/>
+                      <a:round/>
+                      <a:headEnd type="none" w="med" len="med"/>
+                      <a:tailEnd type="none" w="med" len="med"/>
+                    </a:lnL>
+                    <a:lnR w="3810" cap="flat" cmpd="sng" algn="ctr">
+                      <a:solidFill>
+                        <a:srgbClr val="D3D3D3"/>
+                      </a:solidFill>
+                      <a:prstDash val="solid"/>
+                      <a:round/>
+                      <a:headEnd type="none" w="med" len="med"/>
+                      <a:tailEnd type="none" w="med" len="med"/>
+                    </a:lnR>
+                    <a:lnT w="3810" cap="flat" cmpd="sng" algn="ctr">
+                      <a:solidFill>
+                        <a:srgbClr val="D3D3D3"/>
+                      </a:solidFill>
+                      <a:prstDash val="solid"/>
+                      <a:round/>
+                      <a:headEnd type="none" w="med" len="med"/>
+                      <a:tailEnd type="none" w="med" len="med"/>
+                    </a:lnT>
+                    <a:lnB w="3810" cap="flat" cmpd="sng" algn="ctr">
+                      <a:solidFill>
+                        <a:srgbClr val="D3D3D3"/>
+                      </a:solidFill>
+                      <a:prstDash val="solid"/>
+                      <a:round/>
+                      <a:headEnd type="none" w="med" len="med"/>
+                      <a:tailEnd type="none" w="med" len="med"/>
+                    </a:lnB>
+                    <a:solidFill>
+                      <a:srgbClr val="FFFFFF"/>
+                    </a:solidFill>
+                  </a:tcPr>
+                </a:tc>
+                <a:tc>
+                  <a:txBody>
+                    <a:bodyPr/>
+                    <a:lstStyle/>
+                    <a:p>
+                      <a:pPr algn="ctr" fontAlgn="base"/>
+                      <a:r>
+                        <a:rPr lang="en-US" sz="1600" dirty="0">
+                          <a:solidFill>
+                            <a:srgbClr val="666666"/>
+                          </a:solidFill>
+                          <a:effectLst/>
+                          <a:latin typeface="inherit"/>
+                        </a:rPr>
+                        <a:t>366</a:t>
+                      </a:r>
+                    </a:p>
+                  </a:txBody>
+                  <a:tcPr marL="2702" marR="2702" marT="1689" marB="1689">
+                    <a:lnL w="3810" cap="flat" cmpd="sng" algn="ctr">
+                      <a:solidFill>
+                        <a:srgbClr val="D3D3D3"/>
+                      </a:solidFill>
+                      <a:prstDash val="solid"/>
+                      <a:round/>
+                      <a:headEnd type="none" w="med" len="med"/>
+                      <a:tailEnd type="none" w="med" len="med"/>
+                    </a:lnL>
+                    <a:lnR w="3810" cap="flat" cmpd="sng" algn="ctr">
+                      <a:solidFill>
+                        <a:srgbClr val="D3D3D3"/>
+                      </a:solidFill>
+                      <a:prstDash val="solid"/>
+                      <a:round/>
+                      <a:headEnd type="none" w="med" len="med"/>
+                      <a:tailEnd type="none" w="med" len="med"/>
+                    </a:lnR>
+                    <a:lnT w="3810" cap="flat" cmpd="sng" algn="ctr">
+                      <a:solidFill>
+                        <a:srgbClr val="D3D3D3"/>
+                      </a:solidFill>
+                      <a:prstDash val="solid"/>
+                      <a:round/>
+                      <a:headEnd type="none" w="med" len="med"/>
+                      <a:tailEnd type="none" w="med" len="med"/>
+                    </a:lnT>
+                    <a:lnB w="3810" cap="flat" cmpd="sng" algn="ctr">
+                      <a:solidFill>
+                        <a:srgbClr val="D3D3D3"/>
+                      </a:solidFill>
+                      <a:prstDash val="solid"/>
+                      <a:round/>
+                      <a:headEnd type="none" w="med" len="med"/>
+                      <a:tailEnd type="none" w="med" len="med"/>
+                    </a:lnB>
+                    <a:solidFill>
+                      <a:srgbClr val="FFFFFF"/>
+                    </a:solidFill>
+                  </a:tcPr>
+                </a:tc>
+                <a:tc>
+                  <a:txBody>
+                    <a:bodyPr/>
+                    <a:lstStyle/>
+                    <a:p>
+                      <a:pPr algn="ctr" fontAlgn="base"/>
+                      <a:r>
+                        <a:rPr lang="en-US" sz="1600" dirty="0">
+                          <a:solidFill>
+                            <a:srgbClr val="666666"/>
+                          </a:solidFill>
+                          <a:effectLst/>
+                          <a:latin typeface="inherit"/>
+                        </a:rPr>
+                        <a:t>29.0</a:t>
+                      </a:r>
+                    </a:p>
+                  </a:txBody>
+                  <a:tcPr marL="2702" marR="2702" marT="1689" marB="1689">
+                    <a:lnL w="3810" cap="flat" cmpd="sng" algn="ctr">
+                      <a:solidFill>
+                        <a:srgbClr val="D3D3D3"/>
+                      </a:solidFill>
+                      <a:prstDash val="solid"/>
+                      <a:round/>
+                      <a:headEnd type="none" w="med" len="med"/>
+                      <a:tailEnd type="none" w="med" len="med"/>
+                    </a:lnL>
+                    <a:lnR w="3810" cap="flat" cmpd="sng" algn="ctr">
+                      <a:solidFill>
+                        <a:srgbClr val="D3D3D3"/>
+                      </a:solidFill>
+                      <a:prstDash val="solid"/>
+                      <a:round/>
+                      <a:headEnd type="none" w="med" len="med"/>
+                      <a:tailEnd type="none" w="med" len="med"/>
+                    </a:lnR>
+                    <a:lnT w="3810" cap="flat" cmpd="sng" algn="ctr">
+                      <a:solidFill>
+                        <a:srgbClr val="D3D3D3"/>
+                      </a:solidFill>
+                      <a:prstDash val="solid"/>
+                      <a:round/>
+                      <a:headEnd type="none" w="med" len="med"/>
+                      <a:tailEnd type="none" w="med" len="med"/>
+                    </a:lnT>
+                    <a:lnB w="3810" cap="flat" cmpd="sng" algn="ctr">
+                      <a:solidFill>
+                        <a:srgbClr val="D3D3D3"/>
+                      </a:solidFill>
+                      <a:prstDash val="solid"/>
+                      <a:round/>
+                      <a:headEnd type="none" w="med" len="med"/>
+                      <a:tailEnd type="none" w="med" len="med"/>
+                    </a:lnB>
+                    <a:solidFill>
+                      <a:srgbClr val="FFFFFF"/>
+                    </a:solidFill>
+                  </a:tcPr>
+                </a:tc>
+                <a:tc>
+                  <a:txBody>
+                    <a:bodyPr/>
+                    <a:lstStyle/>
+                    <a:p>
+                      <a:pPr algn="ctr" fontAlgn="base"/>
+                      <a:r>
+                        <a:rPr lang="en-US" sz="1600">
+                          <a:solidFill>
+                            <a:srgbClr val="666666"/>
+                          </a:solidFill>
+                          <a:effectLst/>
+                          <a:latin typeface="inherit"/>
+                        </a:rPr>
+                        <a:t>14.1</a:t>
+                      </a:r>
+                    </a:p>
+                  </a:txBody>
+                  <a:tcPr marL="2702" marR="2702" marT="1689" marB="1689">
+                    <a:lnL w="3810" cap="flat" cmpd="sng" algn="ctr">
+                      <a:solidFill>
+                        <a:srgbClr val="D3D3D3"/>
+                      </a:solidFill>
+                      <a:prstDash val="solid"/>
+                      <a:round/>
+                      <a:headEnd type="none" w="med" len="med"/>
+                      <a:tailEnd type="none" w="med" len="med"/>
+                    </a:lnL>
+                    <a:lnR w="3810" cap="flat" cmpd="sng" algn="ctr">
+                      <a:solidFill>
+                        <a:srgbClr val="D3D3D3"/>
+                      </a:solidFill>
+                      <a:prstDash val="solid"/>
+                      <a:round/>
+                      <a:headEnd type="none" w="med" len="med"/>
+                      <a:tailEnd type="none" w="med" len="med"/>
+                    </a:lnR>
+                    <a:lnT w="3810" cap="flat" cmpd="sng" algn="ctr">
+                      <a:solidFill>
+                        <a:srgbClr val="D3D3D3"/>
+                      </a:solidFill>
+                      <a:prstDash val="solid"/>
+                      <a:round/>
+                      <a:headEnd type="none" w="med" len="med"/>
+                      <a:tailEnd type="none" w="med" len="med"/>
+                    </a:lnT>
+                    <a:lnB w="3810" cap="flat" cmpd="sng" algn="ctr">
+                      <a:solidFill>
+                        <a:srgbClr val="D3D3D3"/>
+                      </a:solidFill>
+                      <a:prstDash val="solid"/>
+                      <a:round/>
+                      <a:headEnd type="none" w="med" len="med"/>
+                      <a:tailEnd type="none" w="med" len="med"/>
+                    </a:lnB>
+                    <a:solidFill>
+                      <a:srgbClr val="FFFFFF"/>
+                    </a:solidFill>
+                  </a:tcPr>
+                </a:tc>
+                <a:tc>
+                  <a:txBody>
+                    <a:bodyPr/>
+                    <a:lstStyle/>
+                    <a:p>
+                      <a:pPr algn="ctr" fontAlgn="base"/>
+                      <a:r>
+                        <a:rPr lang="en-US" sz="1600" dirty="0">
+                          <a:solidFill>
+                            <a:srgbClr val="666666"/>
+                          </a:solidFill>
+                          <a:effectLst/>
+                          <a:latin typeface="inherit"/>
+                        </a:rPr>
+                        <a:t>−13</a:t>
+                      </a:r>
+                    </a:p>
+                  </a:txBody>
+                  <a:tcPr marL="2702" marR="2702" marT="1689" marB="1689">
+                    <a:lnL w="3810" cap="flat" cmpd="sng" algn="ctr">
+                      <a:solidFill>
+                        <a:srgbClr val="D3D3D3"/>
+                      </a:solidFill>
+                      <a:prstDash val="solid"/>
+                      <a:round/>
+                      <a:headEnd type="none" w="med" len="med"/>
+                      <a:tailEnd type="none" w="med" len="med"/>
+                    </a:lnL>
+                    <a:lnR w="3810" cap="flat" cmpd="sng" algn="ctr">
+                      <a:solidFill>
+                        <a:srgbClr val="D3D3D3"/>
+                      </a:solidFill>
+                      <a:prstDash val="solid"/>
+                      <a:round/>
+                      <a:headEnd type="none" w="med" len="med"/>
+                      <a:tailEnd type="none" w="med" len="med"/>
+                    </a:lnR>
+                    <a:lnT w="3810" cap="flat" cmpd="sng" algn="ctr">
+                      <a:solidFill>
+                        <a:srgbClr val="D3D3D3"/>
+                      </a:solidFill>
+                      <a:prstDash val="solid"/>
+                      <a:round/>
+                      <a:headEnd type="none" w="med" len="med"/>
+                      <a:tailEnd type="none" w="med" len="med"/>
+                    </a:lnT>
+                    <a:lnB w="3810" cap="flat" cmpd="sng" algn="ctr">
+                      <a:solidFill>
+                        <a:srgbClr val="D3D3D3"/>
+                      </a:solidFill>
+                      <a:prstDash val="solid"/>
+                      <a:round/>
+                      <a:headEnd type="none" w="med" len="med"/>
+                      <a:tailEnd type="none" w="med" len="med"/>
+                    </a:lnB>
+                    <a:solidFill>
+                      <a:srgbClr val="FFFFFF"/>
+                    </a:solidFill>
+                  </a:tcPr>
+                </a:tc>
+                <a:tc>
+                  <a:txBody>
+                    <a:bodyPr/>
+                    <a:lstStyle/>
+                    <a:p>
+                      <a:pPr algn="ctr" fontAlgn="base"/>
+                      <a:r>
+                        <a:rPr lang="en-US" sz="1600" dirty="0">
+                          <a:solidFill>
+                            <a:srgbClr val="666666"/>
+                          </a:solidFill>
+                          <a:effectLst/>
+                          <a:latin typeface="inherit"/>
+                        </a:rPr>
+                        <a:t>70</a:t>
+                      </a:r>
+                    </a:p>
+                  </a:txBody>
+                  <a:tcPr marL="2702" marR="2702" marT="1689" marB="1689">
+                    <a:lnL w="3810" cap="flat" cmpd="sng" algn="ctr">
+                      <a:solidFill>
+                        <a:srgbClr val="D3D3D3"/>
+                      </a:solidFill>
+                      <a:prstDash val="solid"/>
+                      <a:round/>
+                      <a:headEnd type="none" w="med" len="med"/>
+                      <a:tailEnd type="none" w="med" len="med"/>
+                    </a:lnL>
+                    <a:lnR w="3810" cap="flat" cmpd="sng" algn="ctr">
+                      <a:solidFill>
+                        <a:srgbClr val="D3D3D3"/>
+                      </a:solidFill>
+                      <a:prstDash val="solid"/>
+                      <a:round/>
+                      <a:headEnd type="none" w="med" len="med"/>
+                      <a:tailEnd type="none" w="med" len="med"/>
+                    </a:lnR>
+                    <a:lnT w="3810" cap="flat" cmpd="sng" algn="ctr">
+                      <a:solidFill>
+                        <a:srgbClr val="D3D3D3"/>
+                      </a:solidFill>
+                      <a:prstDash val="solid"/>
+                      <a:round/>
+                      <a:headEnd type="none" w="med" len="med"/>
+                      <a:tailEnd type="none" w="med" len="med"/>
+                    </a:lnT>
+                    <a:lnB w="3810" cap="flat" cmpd="sng" algn="ctr">
+                      <a:solidFill>
+                        <a:srgbClr val="D3D3D3"/>
+                      </a:solidFill>
+                      <a:prstDash val="solid"/>
+                      <a:round/>
+                      <a:headEnd type="none" w="med" len="med"/>
+                      <a:tailEnd type="none" w="med" len="med"/>
+                    </a:lnB>
+                    <a:solidFill>
+                      <a:srgbClr val="FFFFFF"/>
+                    </a:solidFill>
+                  </a:tcPr>
+                </a:tc>
+              </a:tr>
+              <a:tr h="175316">
+                <a:tc>
+                  <a:txBody>
+                    <a:bodyPr/>
+                    <a:lstStyle/>
+                    <a:p>
+                      <a:pPr algn="ctr" fontAlgn="base"/>
+                      <a:r>
+                        <a:rPr lang="en-US" sz="1600" dirty="0" smtClean="0">
+                          <a:solidFill>
+                            <a:srgbClr val="666666"/>
+                          </a:solidFill>
+                          <a:effectLst/>
+                          <a:latin typeface="inherit"/>
+                        </a:rPr>
+                        <a:t>Variability</a:t>
+                      </a:r>
+                      <a:r>
+                        <a:rPr lang="en-US" sz="1600" baseline="0" dirty="0" smtClean="0">
+                          <a:solidFill>
+                            <a:srgbClr val="666666"/>
+                          </a:solidFill>
+                          <a:effectLst/>
+                          <a:latin typeface="inherit"/>
+                        </a:rPr>
+                        <a:t> (</a:t>
+                      </a:r>
+                      <a:r>
+                        <a:rPr lang="en-US" sz="1600" dirty="0" smtClean="0">
+                          <a:solidFill>
+                            <a:srgbClr val="666666"/>
+                          </a:solidFill>
+                          <a:effectLst/>
+                          <a:latin typeface="inherit"/>
+                        </a:rPr>
+                        <a:t>SD) </a:t>
+                      </a:r>
+                      <a:r>
+                        <a:rPr lang="en-US" sz="1600" dirty="0">
+                          <a:solidFill>
+                            <a:srgbClr val="666666"/>
+                          </a:solidFill>
+                          <a:effectLst/>
+                          <a:latin typeface="inherit"/>
+                        </a:rPr>
+                        <a:t>of </a:t>
+                      </a:r>
+                      <a:r>
+                        <a:rPr lang="en-US" sz="1600" dirty="0" err="1">
+                          <a:solidFill>
+                            <a:srgbClr val="666666"/>
+                          </a:solidFill>
+                          <a:effectLst/>
+                          <a:latin typeface="inherit"/>
+                        </a:rPr>
+                        <a:t>Phe</a:t>
+                      </a:r>
+                      <a:r>
+                        <a:rPr lang="en-US" sz="1600" dirty="0">
+                          <a:solidFill>
+                            <a:srgbClr val="666666"/>
+                          </a:solidFill>
+                          <a:effectLst/>
+                          <a:latin typeface="inherit"/>
+                        </a:rPr>
+                        <a:t> (</a:t>
+                      </a:r>
+                      <a:r>
+                        <a:rPr lang="el-GR" sz="1600" dirty="0">
+                          <a:solidFill>
+                            <a:srgbClr val="666666"/>
+                          </a:solidFill>
+                          <a:effectLst/>
+                          <a:latin typeface="inherit"/>
+                        </a:rPr>
+                        <a:t>μ</a:t>
+                      </a:r>
+                      <a:r>
+                        <a:rPr lang="en-US" sz="1600" dirty="0" err="1">
+                          <a:solidFill>
+                            <a:srgbClr val="666666"/>
+                          </a:solidFill>
+                          <a:effectLst/>
+                          <a:latin typeface="inherit"/>
+                        </a:rPr>
+                        <a:t>mol</a:t>
+                      </a:r>
+                      <a:r>
+                        <a:rPr lang="en-US" sz="1600" dirty="0">
+                          <a:solidFill>
+                            <a:srgbClr val="666666"/>
+                          </a:solidFill>
+                          <a:effectLst/>
+                          <a:latin typeface="inherit"/>
+                        </a:rPr>
+                        <a:t>/L)</a:t>
+                      </a:r>
+                    </a:p>
+                  </a:txBody>
+                  <a:tcPr marL="2702" marR="2702" marT="1689" marB="1689">
+                    <a:lnL w="3810" cap="flat" cmpd="sng" algn="ctr">
+                      <a:solidFill>
+                        <a:srgbClr val="D3D3D3"/>
+                      </a:solidFill>
+                      <a:prstDash val="solid"/>
+                      <a:round/>
+                      <a:headEnd type="none" w="med" len="med"/>
+                      <a:tailEnd type="none" w="med" len="med"/>
+                    </a:lnL>
+                    <a:lnR w="3810" cap="flat" cmpd="sng" algn="ctr">
+                      <a:solidFill>
+                        <a:srgbClr val="D3D3D3"/>
+                      </a:solidFill>
+                      <a:prstDash val="solid"/>
+                      <a:round/>
+                      <a:headEnd type="none" w="med" len="med"/>
+                      <a:tailEnd type="none" w="med" len="med"/>
+                    </a:lnR>
+                    <a:lnT w="3810" cap="flat" cmpd="sng" algn="ctr">
+                      <a:solidFill>
+                        <a:srgbClr val="D3D3D3"/>
+                      </a:solidFill>
+                      <a:prstDash val="solid"/>
+                      <a:round/>
+                      <a:headEnd type="none" w="med" len="med"/>
+                      <a:tailEnd type="none" w="med" len="med"/>
+                    </a:lnT>
+                    <a:lnB w="3810" cap="flat" cmpd="sng" algn="ctr">
+                      <a:solidFill>
+                        <a:srgbClr val="D3D3D3"/>
+                      </a:solidFill>
+                      <a:prstDash val="solid"/>
+                      <a:round/>
+                      <a:headEnd type="none" w="med" len="med"/>
+                      <a:tailEnd type="none" w="med" len="med"/>
+                    </a:lnB>
+                    <a:solidFill>
+                      <a:srgbClr val="FFFFFF"/>
+                    </a:solidFill>
+                  </a:tcPr>
+                </a:tc>
+                <a:tc>
+                  <a:txBody>
+                    <a:bodyPr/>
+                    <a:lstStyle/>
+                    <a:p>
+                      <a:pPr algn="ctr" fontAlgn="base"/>
+                      <a:r>
+                        <a:rPr lang="en-US" sz="1600">
+                          <a:solidFill>
+                            <a:srgbClr val="666666"/>
+                          </a:solidFill>
+                          <a:effectLst/>
+                          <a:latin typeface="inherit"/>
+                        </a:rPr>
+                        <a:t>408</a:t>
+                      </a:r>
+                    </a:p>
+                  </a:txBody>
+                  <a:tcPr marL="2702" marR="2702" marT="1689" marB="1689">
+                    <a:lnL w="3810" cap="flat" cmpd="sng" algn="ctr">
+                      <a:solidFill>
+                        <a:srgbClr val="D3D3D3"/>
+                      </a:solidFill>
+                      <a:prstDash val="solid"/>
+                      <a:round/>
+                      <a:headEnd type="none" w="med" len="med"/>
+                      <a:tailEnd type="none" w="med" len="med"/>
+                    </a:lnL>
+                    <a:lnR w="3810" cap="flat" cmpd="sng" algn="ctr">
+                      <a:solidFill>
+                        <a:srgbClr val="D3D3D3"/>
+                      </a:solidFill>
+                      <a:prstDash val="solid"/>
+                      <a:round/>
+                      <a:headEnd type="none" w="med" len="med"/>
+                      <a:tailEnd type="none" w="med" len="med"/>
+                    </a:lnR>
+                    <a:lnT w="3810" cap="flat" cmpd="sng" algn="ctr">
+                      <a:solidFill>
+                        <a:srgbClr val="D3D3D3"/>
+                      </a:solidFill>
+                      <a:prstDash val="solid"/>
+                      <a:round/>
+                      <a:headEnd type="none" w="med" len="med"/>
+                      <a:tailEnd type="none" w="med" len="med"/>
+                    </a:lnT>
+                    <a:lnB w="3810" cap="flat" cmpd="sng" algn="ctr">
+                      <a:solidFill>
+                        <a:srgbClr val="D3D3D3"/>
+                      </a:solidFill>
+                      <a:prstDash val="solid"/>
+                      <a:round/>
+                      <a:headEnd type="none" w="med" len="med"/>
+                      <a:tailEnd type="none" w="med" len="med"/>
+                    </a:lnB>
+                    <a:solidFill>
+                      <a:srgbClr val="FFFFFF"/>
+                    </a:solidFill>
+                  </a:tcPr>
+                </a:tc>
+                <a:tc>
+                  <a:txBody>
+                    <a:bodyPr/>
+                    <a:lstStyle/>
+                    <a:p>
+                      <a:pPr algn="ctr" fontAlgn="base"/>
+                      <a:r>
+                        <a:rPr lang="en-US" sz="1600" dirty="0">
+                          <a:solidFill>
+                            <a:srgbClr val="666666"/>
+                          </a:solidFill>
+                          <a:effectLst/>
+                          <a:latin typeface="inherit"/>
+                        </a:rPr>
+                        <a:t>165</a:t>
+                      </a:r>
+                    </a:p>
+                  </a:txBody>
+                  <a:tcPr marL="2702" marR="2702" marT="1689" marB="1689">
+                    <a:lnL w="3810" cap="flat" cmpd="sng" algn="ctr">
+                      <a:solidFill>
+                        <a:srgbClr val="D3D3D3"/>
+                      </a:solidFill>
+                      <a:prstDash val="solid"/>
+                      <a:round/>
+                      <a:headEnd type="none" w="med" len="med"/>
+                      <a:tailEnd type="none" w="med" len="med"/>
+                    </a:lnL>
+                    <a:lnR w="3810" cap="flat" cmpd="sng" algn="ctr">
+                      <a:solidFill>
+                        <a:srgbClr val="D3D3D3"/>
+                      </a:solidFill>
+                      <a:prstDash val="solid"/>
+                      <a:round/>
+                      <a:headEnd type="none" w="med" len="med"/>
+                      <a:tailEnd type="none" w="med" len="med"/>
+                    </a:lnR>
+                    <a:lnT w="3810" cap="flat" cmpd="sng" algn="ctr">
+                      <a:solidFill>
+                        <a:srgbClr val="D3D3D3"/>
+                      </a:solidFill>
+                      <a:prstDash val="solid"/>
+                      <a:round/>
+                      <a:headEnd type="none" w="med" len="med"/>
+                      <a:tailEnd type="none" w="med" len="med"/>
+                    </a:lnT>
+                    <a:lnB w="3810" cap="flat" cmpd="sng" algn="ctr">
+                      <a:solidFill>
+                        <a:srgbClr val="D3D3D3"/>
+                      </a:solidFill>
+                      <a:prstDash val="solid"/>
+                      <a:round/>
+                      <a:headEnd type="none" w="med" len="med"/>
+                      <a:tailEnd type="none" w="med" len="med"/>
+                    </a:lnB>
+                    <a:solidFill>
+                      <a:srgbClr val="FFFFFF"/>
+                    </a:solidFill>
+                  </a:tcPr>
+                </a:tc>
+                <a:tc>
+                  <a:txBody>
+                    <a:bodyPr/>
+                    <a:lstStyle/>
+                    <a:p>
+                      <a:pPr algn="ctr" fontAlgn="base"/>
+                      <a:r>
+                        <a:rPr lang="en-US" sz="1600" dirty="0">
+                          <a:solidFill>
+                            <a:srgbClr val="666666"/>
+                          </a:solidFill>
+                          <a:effectLst/>
+                          <a:latin typeface="inherit"/>
+                        </a:rPr>
+                        <a:t>90</a:t>
+                      </a:r>
+                    </a:p>
+                  </a:txBody>
+                  <a:tcPr marL="2702" marR="2702" marT="1689" marB="1689">
+                    <a:lnL w="3810" cap="flat" cmpd="sng" algn="ctr">
+                      <a:solidFill>
+                        <a:srgbClr val="D3D3D3"/>
+                      </a:solidFill>
+                      <a:prstDash val="solid"/>
+                      <a:round/>
+                      <a:headEnd type="none" w="med" len="med"/>
+                      <a:tailEnd type="none" w="med" len="med"/>
+                    </a:lnL>
+                    <a:lnR w="3810" cap="flat" cmpd="sng" algn="ctr">
+                      <a:solidFill>
+                        <a:srgbClr val="D3D3D3"/>
+                      </a:solidFill>
+                      <a:prstDash val="solid"/>
+                      <a:round/>
+                      <a:headEnd type="none" w="med" len="med"/>
+                      <a:tailEnd type="none" w="med" len="med"/>
+                    </a:lnR>
+                    <a:lnT w="3810" cap="flat" cmpd="sng" algn="ctr">
+                      <a:solidFill>
+                        <a:srgbClr val="D3D3D3"/>
+                      </a:solidFill>
+                      <a:prstDash val="solid"/>
+                      <a:round/>
+                      <a:headEnd type="none" w="med" len="med"/>
+                      <a:tailEnd type="none" w="med" len="med"/>
+                    </a:lnT>
+                    <a:lnB w="3810" cap="flat" cmpd="sng" algn="ctr">
+                      <a:solidFill>
+                        <a:srgbClr val="D3D3D3"/>
+                      </a:solidFill>
+                      <a:prstDash val="solid"/>
+                      <a:round/>
+                      <a:headEnd type="none" w="med" len="med"/>
+                      <a:tailEnd type="none" w="med" len="med"/>
+                    </a:lnB>
+                    <a:solidFill>
+                      <a:srgbClr val="FFFFFF"/>
+                    </a:solidFill>
+                  </a:tcPr>
+                </a:tc>
+                <a:tc>
+                  <a:txBody>
+                    <a:bodyPr/>
+                    <a:lstStyle/>
+                    <a:p>
+                      <a:pPr algn="ctr" fontAlgn="base"/>
+                      <a:r>
+                        <a:rPr lang="en-US" sz="1600" dirty="0">
+                          <a:solidFill>
+                            <a:srgbClr val="666666"/>
+                          </a:solidFill>
+                          <a:effectLst/>
+                          <a:latin typeface="inherit"/>
+                        </a:rPr>
+                        <a:t>6</a:t>
+                      </a:r>
+                    </a:p>
+                  </a:txBody>
+                  <a:tcPr marL="2702" marR="2702" marT="1689" marB="1689">
+                    <a:lnL w="3810" cap="flat" cmpd="sng" algn="ctr">
+                      <a:solidFill>
+                        <a:srgbClr val="D3D3D3"/>
+                      </a:solidFill>
+                      <a:prstDash val="solid"/>
+                      <a:round/>
+                      <a:headEnd type="none" w="med" len="med"/>
+                      <a:tailEnd type="none" w="med" len="med"/>
+                    </a:lnL>
+                    <a:lnR w="3810" cap="flat" cmpd="sng" algn="ctr">
+                      <a:solidFill>
+                        <a:srgbClr val="D3D3D3"/>
+                      </a:solidFill>
+                      <a:prstDash val="solid"/>
+                      <a:round/>
+                      <a:headEnd type="none" w="med" len="med"/>
+                      <a:tailEnd type="none" w="med" len="med"/>
+                    </a:lnR>
+                    <a:lnT w="3810" cap="flat" cmpd="sng" algn="ctr">
+                      <a:solidFill>
+                        <a:srgbClr val="D3D3D3"/>
+                      </a:solidFill>
+                      <a:prstDash val="solid"/>
+                      <a:round/>
+                      <a:headEnd type="none" w="med" len="med"/>
+                      <a:tailEnd type="none" w="med" len="med"/>
+                    </a:lnT>
+                    <a:lnB w="3810" cap="flat" cmpd="sng" algn="ctr">
+                      <a:solidFill>
+                        <a:srgbClr val="D3D3D3"/>
+                      </a:solidFill>
+                      <a:prstDash val="solid"/>
+                      <a:round/>
+                      <a:headEnd type="none" w="med" len="med"/>
+                      <a:tailEnd type="none" w="med" len="med"/>
+                    </a:lnB>
+                    <a:solidFill>
+                      <a:srgbClr val="FFFFFF"/>
+                    </a:solidFill>
+                  </a:tcPr>
+                </a:tc>
+                <a:tc>
+                  <a:txBody>
+                    <a:bodyPr/>
+                    <a:lstStyle/>
+                    <a:p>
+                      <a:pPr algn="ctr" fontAlgn="base"/>
+                      <a:r>
+                        <a:rPr lang="en-US" sz="1600" dirty="0">
+                          <a:solidFill>
+                            <a:srgbClr val="666666"/>
+                          </a:solidFill>
+                          <a:effectLst/>
+                          <a:latin typeface="inherit"/>
+                        </a:rPr>
+                        <a:t>468</a:t>
+                      </a:r>
+                    </a:p>
+                  </a:txBody>
+                  <a:tcPr marL="2702" marR="2702" marT="1689" marB="1689">
+                    <a:lnL w="3810" cap="flat" cmpd="sng" algn="ctr">
+                      <a:solidFill>
+                        <a:srgbClr val="D3D3D3"/>
+                      </a:solidFill>
+                      <a:prstDash val="solid"/>
+                      <a:round/>
+                      <a:headEnd type="none" w="med" len="med"/>
+                      <a:tailEnd type="none" w="med" len="med"/>
+                    </a:lnL>
+                    <a:lnR w="3810" cap="flat" cmpd="sng" algn="ctr">
+                      <a:solidFill>
+                        <a:srgbClr val="D3D3D3"/>
+                      </a:solidFill>
+                      <a:prstDash val="solid"/>
+                      <a:round/>
+                      <a:headEnd type="none" w="med" len="med"/>
+                      <a:tailEnd type="none" w="med" len="med"/>
+                    </a:lnR>
+                    <a:lnT w="3810" cap="flat" cmpd="sng" algn="ctr">
+                      <a:solidFill>
+                        <a:srgbClr val="D3D3D3"/>
+                      </a:solidFill>
+                      <a:prstDash val="solid"/>
+                      <a:round/>
+                      <a:headEnd type="none" w="med" len="med"/>
+                      <a:tailEnd type="none" w="med" len="med"/>
+                    </a:lnT>
+                    <a:lnB w="3810" cap="flat" cmpd="sng" algn="ctr">
+                      <a:solidFill>
+                        <a:srgbClr val="D3D3D3"/>
+                      </a:solidFill>
+                      <a:prstDash val="solid"/>
+                      <a:round/>
+                      <a:headEnd type="none" w="med" len="med"/>
+                      <a:tailEnd type="none" w="med" len="med"/>
+                    </a:lnB>
+                    <a:solidFill>
+                      <a:srgbClr val="FFFFFF"/>
+                    </a:solidFill>
+                  </a:tcPr>
+                </a:tc>
+              </a:tr>
+              <a:tr h="271527">
+                <a:tc>
+                  <a:txBody>
+                    <a:bodyPr/>
+                    <a:lstStyle/>
+                    <a:p>
+                      <a:pPr algn="ctr" fontAlgn="base"/>
+                      <a:r>
+                        <a:rPr lang="en-US" sz="1600">
+                          <a:solidFill>
+                            <a:srgbClr val="666666"/>
+                          </a:solidFill>
+                          <a:effectLst/>
+                          <a:latin typeface="inherit"/>
+                        </a:rPr>
+                        <a:t>Average Phe exposure (</a:t>
+                      </a:r>
+                      <a:r>
+                        <a:rPr lang="el-GR" sz="1600">
+                          <a:solidFill>
+                            <a:srgbClr val="666666"/>
+                          </a:solidFill>
+                          <a:effectLst/>
+                          <a:latin typeface="inherit"/>
+                        </a:rPr>
+                        <a:t>μ</a:t>
+                      </a:r>
+                      <a:r>
+                        <a:rPr lang="en-US" sz="1600">
+                          <a:solidFill>
+                            <a:srgbClr val="666666"/>
+                          </a:solidFill>
+                          <a:effectLst/>
+                          <a:latin typeface="inherit"/>
+                        </a:rPr>
+                        <a:t>mol/L)</a:t>
+                      </a:r>
+                    </a:p>
+                  </a:txBody>
+                  <a:tcPr marL="2702" marR="2702" marT="1689" marB="1689">
+                    <a:lnL w="3810" cap="flat" cmpd="sng" algn="ctr">
+                      <a:solidFill>
+                        <a:srgbClr val="D3D3D3"/>
+                      </a:solidFill>
+                      <a:prstDash val="solid"/>
+                      <a:round/>
+                      <a:headEnd type="none" w="med" len="med"/>
+                      <a:tailEnd type="none" w="med" len="med"/>
+                    </a:lnL>
+                    <a:lnR w="3810" cap="flat" cmpd="sng" algn="ctr">
+                      <a:solidFill>
+                        <a:srgbClr val="D3D3D3"/>
+                      </a:solidFill>
+                      <a:prstDash val="solid"/>
+                      <a:round/>
+                      <a:headEnd type="none" w="med" len="med"/>
+                      <a:tailEnd type="none" w="med" len="med"/>
+                    </a:lnR>
+                    <a:lnT w="3810" cap="flat" cmpd="sng" algn="ctr">
+                      <a:solidFill>
+                        <a:srgbClr val="D3D3D3"/>
+                      </a:solidFill>
+                      <a:prstDash val="solid"/>
+                      <a:round/>
+                      <a:headEnd type="none" w="med" len="med"/>
+                      <a:tailEnd type="none" w="med" len="med"/>
+                    </a:lnT>
+                    <a:lnB w="3810" cap="flat" cmpd="sng" algn="ctr">
+                      <a:solidFill>
+                        <a:srgbClr val="D3D3D3"/>
+                      </a:solidFill>
+                      <a:prstDash val="solid"/>
+                      <a:round/>
+                      <a:headEnd type="none" w="med" len="med"/>
+                      <a:tailEnd type="none" w="med" len="med"/>
+                    </a:lnB>
+                    <a:solidFill>
+                      <a:srgbClr val="FFFFFF"/>
+                    </a:solidFill>
+                  </a:tcPr>
+                </a:tc>
+                <a:tc>
+                  <a:txBody>
+                    <a:bodyPr/>
+                    <a:lstStyle/>
+                    <a:p>
+                      <a:pPr algn="ctr" fontAlgn="base"/>
+                      <a:r>
+                        <a:rPr lang="en-US" sz="1600">
+                          <a:solidFill>
+                            <a:srgbClr val="666666"/>
+                          </a:solidFill>
+                          <a:effectLst/>
+                          <a:latin typeface="inherit"/>
+                        </a:rPr>
+                        <a:t>412</a:t>
+                      </a:r>
+                    </a:p>
+                  </a:txBody>
+                  <a:tcPr marL="2702" marR="2702" marT="1689" marB="1689">
+                    <a:lnL w="3810" cap="flat" cmpd="sng" algn="ctr">
+                      <a:solidFill>
+                        <a:srgbClr val="D3D3D3"/>
+                      </a:solidFill>
+                      <a:prstDash val="solid"/>
+                      <a:round/>
+                      <a:headEnd type="none" w="med" len="med"/>
+                      <a:tailEnd type="none" w="med" len="med"/>
+                    </a:lnL>
+                    <a:lnR w="3810" cap="flat" cmpd="sng" algn="ctr">
+                      <a:solidFill>
+                        <a:srgbClr val="D3D3D3"/>
+                      </a:solidFill>
+                      <a:prstDash val="solid"/>
+                      <a:round/>
+                      <a:headEnd type="none" w="med" len="med"/>
+                      <a:tailEnd type="none" w="med" len="med"/>
+                    </a:lnR>
+                    <a:lnT w="3810" cap="flat" cmpd="sng" algn="ctr">
+                      <a:solidFill>
+                        <a:srgbClr val="D3D3D3"/>
+                      </a:solidFill>
+                      <a:prstDash val="solid"/>
+                      <a:round/>
+                      <a:headEnd type="none" w="med" len="med"/>
+                      <a:tailEnd type="none" w="med" len="med"/>
+                    </a:lnT>
+                    <a:lnB w="3810" cap="flat" cmpd="sng" algn="ctr">
+                      <a:solidFill>
+                        <a:srgbClr val="D3D3D3"/>
+                      </a:solidFill>
+                      <a:prstDash val="solid"/>
+                      <a:round/>
+                      <a:headEnd type="none" w="med" len="med"/>
+                      <a:tailEnd type="none" w="med" len="med"/>
+                    </a:lnB>
+                    <a:solidFill>
+                      <a:srgbClr val="FFFFFF"/>
+                    </a:solidFill>
+                  </a:tcPr>
+                </a:tc>
+                <a:tc>
+                  <a:txBody>
+                    <a:bodyPr/>
+                    <a:lstStyle/>
+                    <a:p>
+                      <a:pPr algn="ctr" fontAlgn="base"/>
+                      <a:r>
+                        <a:rPr lang="en-US" sz="1600" dirty="0">
+                          <a:solidFill>
+                            <a:srgbClr val="666666"/>
+                          </a:solidFill>
+                          <a:effectLst/>
+                          <a:latin typeface="inherit"/>
+                        </a:rPr>
+                        <a:t>494</a:t>
+                      </a:r>
+                    </a:p>
+                  </a:txBody>
+                  <a:tcPr marL="2702" marR="2702" marT="1689" marB="1689">
+                    <a:lnL w="3810" cap="flat" cmpd="sng" algn="ctr">
+                      <a:solidFill>
+                        <a:srgbClr val="D3D3D3"/>
+                      </a:solidFill>
+                      <a:prstDash val="solid"/>
+                      <a:round/>
+                      <a:headEnd type="none" w="med" len="med"/>
+                      <a:tailEnd type="none" w="med" len="med"/>
+                    </a:lnL>
+                    <a:lnR w="3810" cap="flat" cmpd="sng" algn="ctr">
+                      <a:solidFill>
+                        <a:srgbClr val="D3D3D3"/>
+                      </a:solidFill>
+                      <a:prstDash val="solid"/>
+                      <a:round/>
+                      <a:headEnd type="none" w="med" len="med"/>
+                      <a:tailEnd type="none" w="med" len="med"/>
+                    </a:lnR>
+                    <a:lnT w="3810" cap="flat" cmpd="sng" algn="ctr">
+                      <a:solidFill>
+                        <a:srgbClr val="D3D3D3"/>
+                      </a:solidFill>
+                      <a:prstDash val="solid"/>
+                      <a:round/>
+                      <a:headEnd type="none" w="med" len="med"/>
+                      <a:tailEnd type="none" w="med" len="med"/>
+                    </a:lnT>
+                    <a:lnB w="3810" cap="flat" cmpd="sng" algn="ctr">
+                      <a:solidFill>
+                        <a:srgbClr val="D3D3D3"/>
+                      </a:solidFill>
+                      <a:prstDash val="solid"/>
+                      <a:round/>
+                      <a:headEnd type="none" w="med" len="med"/>
+                      <a:tailEnd type="none" w="med" len="med"/>
+                    </a:lnB>
+                    <a:solidFill>
+                      <a:srgbClr val="FFFFFF"/>
+                    </a:solidFill>
+                  </a:tcPr>
+                </a:tc>
+                <a:tc>
+                  <a:txBody>
+                    <a:bodyPr/>
+                    <a:lstStyle/>
+                    <a:p>
+                      <a:pPr algn="ctr" fontAlgn="base"/>
+                      <a:r>
+                        <a:rPr lang="en-US" sz="1600" dirty="0">
+                          <a:solidFill>
+                            <a:srgbClr val="666666"/>
+                          </a:solidFill>
+                          <a:effectLst/>
+                          <a:latin typeface="inherit"/>
+                        </a:rPr>
+                        <a:t>269</a:t>
+                      </a:r>
+                    </a:p>
+                  </a:txBody>
+                  <a:tcPr marL="2702" marR="2702" marT="1689" marB="1689">
+                    <a:lnL w="3810" cap="flat" cmpd="sng" algn="ctr">
+                      <a:solidFill>
+                        <a:srgbClr val="D3D3D3"/>
+                      </a:solidFill>
+                      <a:prstDash val="solid"/>
+                      <a:round/>
+                      <a:headEnd type="none" w="med" len="med"/>
+                      <a:tailEnd type="none" w="med" len="med"/>
+                    </a:lnL>
+                    <a:lnR w="3810" cap="flat" cmpd="sng" algn="ctr">
+                      <a:solidFill>
+                        <a:srgbClr val="D3D3D3"/>
+                      </a:solidFill>
+                      <a:prstDash val="solid"/>
+                      <a:round/>
+                      <a:headEnd type="none" w="med" len="med"/>
+                      <a:tailEnd type="none" w="med" len="med"/>
+                    </a:lnR>
+                    <a:lnT w="3810" cap="flat" cmpd="sng" algn="ctr">
+                      <a:solidFill>
+                        <a:srgbClr val="D3D3D3"/>
+                      </a:solidFill>
+                      <a:prstDash val="solid"/>
+                      <a:round/>
+                      <a:headEnd type="none" w="med" len="med"/>
+                      <a:tailEnd type="none" w="med" len="med"/>
+                    </a:lnT>
+                    <a:lnB w="3810" cap="flat" cmpd="sng" algn="ctr">
+                      <a:solidFill>
+                        <a:srgbClr val="D3D3D3"/>
+                      </a:solidFill>
+                      <a:prstDash val="solid"/>
+                      <a:round/>
+                      <a:headEnd type="none" w="med" len="med"/>
+                      <a:tailEnd type="none" w="med" len="med"/>
+                    </a:lnB>
+                    <a:solidFill>
+                      <a:srgbClr val="FFFFFF"/>
+                    </a:solidFill>
+                  </a:tcPr>
+                </a:tc>
+                <a:tc>
+                  <a:txBody>
+                    <a:bodyPr/>
+                    <a:lstStyle/>
+                    <a:p>
+                      <a:pPr algn="ctr" fontAlgn="base"/>
+                      <a:r>
+                        <a:rPr lang="en-US" sz="1600" dirty="0">
+                          <a:solidFill>
+                            <a:srgbClr val="666666"/>
+                          </a:solidFill>
+                          <a:effectLst/>
+                          <a:latin typeface="inherit"/>
+                        </a:rPr>
+                        <a:t>78</a:t>
+                      </a:r>
+                    </a:p>
+                  </a:txBody>
+                  <a:tcPr marL="2702" marR="2702" marT="1689" marB="1689">
+                    <a:lnL w="3810" cap="flat" cmpd="sng" algn="ctr">
+                      <a:solidFill>
+                        <a:srgbClr val="D3D3D3"/>
+                      </a:solidFill>
+                      <a:prstDash val="solid"/>
+                      <a:round/>
+                      <a:headEnd type="none" w="med" len="med"/>
+                      <a:tailEnd type="none" w="med" len="med"/>
+                    </a:lnL>
+                    <a:lnR w="3810" cap="flat" cmpd="sng" algn="ctr">
+                      <a:solidFill>
+                        <a:srgbClr val="D3D3D3"/>
+                      </a:solidFill>
+                      <a:prstDash val="solid"/>
+                      <a:round/>
+                      <a:headEnd type="none" w="med" len="med"/>
+                      <a:tailEnd type="none" w="med" len="med"/>
+                    </a:lnR>
+                    <a:lnT w="3810" cap="flat" cmpd="sng" algn="ctr">
+                      <a:solidFill>
+                        <a:srgbClr val="D3D3D3"/>
+                      </a:solidFill>
+                      <a:prstDash val="solid"/>
+                      <a:round/>
+                      <a:headEnd type="none" w="med" len="med"/>
+                      <a:tailEnd type="none" w="med" len="med"/>
+                    </a:lnT>
+                    <a:lnB w="3810" cap="flat" cmpd="sng" algn="ctr">
+                      <a:solidFill>
+                        <a:srgbClr val="D3D3D3"/>
+                      </a:solidFill>
+                      <a:prstDash val="solid"/>
+                      <a:round/>
+                      <a:headEnd type="none" w="med" len="med"/>
+                      <a:tailEnd type="none" w="med" len="med"/>
+                    </a:lnB>
+                    <a:solidFill>
+                      <a:srgbClr val="FFFFFF"/>
+                    </a:solidFill>
+                  </a:tcPr>
+                </a:tc>
+                <a:tc>
+                  <a:txBody>
+                    <a:bodyPr/>
+                    <a:lstStyle/>
+                    <a:p>
+                      <a:pPr algn="ctr" fontAlgn="base"/>
+                      <a:r>
+                        <a:rPr lang="en-US" sz="1600" dirty="0">
+                          <a:solidFill>
+                            <a:srgbClr val="666666"/>
+                          </a:solidFill>
+                          <a:effectLst/>
+                          <a:latin typeface="inherit"/>
+                        </a:rPr>
+                        <a:t>1698</a:t>
+                      </a:r>
+                    </a:p>
+                  </a:txBody>
+                  <a:tcPr marL="2702" marR="2702" marT="1689" marB="1689">
+                    <a:lnL w="3810" cap="flat" cmpd="sng" algn="ctr">
+                      <a:solidFill>
+                        <a:srgbClr val="D3D3D3"/>
+                      </a:solidFill>
+                      <a:prstDash val="solid"/>
+                      <a:round/>
+                      <a:headEnd type="none" w="med" len="med"/>
+                      <a:tailEnd type="none" w="med" len="med"/>
+                    </a:lnL>
+                    <a:lnR w="3810" cap="flat" cmpd="sng" algn="ctr">
+                      <a:solidFill>
+                        <a:srgbClr val="D3D3D3"/>
+                      </a:solidFill>
+                      <a:prstDash val="solid"/>
+                      <a:round/>
+                      <a:headEnd type="none" w="med" len="med"/>
+                      <a:tailEnd type="none" w="med" len="med"/>
+                    </a:lnR>
+                    <a:lnT w="3810" cap="flat" cmpd="sng" algn="ctr">
+                      <a:solidFill>
+                        <a:srgbClr val="D3D3D3"/>
+                      </a:solidFill>
+                      <a:prstDash val="solid"/>
+                      <a:round/>
+                      <a:headEnd type="none" w="med" len="med"/>
+                      <a:tailEnd type="none" w="med" len="med"/>
+                    </a:lnT>
+                    <a:lnB w="3810" cap="flat" cmpd="sng" algn="ctr">
+                      <a:solidFill>
+                        <a:srgbClr val="D3D3D3"/>
+                      </a:solidFill>
+                      <a:prstDash val="solid"/>
+                      <a:round/>
+                      <a:headEnd type="none" w="med" len="med"/>
+                      <a:tailEnd type="none" w="med" len="med"/>
+                    </a:lnB>
+                    <a:solidFill>
+                      <a:srgbClr val="FFFFFF"/>
+                    </a:solidFill>
+                  </a:tcPr>
+                </a:tc>
+              </a:tr>
+              <a:tr h="213800">
+                <a:tc>
+                  <a:txBody>
+                    <a:bodyPr/>
+                    <a:lstStyle/>
+                    <a:p>
+                      <a:pPr algn="ctr" fontAlgn="base"/>
+                      <a:r>
+                        <a:rPr lang="en-US" sz="1600" dirty="0" smtClean="0">
+                          <a:solidFill>
+                            <a:srgbClr val="666666"/>
+                          </a:solidFill>
+                          <a:effectLst/>
+                          <a:latin typeface="inherit"/>
+                        </a:rPr>
+                        <a:t>Gestation </a:t>
+                      </a:r>
+                      <a:r>
+                        <a:rPr lang="en-US" sz="1600" dirty="0">
+                          <a:solidFill>
+                            <a:srgbClr val="666666"/>
+                          </a:solidFill>
+                          <a:effectLst/>
+                          <a:latin typeface="inherit"/>
+                        </a:rPr>
+                        <a:t>at </a:t>
+                      </a:r>
+                      <a:r>
+                        <a:rPr lang="en-US" sz="1600" dirty="0" smtClean="0">
+                          <a:solidFill>
+                            <a:srgbClr val="666666"/>
+                          </a:solidFill>
+                          <a:effectLst/>
+                          <a:latin typeface="inherit"/>
+                        </a:rPr>
+                        <a:t>term (weeks)</a:t>
+                      </a:r>
+                      <a:endParaRPr lang="en-US" sz="1600" dirty="0">
+                        <a:solidFill>
+                          <a:srgbClr val="666666"/>
+                        </a:solidFill>
+                        <a:effectLst/>
+                        <a:latin typeface="inherit"/>
+                      </a:endParaRPr>
+                    </a:p>
+                  </a:txBody>
+                  <a:tcPr marL="2702" marR="2702" marT="1689" marB="1689">
+                    <a:lnL w="3810" cap="flat" cmpd="sng" algn="ctr">
+                      <a:solidFill>
+                        <a:srgbClr val="D3D3D3"/>
+                      </a:solidFill>
+                      <a:prstDash val="solid"/>
+                      <a:round/>
+                      <a:headEnd type="none" w="med" len="med"/>
+                      <a:tailEnd type="none" w="med" len="med"/>
+                    </a:lnL>
+                    <a:lnR w="3810" cap="flat" cmpd="sng" algn="ctr">
+                      <a:solidFill>
+                        <a:srgbClr val="D3D3D3"/>
+                      </a:solidFill>
+                      <a:prstDash val="solid"/>
+                      <a:round/>
+                      <a:headEnd type="none" w="med" len="med"/>
+                      <a:tailEnd type="none" w="med" len="med"/>
+                    </a:lnR>
+                    <a:lnT w="3810" cap="flat" cmpd="sng" algn="ctr">
+                      <a:solidFill>
+                        <a:srgbClr val="D3D3D3"/>
+                      </a:solidFill>
+                      <a:prstDash val="solid"/>
+                      <a:round/>
+                      <a:headEnd type="none" w="med" len="med"/>
+                      <a:tailEnd type="none" w="med" len="med"/>
+                    </a:lnT>
+                    <a:lnB w="3810" cap="flat" cmpd="sng" algn="ctr">
+                      <a:solidFill>
+                        <a:srgbClr val="D3D3D3"/>
+                      </a:solidFill>
+                      <a:prstDash val="solid"/>
+                      <a:round/>
+                      <a:headEnd type="none" w="med" len="med"/>
+                      <a:tailEnd type="none" w="med" len="med"/>
+                    </a:lnB>
+                    <a:solidFill>
+                      <a:srgbClr val="FFFFFF"/>
+                    </a:solidFill>
+                  </a:tcPr>
+                </a:tc>
+                <a:tc>
+                  <a:txBody>
+                    <a:bodyPr/>
+                    <a:lstStyle/>
+                    <a:p>
+                      <a:pPr algn="ctr" fontAlgn="base"/>
+                      <a:r>
+                        <a:rPr lang="en-US" sz="1600">
+                          <a:solidFill>
+                            <a:srgbClr val="666666"/>
+                          </a:solidFill>
+                          <a:effectLst/>
+                          <a:latin typeface="inherit"/>
+                        </a:rPr>
+                        <a:t>412</a:t>
+                      </a:r>
+                    </a:p>
+                  </a:txBody>
+                  <a:tcPr marL="2702" marR="2702" marT="1689" marB="1689">
+                    <a:lnL w="3810" cap="flat" cmpd="sng" algn="ctr">
+                      <a:solidFill>
+                        <a:srgbClr val="D3D3D3"/>
+                      </a:solidFill>
+                      <a:prstDash val="solid"/>
+                      <a:round/>
+                      <a:headEnd type="none" w="med" len="med"/>
+                      <a:tailEnd type="none" w="med" len="med"/>
+                    </a:lnL>
+                    <a:lnR w="3810" cap="flat" cmpd="sng" algn="ctr">
+                      <a:solidFill>
+                        <a:srgbClr val="D3D3D3"/>
+                      </a:solidFill>
+                      <a:prstDash val="solid"/>
+                      <a:round/>
+                      <a:headEnd type="none" w="med" len="med"/>
+                      <a:tailEnd type="none" w="med" len="med"/>
+                    </a:lnR>
+                    <a:lnT w="3810" cap="flat" cmpd="sng" algn="ctr">
+                      <a:solidFill>
+                        <a:srgbClr val="D3D3D3"/>
+                      </a:solidFill>
+                      <a:prstDash val="solid"/>
+                      <a:round/>
+                      <a:headEnd type="none" w="med" len="med"/>
+                      <a:tailEnd type="none" w="med" len="med"/>
+                    </a:lnT>
+                    <a:lnB w="3810" cap="flat" cmpd="sng" algn="ctr">
+                      <a:solidFill>
+                        <a:srgbClr val="D3D3D3"/>
+                      </a:solidFill>
+                      <a:prstDash val="solid"/>
+                      <a:round/>
+                      <a:headEnd type="none" w="med" len="med"/>
+                      <a:tailEnd type="none" w="med" len="med"/>
+                    </a:lnB>
+                    <a:solidFill>
+                      <a:srgbClr val="FFFFFF"/>
+                    </a:solidFill>
+                  </a:tcPr>
+                </a:tc>
+                <a:tc>
+                  <a:txBody>
+                    <a:bodyPr/>
+                    <a:lstStyle/>
+                    <a:p>
+                      <a:pPr algn="ctr" fontAlgn="base"/>
+                      <a:r>
+                        <a:rPr lang="en-US" sz="1600">
+                          <a:solidFill>
+                            <a:srgbClr val="666666"/>
+                          </a:solidFill>
+                          <a:effectLst/>
+                          <a:latin typeface="inherit"/>
+                        </a:rPr>
+                        <a:t>39.2</a:t>
+                      </a:r>
+                    </a:p>
+                  </a:txBody>
+                  <a:tcPr marL="2702" marR="2702" marT="1689" marB="1689">
+                    <a:lnL w="3810" cap="flat" cmpd="sng" algn="ctr">
+                      <a:solidFill>
+                        <a:srgbClr val="D3D3D3"/>
+                      </a:solidFill>
+                      <a:prstDash val="solid"/>
+                      <a:round/>
+                      <a:headEnd type="none" w="med" len="med"/>
+                      <a:tailEnd type="none" w="med" len="med"/>
+                    </a:lnL>
+                    <a:lnR w="3810" cap="flat" cmpd="sng" algn="ctr">
+                      <a:solidFill>
+                        <a:srgbClr val="D3D3D3"/>
+                      </a:solidFill>
+                      <a:prstDash val="solid"/>
+                      <a:round/>
+                      <a:headEnd type="none" w="med" len="med"/>
+                      <a:tailEnd type="none" w="med" len="med"/>
+                    </a:lnR>
+                    <a:lnT w="3810" cap="flat" cmpd="sng" algn="ctr">
+                      <a:solidFill>
+                        <a:srgbClr val="D3D3D3"/>
+                      </a:solidFill>
+                      <a:prstDash val="solid"/>
+                      <a:round/>
+                      <a:headEnd type="none" w="med" len="med"/>
+                      <a:tailEnd type="none" w="med" len="med"/>
+                    </a:lnT>
+                    <a:lnB w="3810" cap="flat" cmpd="sng" algn="ctr">
+                      <a:solidFill>
+                        <a:srgbClr val="D3D3D3"/>
+                      </a:solidFill>
+                      <a:prstDash val="solid"/>
+                      <a:round/>
+                      <a:headEnd type="none" w="med" len="med"/>
+                      <a:tailEnd type="none" w="med" len="med"/>
+                    </a:lnB>
+                    <a:solidFill>
+                      <a:srgbClr val="FFFFFF"/>
+                    </a:solidFill>
+                  </a:tcPr>
+                </a:tc>
+                <a:tc>
+                  <a:txBody>
+                    <a:bodyPr/>
+                    <a:lstStyle/>
+                    <a:p>
+                      <a:pPr algn="ctr" fontAlgn="base"/>
+                      <a:r>
+                        <a:rPr lang="en-US" sz="1600" dirty="0">
+                          <a:solidFill>
+                            <a:srgbClr val="666666"/>
+                          </a:solidFill>
+                          <a:effectLst/>
+                          <a:latin typeface="inherit"/>
+                        </a:rPr>
+                        <a:t>1.9</a:t>
+                      </a:r>
+                    </a:p>
+                  </a:txBody>
+                  <a:tcPr marL="2702" marR="2702" marT="1689" marB="1689">
+                    <a:lnL w="3810" cap="flat" cmpd="sng" algn="ctr">
+                      <a:solidFill>
+                        <a:srgbClr val="D3D3D3"/>
+                      </a:solidFill>
+                      <a:prstDash val="solid"/>
+                      <a:round/>
+                      <a:headEnd type="none" w="med" len="med"/>
+                      <a:tailEnd type="none" w="med" len="med"/>
+                    </a:lnL>
+                    <a:lnR w="3810" cap="flat" cmpd="sng" algn="ctr">
+                      <a:solidFill>
+                        <a:srgbClr val="D3D3D3"/>
+                      </a:solidFill>
+                      <a:prstDash val="solid"/>
+                      <a:round/>
+                      <a:headEnd type="none" w="med" len="med"/>
+                      <a:tailEnd type="none" w="med" len="med"/>
+                    </a:lnR>
+                    <a:lnT w="3810" cap="flat" cmpd="sng" algn="ctr">
+                      <a:solidFill>
+                        <a:srgbClr val="D3D3D3"/>
+                      </a:solidFill>
+                      <a:prstDash val="solid"/>
+                      <a:round/>
+                      <a:headEnd type="none" w="med" len="med"/>
+                      <a:tailEnd type="none" w="med" len="med"/>
+                    </a:lnT>
+                    <a:lnB w="3810" cap="flat" cmpd="sng" algn="ctr">
+                      <a:solidFill>
+                        <a:srgbClr val="D3D3D3"/>
+                      </a:solidFill>
+                      <a:prstDash val="solid"/>
+                      <a:round/>
+                      <a:headEnd type="none" w="med" len="med"/>
+                      <a:tailEnd type="none" w="med" len="med"/>
+                    </a:lnB>
+                    <a:solidFill>
+                      <a:srgbClr val="FFFFFF"/>
+                    </a:solidFill>
+                  </a:tcPr>
+                </a:tc>
+                <a:tc>
+                  <a:txBody>
+                    <a:bodyPr/>
+                    <a:lstStyle/>
+                    <a:p>
+                      <a:pPr algn="ctr" fontAlgn="base"/>
+                      <a:r>
+                        <a:rPr lang="en-US" sz="1600" dirty="0">
+                          <a:solidFill>
+                            <a:srgbClr val="666666"/>
+                          </a:solidFill>
+                          <a:effectLst/>
+                          <a:latin typeface="inherit"/>
+                        </a:rPr>
+                        <a:t>28.7</a:t>
+                      </a:r>
+                    </a:p>
+                  </a:txBody>
+                  <a:tcPr marL="2702" marR="2702" marT="1689" marB="1689">
+                    <a:lnL w="3810" cap="flat" cmpd="sng" algn="ctr">
+                      <a:solidFill>
+                        <a:srgbClr val="D3D3D3"/>
+                      </a:solidFill>
+                      <a:prstDash val="solid"/>
+                      <a:round/>
+                      <a:headEnd type="none" w="med" len="med"/>
+                      <a:tailEnd type="none" w="med" len="med"/>
+                    </a:lnL>
+                    <a:lnR w="3810" cap="flat" cmpd="sng" algn="ctr">
+                      <a:solidFill>
+                        <a:srgbClr val="D3D3D3"/>
+                      </a:solidFill>
+                      <a:prstDash val="solid"/>
+                      <a:round/>
+                      <a:headEnd type="none" w="med" len="med"/>
+                      <a:tailEnd type="none" w="med" len="med"/>
+                    </a:lnR>
+                    <a:lnT w="3810" cap="flat" cmpd="sng" algn="ctr">
+                      <a:solidFill>
+                        <a:srgbClr val="D3D3D3"/>
+                      </a:solidFill>
+                      <a:prstDash val="solid"/>
+                      <a:round/>
+                      <a:headEnd type="none" w="med" len="med"/>
+                      <a:tailEnd type="none" w="med" len="med"/>
+                    </a:lnT>
+                    <a:lnB w="3810" cap="flat" cmpd="sng" algn="ctr">
+                      <a:solidFill>
+                        <a:srgbClr val="D3D3D3"/>
+                      </a:solidFill>
+                      <a:prstDash val="solid"/>
+                      <a:round/>
+                      <a:headEnd type="none" w="med" len="med"/>
+                      <a:tailEnd type="none" w="med" len="med"/>
+                    </a:lnB>
+                    <a:solidFill>
+                      <a:srgbClr val="FFFFFF"/>
+                    </a:solidFill>
+                  </a:tcPr>
+                </a:tc>
+                <a:tc>
+                  <a:txBody>
+                    <a:bodyPr/>
+                    <a:lstStyle/>
+                    <a:p>
+                      <a:pPr algn="ctr" fontAlgn="base"/>
+                      <a:r>
+                        <a:rPr lang="en-US" sz="1600" dirty="0">
+                          <a:solidFill>
+                            <a:srgbClr val="666666"/>
+                          </a:solidFill>
+                          <a:effectLst/>
+                          <a:latin typeface="inherit"/>
+                        </a:rPr>
+                        <a:t>43.3</a:t>
+                      </a:r>
+                    </a:p>
+                  </a:txBody>
+                  <a:tcPr marL="2702" marR="2702" marT="1689" marB="1689">
+                    <a:lnL w="3810" cap="flat" cmpd="sng" algn="ctr">
+                      <a:solidFill>
+                        <a:srgbClr val="D3D3D3"/>
+                      </a:solidFill>
+                      <a:prstDash val="solid"/>
+                      <a:round/>
+                      <a:headEnd type="none" w="med" len="med"/>
+                      <a:tailEnd type="none" w="med" len="med"/>
+                    </a:lnL>
+                    <a:lnR w="3810" cap="flat" cmpd="sng" algn="ctr">
+                      <a:solidFill>
+                        <a:srgbClr val="D3D3D3"/>
+                      </a:solidFill>
+                      <a:prstDash val="solid"/>
+                      <a:round/>
+                      <a:headEnd type="none" w="med" len="med"/>
+                      <a:tailEnd type="none" w="med" len="med"/>
+                    </a:lnR>
+                    <a:lnT w="3810" cap="flat" cmpd="sng" algn="ctr">
+                      <a:solidFill>
+                        <a:srgbClr val="D3D3D3"/>
+                      </a:solidFill>
+                      <a:prstDash val="solid"/>
+                      <a:round/>
+                      <a:headEnd type="none" w="med" len="med"/>
+                      <a:tailEnd type="none" w="med" len="med"/>
+                    </a:lnT>
+                    <a:lnB w="3810" cap="flat" cmpd="sng" algn="ctr">
+                      <a:solidFill>
+                        <a:srgbClr val="D3D3D3"/>
+                      </a:solidFill>
+                      <a:prstDash val="solid"/>
+                      <a:round/>
+                      <a:headEnd type="none" w="med" len="med"/>
+                      <a:tailEnd type="none" w="med" len="med"/>
+                    </a:lnB>
+                    <a:solidFill>
+                      <a:srgbClr val="FFFFFF"/>
+                    </a:solidFill>
+                  </a:tcPr>
+                </a:tc>
+              </a:tr>
+              <a:tr h="136830">
+                <a:tc>
+                  <a:txBody>
+                    <a:bodyPr/>
+                    <a:lstStyle/>
+                    <a:p>
+                      <a:pPr algn="ctr" fontAlgn="base"/>
+                      <a:r>
+                        <a:rPr lang="en-US" sz="1600">
+                          <a:solidFill>
+                            <a:srgbClr val="666666"/>
+                          </a:solidFill>
+                          <a:effectLst/>
+                          <a:latin typeface="inherit"/>
+                        </a:rPr>
+                        <a:t>Birth length (cm)</a:t>
+                      </a:r>
+                    </a:p>
+                  </a:txBody>
+                  <a:tcPr marL="2702" marR="2702" marT="1689" marB="1689">
+                    <a:lnL w="3810" cap="flat" cmpd="sng" algn="ctr">
+                      <a:solidFill>
+                        <a:srgbClr val="D3D3D3"/>
+                      </a:solidFill>
+                      <a:prstDash val="solid"/>
+                      <a:round/>
+                      <a:headEnd type="none" w="med" len="med"/>
+                      <a:tailEnd type="none" w="med" len="med"/>
+                    </a:lnL>
+                    <a:lnR w="3810" cap="flat" cmpd="sng" algn="ctr">
+                      <a:solidFill>
+                        <a:srgbClr val="D3D3D3"/>
+                      </a:solidFill>
+                      <a:prstDash val="solid"/>
+                      <a:round/>
+                      <a:headEnd type="none" w="med" len="med"/>
+                      <a:tailEnd type="none" w="med" len="med"/>
+                    </a:lnR>
+                    <a:lnT w="3810" cap="flat" cmpd="sng" algn="ctr">
+                      <a:solidFill>
+                        <a:srgbClr val="D3D3D3"/>
+                      </a:solidFill>
+                      <a:prstDash val="solid"/>
+                      <a:round/>
+                      <a:headEnd type="none" w="med" len="med"/>
+                      <a:tailEnd type="none" w="med" len="med"/>
+                    </a:lnT>
+                    <a:lnB w="3810" cap="flat" cmpd="sng" algn="ctr">
+                      <a:solidFill>
+                        <a:srgbClr val="D3D3D3"/>
+                      </a:solidFill>
+                      <a:prstDash val="solid"/>
+                      <a:round/>
+                      <a:headEnd type="none" w="med" len="med"/>
+                      <a:tailEnd type="none" w="med" len="med"/>
+                    </a:lnB>
+                    <a:solidFill>
+                      <a:srgbClr val="FFFFFF"/>
+                    </a:solidFill>
+                  </a:tcPr>
+                </a:tc>
+                <a:tc>
+                  <a:txBody>
+                    <a:bodyPr/>
+                    <a:lstStyle/>
+                    <a:p>
+                      <a:pPr algn="ctr" fontAlgn="base"/>
+                      <a:r>
+                        <a:rPr lang="en-US" sz="1600">
+                          <a:solidFill>
+                            <a:srgbClr val="666666"/>
+                          </a:solidFill>
+                          <a:effectLst/>
+                          <a:latin typeface="inherit"/>
+                        </a:rPr>
+                        <a:t>406</a:t>
+                      </a:r>
+                    </a:p>
+                  </a:txBody>
+                  <a:tcPr marL="2702" marR="2702" marT="1689" marB="1689">
+                    <a:lnL w="3810" cap="flat" cmpd="sng" algn="ctr">
+                      <a:solidFill>
+                        <a:srgbClr val="D3D3D3"/>
+                      </a:solidFill>
+                      <a:prstDash val="solid"/>
+                      <a:round/>
+                      <a:headEnd type="none" w="med" len="med"/>
+                      <a:tailEnd type="none" w="med" len="med"/>
+                    </a:lnL>
+                    <a:lnR w="3810" cap="flat" cmpd="sng" algn="ctr">
+                      <a:solidFill>
+                        <a:srgbClr val="D3D3D3"/>
+                      </a:solidFill>
+                      <a:prstDash val="solid"/>
+                      <a:round/>
+                      <a:headEnd type="none" w="med" len="med"/>
+                      <a:tailEnd type="none" w="med" len="med"/>
+                    </a:lnR>
+                    <a:lnT w="3810" cap="flat" cmpd="sng" algn="ctr">
+                      <a:solidFill>
+                        <a:srgbClr val="D3D3D3"/>
+                      </a:solidFill>
+                      <a:prstDash val="solid"/>
+                      <a:round/>
+                      <a:headEnd type="none" w="med" len="med"/>
+                      <a:tailEnd type="none" w="med" len="med"/>
+                    </a:lnT>
+                    <a:lnB w="3810" cap="flat" cmpd="sng" algn="ctr">
+                      <a:solidFill>
+                        <a:srgbClr val="D3D3D3"/>
+                      </a:solidFill>
+                      <a:prstDash val="solid"/>
+                      <a:round/>
+                      <a:headEnd type="none" w="med" len="med"/>
+                      <a:tailEnd type="none" w="med" len="med"/>
+                    </a:lnB>
+                    <a:solidFill>
+                      <a:srgbClr val="FFFFFF"/>
+                    </a:solidFill>
+                  </a:tcPr>
+                </a:tc>
+                <a:tc>
+                  <a:txBody>
+                    <a:bodyPr/>
+                    <a:lstStyle/>
+                    <a:p>
+                      <a:pPr algn="ctr" fontAlgn="base"/>
+                      <a:r>
+                        <a:rPr lang="en-US" sz="1600">
+                          <a:solidFill>
+                            <a:srgbClr val="666666"/>
+                          </a:solidFill>
+                          <a:effectLst/>
+                          <a:latin typeface="inherit"/>
+                        </a:rPr>
+                        <a:t>49.0</a:t>
+                      </a:r>
+                    </a:p>
+                  </a:txBody>
+                  <a:tcPr marL="2702" marR="2702" marT="1689" marB="1689">
+                    <a:lnL w="3810" cap="flat" cmpd="sng" algn="ctr">
+                      <a:solidFill>
+                        <a:srgbClr val="D3D3D3"/>
+                      </a:solidFill>
+                      <a:prstDash val="solid"/>
+                      <a:round/>
+                      <a:headEnd type="none" w="med" len="med"/>
+                      <a:tailEnd type="none" w="med" len="med"/>
+                    </a:lnL>
+                    <a:lnR w="3810" cap="flat" cmpd="sng" algn="ctr">
+                      <a:solidFill>
+                        <a:srgbClr val="D3D3D3"/>
+                      </a:solidFill>
+                      <a:prstDash val="solid"/>
+                      <a:round/>
+                      <a:headEnd type="none" w="med" len="med"/>
+                      <a:tailEnd type="none" w="med" len="med"/>
+                    </a:lnR>
+                    <a:lnT w="3810" cap="flat" cmpd="sng" algn="ctr">
+                      <a:solidFill>
+                        <a:srgbClr val="D3D3D3"/>
+                      </a:solidFill>
+                      <a:prstDash val="solid"/>
+                      <a:round/>
+                      <a:headEnd type="none" w="med" len="med"/>
+                      <a:tailEnd type="none" w="med" len="med"/>
+                    </a:lnT>
+                    <a:lnB w="3810" cap="flat" cmpd="sng" algn="ctr">
+                      <a:solidFill>
+                        <a:srgbClr val="D3D3D3"/>
+                      </a:solidFill>
+                      <a:prstDash val="solid"/>
+                      <a:round/>
+                      <a:headEnd type="none" w="med" len="med"/>
+                      <a:tailEnd type="none" w="med" len="med"/>
+                    </a:lnB>
+                    <a:solidFill>
+                      <a:srgbClr val="FFFFFF"/>
+                    </a:solidFill>
+                  </a:tcPr>
+                </a:tc>
+                <a:tc>
+                  <a:txBody>
+                    <a:bodyPr/>
+                    <a:lstStyle/>
+                    <a:p>
+                      <a:pPr algn="ctr" fontAlgn="base"/>
+                      <a:r>
+                        <a:rPr lang="en-US" sz="1600">
+                          <a:solidFill>
+                            <a:srgbClr val="666666"/>
+                          </a:solidFill>
+                          <a:effectLst/>
+                          <a:latin typeface="inherit"/>
+                        </a:rPr>
+                        <a:t>3.1</a:t>
+                      </a:r>
+                    </a:p>
+                  </a:txBody>
+                  <a:tcPr marL="2702" marR="2702" marT="1689" marB="1689">
+                    <a:lnL w="3810" cap="flat" cmpd="sng" algn="ctr">
+                      <a:solidFill>
+                        <a:srgbClr val="D3D3D3"/>
+                      </a:solidFill>
+                      <a:prstDash val="solid"/>
+                      <a:round/>
+                      <a:headEnd type="none" w="med" len="med"/>
+                      <a:tailEnd type="none" w="med" len="med"/>
+                    </a:lnL>
+                    <a:lnR w="3810" cap="flat" cmpd="sng" algn="ctr">
+                      <a:solidFill>
+                        <a:srgbClr val="D3D3D3"/>
+                      </a:solidFill>
+                      <a:prstDash val="solid"/>
+                      <a:round/>
+                      <a:headEnd type="none" w="med" len="med"/>
+                      <a:tailEnd type="none" w="med" len="med"/>
+                    </a:lnR>
+                    <a:lnT w="3810" cap="flat" cmpd="sng" algn="ctr">
+                      <a:solidFill>
+                        <a:srgbClr val="D3D3D3"/>
+                      </a:solidFill>
+                      <a:prstDash val="solid"/>
+                      <a:round/>
+                      <a:headEnd type="none" w="med" len="med"/>
+                      <a:tailEnd type="none" w="med" len="med"/>
+                    </a:lnT>
+                    <a:lnB w="3810" cap="flat" cmpd="sng" algn="ctr">
+                      <a:solidFill>
+                        <a:srgbClr val="D3D3D3"/>
+                      </a:solidFill>
+                      <a:prstDash val="solid"/>
+                      <a:round/>
+                      <a:headEnd type="none" w="med" len="med"/>
+                      <a:tailEnd type="none" w="med" len="med"/>
+                    </a:lnB>
+                    <a:solidFill>
+                      <a:srgbClr val="FFFFFF"/>
+                    </a:solidFill>
+                  </a:tcPr>
+                </a:tc>
+                <a:tc>
+                  <a:txBody>
+                    <a:bodyPr/>
+                    <a:lstStyle/>
+                    <a:p>
+                      <a:pPr algn="ctr" fontAlgn="base"/>
+                      <a:r>
+                        <a:rPr lang="en-US" sz="1600" dirty="0">
+                          <a:solidFill>
+                            <a:srgbClr val="666666"/>
+                          </a:solidFill>
+                          <a:effectLst/>
+                          <a:latin typeface="inherit"/>
+                        </a:rPr>
+                        <a:t>39.0</a:t>
+                      </a:r>
+                    </a:p>
+                  </a:txBody>
+                  <a:tcPr marL="2702" marR="2702" marT="1689" marB="1689">
+                    <a:lnL w="3810" cap="flat" cmpd="sng" algn="ctr">
+                      <a:solidFill>
+                        <a:srgbClr val="D3D3D3"/>
+                      </a:solidFill>
+                      <a:prstDash val="solid"/>
+                      <a:round/>
+                      <a:headEnd type="none" w="med" len="med"/>
+                      <a:tailEnd type="none" w="med" len="med"/>
+                    </a:lnL>
+                    <a:lnR w="3810" cap="flat" cmpd="sng" algn="ctr">
+                      <a:solidFill>
+                        <a:srgbClr val="D3D3D3"/>
+                      </a:solidFill>
+                      <a:prstDash val="solid"/>
+                      <a:round/>
+                      <a:headEnd type="none" w="med" len="med"/>
+                      <a:tailEnd type="none" w="med" len="med"/>
+                    </a:lnR>
+                    <a:lnT w="3810" cap="flat" cmpd="sng" algn="ctr">
+                      <a:solidFill>
+                        <a:srgbClr val="D3D3D3"/>
+                      </a:solidFill>
+                      <a:prstDash val="solid"/>
+                      <a:round/>
+                      <a:headEnd type="none" w="med" len="med"/>
+                      <a:tailEnd type="none" w="med" len="med"/>
+                    </a:lnT>
+                    <a:lnB w="3810" cap="flat" cmpd="sng" algn="ctr">
+                      <a:solidFill>
+                        <a:srgbClr val="D3D3D3"/>
+                      </a:solidFill>
+                      <a:prstDash val="solid"/>
+                      <a:round/>
+                      <a:headEnd type="none" w="med" len="med"/>
+                      <a:tailEnd type="none" w="med" len="med"/>
+                    </a:lnB>
+                    <a:solidFill>
+                      <a:srgbClr val="FFFFFF"/>
+                    </a:solidFill>
+                  </a:tcPr>
+                </a:tc>
+                <a:tc>
+                  <a:txBody>
+                    <a:bodyPr/>
+                    <a:lstStyle/>
+                    <a:p>
+                      <a:pPr algn="ctr" fontAlgn="base"/>
+                      <a:r>
+                        <a:rPr lang="en-US" sz="1600" dirty="0">
+                          <a:solidFill>
+                            <a:srgbClr val="666666"/>
+                          </a:solidFill>
+                          <a:effectLst/>
+                          <a:latin typeface="inherit"/>
+                        </a:rPr>
+                        <a:t>56.5</a:t>
+                      </a:r>
+                    </a:p>
+                  </a:txBody>
+                  <a:tcPr marL="2702" marR="2702" marT="1689" marB="1689">
+                    <a:lnL w="3810" cap="flat" cmpd="sng" algn="ctr">
+                      <a:solidFill>
+                        <a:srgbClr val="D3D3D3"/>
+                      </a:solidFill>
+                      <a:prstDash val="solid"/>
+                      <a:round/>
+                      <a:headEnd type="none" w="med" len="med"/>
+                      <a:tailEnd type="none" w="med" len="med"/>
+                    </a:lnL>
+                    <a:lnR w="3810" cap="flat" cmpd="sng" algn="ctr">
+                      <a:solidFill>
+                        <a:srgbClr val="D3D3D3"/>
+                      </a:solidFill>
+                      <a:prstDash val="solid"/>
+                      <a:round/>
+                      <a:headEnd type="none" w="med" len="med"/>
+                      <a:tailEnd type="none" w="med" len="med"/>
+                    </a:lnR>
+                    <a:lnT w="3810" cap="flat" cmpd="sng" algn="ctr">
+                      <a:solidFill>
+                        <a:srgbClr val="D3D3D3"/>
+                      </a:solidFill>
+                      <a:prstDash val="solid"/>
+                      <a:round/>
+                      <a:headEnd type="none" w="med" len="med"/>
+                      <a:tailEnd type="none" w="med" len="med"/>
+                    </a:lnT>
+                    <a:lnB w="3810" cap="flat" cmpd="sng" algn="ctr">
+                      <a:solidFill>
+                        <a:srgbClr val="D3D3D3"/>
+                      </a:solidFill>
+                      <a:prstDash val="solid"/>
+                      <a:round/>
+                      <a:headEnd type="none" w="med" len="med"/>
+                      <a:tailEnd type="none" w="med" len="med"/>
+                    </a:lnB>
+                    <a:solidFill>
+                      <a:srgbClr val="FFFFFF"/>
+                    </a:solidFill>
+                  </a:tcPr>
+                </a:tc>
+              </a:tr>
+              <a:tr h="156073">
+                <a:tc>
+                  <a:txBody>
+                    <a:bodyPr/>
+                    <a:lstStyle/>
+                    <a:p>
+                      <a:pPr algn="ctr" fontAlgn="base"/>
+                      <a:r>
+                        <a:rPr lang="en-US" sz="1600">
+                          <a:solidFill>
+                            <a:srgbClr val="666666"/>
+                          </a:solidFill>
+                          <a:effectLst/>
+                          <a:latin typeface="inherit"/>
+                        </a:rPr>
+                        <a:t>Birth weight (g)</a:t>
+                      </a:r>
+                    </a:p>
+                  </a:txBody>
+                  <a:tcPr marL="2702" marR="2702" marT="1689" marB="1689">
+                    <a:lnL w="3810" cap="flat" cmpd="sng" algn="ctr">
+                      <a:solidFill>
+                        <a:srgbClr val="D3D3D3"/>
+                      </a:solidFill>
+                      <a:prstDash val="solid"/>
+                      <a:round/>
+                      <a:headEnd type="none" w="med" len="med"/>
+                      <a:tailEnd type="none" w="med" len="med"/>
+                    </a:lnL>
+                    <a:lnR w="3810" cap="flat" cmpd="sng" algn="ctr">
+                      <a:solidFill>
+                        <a:srgbClr val="D3D3D3"/>
+                      </a:solidFill>
+                      <a:prstDash val="solid"/>
+                      <a:round/>
+                      <a:headEnd type="none" w="med" len="med"/>
+                      <a:tailEnd type="none" w="med" len="med"/>
+                    </a:lnR>
+                    <a:lnT w="3810" cap="flat" cmpd="sng" algn="ctr">
+                      <a:solidFill>
+                        <a:srgbClr val="D3D3D3"/>
+                      </a:solidFill>
+                      <a:prstDash val="solid"/>
+                      <a:round/>
+                      <a:headEnd type="none" w="med" len="med"/>
+                      <a:tailEnd type="none" w="med" len="med"/>
+                    </a:lnT>
+                    <a:lnB w="3810" cap="flat" cmpd="sng" algn="ctr">
+                      <a:solidFill>
+                        <a:srgbClr val="D3D3D3"/>
+                      </a:solidFill>
+                      <a:prstDash val="solid"/>
+                      <a:round/>
+                      <a:headEnd type="none" w="med" len="med"/>
+                      <a:tailEnd type="none" w="med" len="med"/>
+                    </a:lnB>
+                    <a:solidFill>
+                      <a:srgbClr val="FFFFFF"/>
+                    </a:solidFill>
+                  </a:tcPr>
+                </a:tc>
+                <a:tc>
+                  <a:txBody>
+                    <a:bodyPr/>
+                    <a:lstStyle/>
+                    <a:p>
+                      <a:pPr algn="ctr" fontAlgn="base"/>
+                      <a:r>
+                        <a:rPr lang="en-US" sz="1600">
+                          <a:solidFill>
+                            <a:srgbClr val="666666"/>
+                          </a:solidFill>
+                          <a:effectLst/>
+                          <a:latin typeface="inherit"/>
+                        </a:rPr>
+                        <a:t>411</a:t>
+                      </a:r>
+                    </a:p>
+                  </a:txBody>
+                  <a:tcPr marL="2702" marR="2702" marT="1689" marB="1689">
+                    <a:lnL w="3810" cap="flat" cmpd="sng" algn="ctr">
+                      <a:solidFill>
+                        <a:srgbClr val="D3D3D3"/>
+                      </a:solidFill>
+                      <a:prstDash val="solid"/>
+                      <a:round/>
+                      <a:headEnd type="none" w="med" len="med"/>
+                      <a:tailEnd type="none" w="med" len="med"/>
+                    </a:lnL>
+                    <a:lnR w="3810" cap="flat" cmpd="sng" algn="ctr">
+                      <a:solidFill>
+                        <a:srgbClr val="D3D3D3"/>
+                      </a:solidFill>
+                      <a:prstDash val="solid"/>
+                      <a:round/>
+                      <a:headEnd type="none" w="med" len="med"/>
+                      <a:tailEnd type="none" w="med" len="med"/>
+                    </a:lnR>
+                    <a:lnT w="3810" cap="flat" cmpd="sng" algn="ctr">
+                      <a:solidFill>
+                        <a:srgbClr val="D3D3D3"/>
+                      </a:solidFill>
+                      <a:prstDash val="solid"/>
+                      <a:round/>
+                      <a:headEnd type="none" w="med" len="med"/>
+                      <a:tailEnd type="none" w="med" len="med"/>
+                    </a:lnT>
+                    <a:lnB w="3810" cap="flat" cmpd="sng" algn="ctr">
+                      <a:solidFill>
+                        <a:srgbClr val="D3D3D3"/>
+                      </a:solidFill>
+                      <a:prstDash val="solid"/>
+                      <a:round/>
+                      <a:headEnd type="none" w="med" len="med"/>
+                      <a:tailEnd type="none" w="med" len="med"/>
+                    </a:lnB>
+                    <a:solidFill>
+                      <a:srgbClr val="FFFFFF"/>
+                    </a:solidFill>
+                  </a:tcPr>
+                </a:tc>
+                <a:tc>
+                  <a:txBody>
+                    <a:bodyPr/>
+                    <a:lstStyle/>
+                    <a:p>
+                      <a:pPr algn="ctr" fontAlgn="base"/>
+                      <a:r>
+                        <a:rPr lang="en-US" sz="1600">
+                          <a:solidFill>
+                            <a:srgbClr val="666666"/>
+                          </a:solidFill>
+                          <a:effectLst/>
+                          <a:latin typeface="inherit"/>
+                        </a:rPr>
+                        <a:t>3068</a:t>
+                      </a:r>
+                    </a:p>
+                  </a:txBody>
+                  <a:tcPr marL="2702" marR="2702" marT="1689" marB="1689">
+                    <a:lnL w="3810" cap="flat" cmpd="sng" algn="ctr">
+                      <a:solidFill>
+                        <a:srgbClr val="D3D3D3"/>
+                      </a:solidFill>
+                      <a:prstDash val="solid"/>
+                      <a:round/>
+                      <a:headEnd type="none" w="med" len="med"/>
+                      <a:tailEnd type="none" w="med" len="med"/>
+                    </a:lnL>
+                    <a:lnR w="3810" cap="flat" cmpd="sng" algn="ctr">
+                      <a:solidFill>
+                        <a:srgbClr val="D3D3D3"/>
+                      </a:solidFill>
+                      <a:prstDash val="solid"/>
+                      <a:round/>
+                      <a:headEnd type="none" w="med" len="med"/>
+                      <a:tailEnd type="none" w="med" len="med"/>
+                    </a:lnR>
+                    <a:lnT w="3810" cap="flat" cmpd="sng" algn="ctr">
+                      <a:solidFill>
+                        <a:srgbClr val="D3D3D3"/>
+                      </a:solidFill>
+                      <a:prstDash val="solid"/>
+                      <a:round/>
+                      <a:headEnd type="none" w="med" len="med"/>
+                      <a:tailEnd type="none" w="med" len="med"/>
+                    </a:lnT>
+                    <a:lnB w="3810" cap="flat" cmpd="sng" algn="ctr">
+                      <a:solidFill>
+                        <a:srgbClr val="D3D3D3"/>
+                      </a:solidFill>
+                      <a:prstDash val="solid"/>
+                      <a:round/>
+                      <a:headEnd type="none" w="med" len="med"/>
+                      <a:tailEnd type="none" w="med" len="med"/>
+                    </a:lnB>
+                    <a:solidFill>
+                      <a:srgbClr val="FFFFFF"/>
+                    </a:solidFill>
+                  </a:tcPr>
+                </a:tc>
+                <a:tc>
+                  <a:txBody>
+                    <a:bodyPr/>
+                    <a:lstStyle/>
+                    <a:p>
+                      <a:pPr algn="ctr" fontAlgn="base"/>
+                      <a:r>
+                        <a:rPr lang="en-US" sz="1600">
+                          <a:solidFill>
+                            <a:srgbClr val="666666"/>
+                          </a:solidFill>
+                          <a:effectLst/>
+                          <a:latin typeface="inherit"/>
+                        </a:rPr>
+                        <a:t>562.8</a:t>
+                      </a:r>
+                    </a:p>
+                  </a:txBody>
+                  <a:tcPr marL="2702" marR="2702" marT="1689" marB="1689">
+                    <a:lnL w="3810" cap="flat" cmpd="sng" algn="ctr">
+                      <a:solidFill>
+                        <a:srgbClr val="D3D3D3"/>
+                      </a:solidFill>
+                      <a:prstDash val="solid"/>
+                      <a:round/>
+                      <a:headEnd type="none" w="med" len="med"/>
+                      <a:tailEnd type="none" w="med" len="med"/>
+                    </a:lnL>
+                    <a:lnR w="3810" cap="flat" cmpd="sng" algn="ctr">
+                      <a:solidFill>
+                        <a:srgbClr val="D3D3D3"/>
+                      </a:solidFill>
+                      <a:prstDash val="solid"/>
+                      <a:round/>
+                      <a:headEnd type="none" w="med" len="med"/>
+                      <a:tailEnd type="none" w="med" len="med"/>
+                    </a:lnR>
+                    <a:lnT w="3810" cap="flat" cmpd="sng" algn="ctr">
+                      <a:solidFill>
+                        <a:srgbClr val="D3D3D3"/>
+                      </a:solidFill>
+                      <a:prstDash val="solid"/>
+                      <a:round/>
+                      <a:headEnd type="none" w="med" len="med"/>
+                      <a:tailEnd type="none" w="med" len="med"/>
+                    </a:lnT>
+                    <a:lnB w="3810" cap="flat" cmpd="sng" algn="ctr">
+                      <a:solidFill>
+                        <a:srgbClr val="D3D3D3"/>
+                      </a:solidFill>
+                      <a:prstDash val="solid"/>
+                      <a:round/>
+                      <a:headEnd type="none" w="med" len="med"/>
+                      <a:tailEnd type="none" w="med" len="med"/>
+                    </a:lnB>
+                    <a:solidFill>
+                      <a:srgbClr val="FFFFFF"/>
+                    </a:solidFill>
+                  </a:tcPr>
+                </a:tc>
+                <a:tc>
+                  <a:txBody>
+                    <a:bodyPr/>
+                    <a:lstStyle/>
+                    <a:p>
+                      <a:pPr algn="ctr" fontAlgn="base"/>
+                      <a:r>
+                        <a:rPr lang="en-US" sz="1600" dirty="0">
+                          <a:solidFill>
+                            <a:srgbClr val="666666"/>
+                          </a:solidFill>
+                          <a:effectLst/>
+                          <a:latin typeface="inherit"/>
+                        </a:rPr>
+                        <a:t>1389</a:t>
+                      </a:r>
+                    </a:p>
+                  </a:txBody>
+                  <a:tcPr marL="2702" marR="2702" marT="1689" marB="1689">
+                    <a:lnL w="3810" cap="flat" cmpd="sng" algn="ctr">
+                      <a:solidFill>
+                        <a:srgbClr val="D3D3D3"/>
+                      </a:solidFill>
+                      <a:prstDash val="solid"/>
+                      <a:round/>
+                      <a:headEnd type="none" w="med" len="med"/>
+                      <a:tailEnd type="none" w="med" len="med"/>
+                    </a:lnL>
+                    <a:lnR w="3810" cap="flat" cmpd="sng" algn="ctr">
+                      <a:solidFill>
+                        <a:srgbClr val="D3D3D3"/>
+                      </a:solidFill>
+                      <a:prstDash val="solid"/>
+                      <a:round/>
+                      <a:headEnd type="none" w="med" len="med"/>
+                      <a:tailEnd type="none" w="med" len="med"/>
+                    </a:lnR>
+                    <a:lnT w="3810" cap="flat" cmpd="sng" algn="ctr">
+                      <a:solidFill>
+                        <a:srgbClr val="D3D3D3"/>
+                      </a:solidFill>
+                      <a:prstDash val="solid"/>
+                      <a:round/>
+                      <a:headEnd type="none" w="med" len="med"/>
+                      <a:tailEnd type="none" w="med" len="med"/>
+                    </a:lnT>
+                    <a:lnB w="3810" cap="flat" cmpd="sng" algn="ctr">
+                      <a:solidFill>
+                        <a:srgbClr val="D3D3D3"/>
+                      </a:solidFill>
+                      <a:prstDash val="solid"/>
+                      <a:round/>
+                      <a:headEnd type="none" w="med" len="med"/>
+                      <a:tailEnd type="none" w="med" len="med"/>
+                    </a:lnB>
+                    <a:solidFill>
+                      <a:srgbClr val="FFFFFF"/>
+                    </a:solidFill>
+                  </a:tcPr>
+                </a:tc>
+                <a:tc>
+                  <a:txBody>
+                    <a:bodyPr/>
+                    <a:lstStyle/>
+                    <a:p>
+                      <a:pPr algn="ctr" fontAlgn="base"/>
+                      <a:r>
+                        <a:rPr lang="en-US" sz="1600" dirty="0">
+                          <a:solidFill>
+                            <a:srgbClr val="666666"/>
+                          </a:solidFill>
+                          <a:effectLst/>
+                          <a:latin typeface="inherit"/>
+                        </a:rPr>
+                        <a:t>4886</a:t>
+                      </a:r>
+                    </a:p>
+                  </a:txBody>
+                  <a:tcPr marL="2702" marR="2702" marT="1689" marB="1689">
+                    <a:lnL w="3810" cap="flat" cmpd="sng" algn="ctr">
+                      <a:solidFill>
+                        <a:srgbClr val="D3D3D3"/>
+                      </a:solidFill>
+                      <a:prstDash val="solid"/>
+                      <a:round/>
+                      <a:headEnd type="none" w="med" len="med"/>
+                      <a:tailEnd type="none" w="med" len="med"/>
+                    </a:lnL>
+                    <a:lnR w="3810" cap="flat" cmpd="sng" algn="ctr">
+                      <a:solidFill>
+                        <a:srgbClr val="D3D3D3"/>
+                      </a:solidFill>
+                      <a:prstDash val="solid"/>
+                      <a:round/>
+                      <a:headEnd type="none" w="med" len="med"/>
+                      <a:tailEnd type="none" w="med" len="med"/>
+                    </a:lnR>
+                    <a:lnT w="3810" cap="flat" cmpd="sng" algn="ctr">
+                      <a:solidFill>
+                        <a:srgbClr val="D3D3D3"/>
+                      </a:solidFill>
+                      <a:prstDash val="solid"/>
+                      <a:round/>
+                      <a:headEnd type="none" w="med" len="med"/>
+                      <a:tailEnd type="none" w="med" len="med"/>
+                    </a:lnT>
+                    <a:lnB w="3810" cap="flat" cmpd="sng" algn="ctr">
+                      <a:solidFill>
+                        <a:srgbClr val="D3D3D3"/>
+                      </a:solidFill>
+                      <a:prstDash val="solid"/>
+                      <a:round/>
+                      <a:headEnd type="none" w="med" len="med"/>
+                      <a:tailEnd type="none" w="med" len="med"/>
+                    </a:lnB>
+                    <a:solidFill>
+                      <a:srgbClr val="FFFFFF"/>
+                    </a:solidFill>
+                  </a:tcPr>
+                </a:tc>
+              </a:tr>
+              <a:tr h="233042">
+                <a:tc>
+                  <a:txBody>
+                    <a:bodyPr/>
+                    <a:lstStyle/>
+                    <a:p>
+                      <a:pPr algn="ctr" fontAlgn="base"/>
+                      <a:r>
+                        <a:rPr lang="en-US" sz="1600">
+                          <a:solidFill>
+                            <a:srgbClr val="666666"/>
+                          </a:solidFill>
+                          <a:effectLst/>
+                          <a:latin typeface="inherit"/>
+                        </a:rPr>
+                        <a:t>Birth head circumference (cm)</a:t>
+                      </a:r>
+                    </a:p>
+                  </a:txBody>
+                  <a:tcPr marL="2702" marR="2702" marT="1689" marB="1689">
+                    <a:lnL w="3810" cap="flat" cmpd="sng" algn="ctr">
+                      <a:solidFill>
+                        <a:srgbClr val="D3D3D3"/>
+                      </a:solidFill>
+                      <a:prstDash val="solid"/>
+                      <a:round/>
+                      <a:headEnd type="none" w="med" len="med"/>
+                      <a:tailEnd type="none" w="med" len="med"/>
+                    </a:lnL>
+                    <a:lnR w="3810" cap="flat" cmpd="sng" algn="ctr">
+                      <a:solidFill>
+                        <a:srgbClr val="D3D3D3"/>
+                      </a:solidFill>
+                      <a:prstDash val="solid"/>
+                      <a:round/>
+                      <a:headEnd type="none" w="med" len="med"/>
+                      <a:tailEnd type="none" w="med" len="med"/>
+                    </a:lnR>
+                    <a:lnT w="3810" cap="flat" cmpd="sng" algn="ctr">
+                      <a:solidFill>
+                        <a:srgbClr val="D3D3D3"/>
+                      </a:solidFill>
+                      <a:prstDash val="solid"/>
+                      <a:round/>
+                      <a:headEnd type="none" w="med" len="med"/>
+                      <a:tailEnd type="none" w="med" len="med"/>
+                    </a:lnT>
+                    <a:lnB w="3810" cap="flat" cmpd="sng" algn="ctr">
+                      <a:solidFill>
+                        <a:srgbClr val="D3D3D3"/>
+                      </a:solidFill>
+                      <a:prstDash val="solid"/>
+                      <a:round/>
+                      <a:headEnd type="none" w="med" len="med"/>
+                      <a:tailEnd type="none" w="med" len="med"/>
+                    </a:lnB>
+                    <a:solidFill>
+                      <a:srgbClr val="FFFFFF"/>
+                    </a:solidFill>
+                  </a:tcPr>
+                </a:tc>
+                <a:tc>
+                  <a:txBody>
+                    <a:bodyPr/>
+                    <a:lstStyle/>
+                    <a:p>
+                      <a:pPr algn="ctr" fontAlgn="base"/>
+                      <a:r>
+                        <a:rPr lang="en-US" sz="1600" dirty="0">
+                          <a:solidFill>
+                            <a:srgbClr val="666666"/>
+                          </a:solidFill>
+                          <a:effectLst/>
+                          <a:latin typeface="inherit"/>
+                        </a:rPr>
+                        <a:t>403</a:t>
+                      </a:r>
+                    </a:p>
+                  </a:txBody>
+                  <a:tcPr marL="2702" marR="2702" marT="1689" marB="1689">
+                    <a:lnL w="3810" cap="flat" cmpd="sng" algn="ctr">
+                      <a:solidFill>
+                        <a:srgbClr val="D3D3D3"/>
+                      </a:solidFill>
+                      <a:prstDash val="solid"/>
+                      <a:round/>
+                      <a:headEnd type="none" w="med" len="med"/>
+                      <a:tailEnd type="none" w="med" len="med"/>
+                    </a:lnL>
+                    <a:lnR w="3810" cap="flat" cmpd="sng" algn="ctr">
+                      <a:solidFill>
+                        <a:srgbClr val="D3D3D3"/>
+                      </a:solidFill>
+                      <a:prstDash val="solid"/>
+                      <a:round/>
+                      <a:headEnd type="none" w="med" len="med"/>
+                      <a:tailEnd type="none" w="med" len="med"/>
+                    </a:lnR>
+                    <a:lnT w="3810" cap="flat" cmpd="sng" algn="ctr">
+                      <a:solidFill>
+                        <a:srgbClr val="D3D3D3"/>
+                      </a:solidFill>
+                      <a:prstDash val="solid"/>
+                      <a:round/>
+                      <a:headEnd type="none" w="med" len="med"/>
+                      <a:tailEnd type="none" w="med" len="med"/>
+                    </a:lnT>
+                    <a:lnB w="3810" cap="flat" cmpd="sng" algn="ctr">
+                      <a:solidFill>
+                        <a:srgbClr val="D3D3D3"/>
+                      </a:solidFill>
+                      <a:prstDash val="solid"/>
+                      <a:round/>
+                      <a:headEnd type="none" w="med" len="med"/>
+                      <a:tailEnd type="none" w="med" len="med"/>
+                    </a:lnB>
+                    <a:solidFill>
+                      <a:srgbClr val="FFFFFF"/>
+                    </a:solidFill>
+                  </a:tcPr>
+                </a:tc>
+                <a:tc>
+                  <a:txBody>
+                    <a:bodyPr/>
+                    <a:lstStyle/>
+                    <a:p>
+                      <a:pPr algn="ctr" fontAlgn="base"/>
+                      <a:r>
+                        <a:rPr lang="en-US" sz="1600">
+                          <a:solidFill>
+                            <a:srgbClr val="666666"/>
+                          </a:solidFill>
+                          <a:effectLst/>
+                          <a:latin typeface="inherit"/>
+                        </a:rPr>
+                        <a:t>32.8</a:t>
+                      </a:r>
+                    </a:p>
+                  </a:txBody>
+                  <a:tcPr marL="2702" marR="2702" marT="1689" marB="1689">
+                    <a:lnL w="3810" cap="flat" cmpd="sng" algn="ctr">
+                      <a:solidFill>
+                        <a:srgbClr val="D3D3D3"/>
+                      </a:solidFill>
+                      <a:prstDash val="solid"/>
+                      <a:round/>
+                      <a:headEnd type="none" w="med" len="med"/>
+                      <a:tailEnd type="none" w="med" len="med"/>
+                    </a:lnL>
+                    <a:lnR w="3810" cap="flat" cmpd="sng" algn="ctr">
+                      <a:solidFill>
+                        <a:srgbClr val="D3D3D3"/>
+                      </a:solidFill>
+                      <a:prstDash val="solid"/>
+                      <a:round/>
+                      <a:headEnd type="none" w="med" len="med"/>
+                      <a:tailEnd type="none" w="med" len="med"/>
+                    </a:lnR>
+                    <a:lnT w="3810" cap="flat" cmpd="sng" algn="ctr">
+                      <a:solidFill>
+                        <a:srgbClr val="D3D3D3"/>
+                      </a:solidFill>
+                      <a:prstDash val="solid"/>
+                      <a:round/>
+                      <a:headEnd type="none" w="med" len="med"/>
+                      <a:tailEnd type="none" w="med" len="med"/>
+                    </a:lnT>
+                    <a:lnB w="3810" cap="flat" cmpd="sng" algn="ctr">
+                      <a:solidFill>
+                        <a:srgbClr val="D3D3D3"/>
+                      </a:solidFill>
+                      <a:prstDash val="solid"/>
+                      <a:round/>
+                      <a:headEnd type="none" w="med" len="med"/>
+                      <a:tailEnd type="none" w="med" len="med"/>
+                    </a:lnB>
+                    <a:solidFill>
+                      <a:srgbClr val="FFFFFF"/>
+                    </a:solidFill>
+                  </a:tcPr>
+                </a:tc>
+                <a:tc>
+                  <a:txBody>
+                    <a:bodyPr/>
+                    <a:lstStyle/>
+                    <a:p>
+                      <a:pPr algn="ctr" fontAlgn="base"/>
+                      <a:r>
+                        <a:rPr lang="en-US" sz="1600">
+                          <a:solidFill>
+                            <a:srgbClr val="666666"/>
+                          </a:solidFill>
+                          <a:effectLst/>
+                          <a:latin typeface="inherit"/>
+                        </a:rPr>
+                        <a:t>2.0</a:t>
+                      </a:r>
+                    </a:p>
+                  </a:txBody>
+                  <a:tcPr marL="2702" marR="2702" marT="1689" marB="1689">
+                    <a:lnL w="3810" cap="flat" cmpd="sng" algn="ctr">
+                      <a:solidFill>
+                        <a:srgbClr val="D3D3D3"/>
+                      </a:solidFill>
+                      <a:prstDash val="solid"/>
+                      <a:round/>
+                      <a:headEnd type="none" w="med" len="med"/>
+                      <a:tailEnd type="none" w="med" len="med"/>
+                    </a:lnL>
+                    <a:lnR w="3810" cap="flat" cmpd="sng" algn="ctr">
+                      <a:solidFill>
+                        <a:srgbClr val="D3D3D3"/>
+                      </a:solidFill>
+                      <a:prstDash val="solid"/>
+                      <a:round/>
+                      <a:headEnd type="none" w="med" len="med"/>
+                      <a:tailEnd type="none" w="med" len="med"/>
+                    </a:lnR>
+                    <a:lnT w="3810" cap="flat" cmpd="sng" algn="ctr">
+                      <a:solidFill>
+                        <a:srgbClr val="D3D3D3"/>
+                      </a:solidFill>
+                      <a:prstDash val="solid"/>
+                      <a:round/>
+                      <a:headEnd type="none" w="med" len="med"/>
+                      <a:tailEnd type="none" w="med" len="med"/>
+                    </a:lnT>
+                    <a:lnB w="3810" cap="flat" cmpd="sng" algn="ctr">
+                      <a:solidFill>
+                        <a:srgbClr val="D3D3D3"/>
+                      </a:solidFill>
+                      <a:prstDash val="solid"/>
+                      <a:round/>
+                      <a:headEnd type="none" w="med" len="med"/>
+                      <a:tailEnd type="none" w="med" len="med"/>
+                    </a:lnB>
+                    <a:solidFill>
+                      <a:srgbClr val="FFFFFF"/>
+                    </a:solidFill>
+                  </a:tcPr>
+                </a:tc>
+                <a:tc>
+                  <a:txBody>
+                    <a:bodyPr/>
+                    <a:lstStyle/>
+                    <a:p>
+                      <a:pPr algn="ctr" fontAlgn="base"/>
+                      <a:r>
+                        <a:rPr lang="en-US" sz="1600" dirty="0">
+                          <a:solidFill>
+                            <a:srgbClr val="666666"/>
+                          </a:solidFill>
+                          <a:effectLst/>
+                          <a:latin typeface="inherit"/>
+                        </a:rPr>
+                        <a:t>26.0</a:t>
+                      </a:r>
+                    </a:p>
+                  </a:txBody>
+                  <a:tcPr marL="2702" marR="2702" marT="1689" marB="1689">
+                    <a:lnL w="3810" cap="flat" cmpd="sng" algn="ctr">
+                      <a:solidFill>
+                        <a:srgbClr val="D3D3D3"/>
+                      </a:solidFill>
+                      <a:prstDash val="solid"/>
+                      <a:round/>
+                      <a:headEnd type="none" w="med" len="med"/>
+                      <a:tailEnd type="none" w="med" len="med"/>
+                    </a:lnL>
+                    <a:lnR w="3810" cap="flat" cmpd="sng" algn="ctr">
+                      <a:solidFill>
+                        <a:srgbClr val="D3D3D3"/>
+                      </a:solidFill>
+                      <a:prstDash val="solid"/>
+                      <a:round/>
+                      <a:headEnd type="none" w="med" len="med"/>
+                      <a:tailEnd type="none" w="med" len="med"/>
+                    </a:lnR>
+                    <a:lnT w="3810" cap="flat" cmpd="sng" algn="ctr">
+                      <a:solidFill>
+                        <a:srgbClr val="D3D3D3"/>
+                      </a:solidFill>
+                      <a:prstDash val="solid"/>
+                      <a:round/>
+                      <a:headEnd type="none" w="med" len="med"/>
+                      <a:tailEnd type="none" w="med" len="med"/>
+                    </a:lnT>
+                    <a:lnB w="3810" cap="flat" cmpd="sng" algn="ctr">
+                      <a:solidFill>
+                        <a:srgbClr val="D3D3D3"/>
+                      </a:solidFill>
+                      <a:prstDash val="solid"/>
+                      <a:round/>
+                      <a:headEnd type="none" w="med" len="med"/>
+                      <a:tailEnd type="none" w="med" len="med"/>
+                    </a:lnB>
+                    <a:solidFill>
+                      <a:srgbClr val="FFFFFF"/>
+                    </a:solidFill>
+                  </a:tcPr>
+                </a:tc>
+                <a:tc>
+                  <a:txBody>
+                    <a:bodyPr/>
+                    <a:lstStyle/>
+                    <a:p>
+                      <a:pPr algn="ctr" fontAlgn="base"/>
+                      <a:r>
+                        <a:rPr lang="en-US" sz="1600" dirty="0">
+                          <a:solidFill>
+                            <a:srgbClr val="666666"/>
+                          </a:solidFill>
+                          <a:effectLst/>
+                          <a:latin typeface="inherit"/>
+                        </a:rPr>
+                        <a:t>38.0</a:t>
+                      </a:r>
+                    </a:p>
+                  </a:txBody>
+                  <a:tcPr marL="2702" marR="2702" marT="1689" marB="1689">
+                    <a:lnL w="3810" cap="flat" cmpd="sng" algn="ctr">
+                      <a:solidFill>
+                        <a:srgbClr val="D3D3D3"/>
+                      </a:solidFill>
+                      <a:prstDash val="solid"/>
+                      <a:round/>
+                      <a:headEnd type="none" w="med" len="med"/>
+                      <a:tailEnd type="none" w="med" len="med"/>
+                    </a:lnL>
+                    <a:lnR w="3810" cap="flat" cmpd="sng" algn="ctr">
+                      <a:solidFill>
+                        <a:srgbClr val="D3D3D3"/>
+                      </a:solidFill>
+                      <a:prstDash val="solid"/>
+                      <a:round/>
+                      <a:headEnd type="none" w="med" len="med"/>
+                      <a:tailEnd type="none" w="med" len="med"/>
+                    </a:lnR>
+                    <a:lnT w="3810" cap="flat" cmpd="sng" algn="ctr">
+                      <a:solidFill>
+                        <a:srgbClr val="D3D3D3"/>
+                      </a:solidFill>
+                      <a:prstDash val="solid"/>
+                      <a:round/>
+                      <a:headEnd type="none" w="med" len="med"/>
+                      <a:tailEnd type="none" w="med" len="med"/>
+                    </a:lnT>
+                    <a:lnB w="3810" cap="flat" cmpd="sng" algn="ctr">
+                      <a:solidFill>
+                        <a:srgbClr val="D3D3D3"/>
+                      </a:solidFill>
+                      <a:prstDash val="solid"/>
+                      <a:round/>
+                      <a:headEnd type="none" w="med" len="med"/>
+                      <a:tailEnd type="none" w="med" len="med"/>
+                    </a:lnB>
+                    <a:solidFill>
+                      <a:srgbClr val="FFFFFF"/>
+                    </a:solidFill>
+                  </a:tcPr>
+                </a:tc>
+              </a:tr>
+              <a:tr h="175316">
+                <a:tc>
+                  <a:txBody>
+                    <a:bodyPr/>
+                    <a:lstStyle/>
+                    <a:p>
+                      <a:pPr algn="ctr" fontAlgn="base"/>
+                      <a:r>
+                        <a:rPr lang="en-US" sz="1600">
+                          <a:solidFill>
+                            <a:srgbClr val="666666"/>
+                          </a:solidFill>
+                          <a:effectLst/>
+                          <a:latin typeface="inherit"/>
+                        </a:rPr>
+                        <a:t>Bayley MDI at 1 y</a:t>
+                      </a:r>
+                    </a:p>
+                  </a:txBody>
+                  <a:tcPr marL="2702" marR="2702" marT="1689" marB="1689">
+                    <a:lnL w="3810" cap="flat" cmpd="sng" algn="ctr">
+                      <a:solidFill>
+                        <a:srgbClr val="D3D3D3"/>
+                      </a:solidFill>
+                      <a:prstDash val="solid"/>
+                      <a:round/>
+                      <a:headEnd type="none" w="med" len="med"/>
+                      <a:tailEnd type="none" w="med" len="med"/>
+                    </a:lnL>
+                    <a:lnR w="3810" cap="flat" cmpd="sng" algn="ctr">
+                      <a:solidFill>
+                        <a:srgbClr val="D3D3D3"/>
+                      </a:solidFill>
+                      <a:prstDash val="solid"/>
+                      <a:round/>
+                      <a:headEnd type="none" w="med" len="med"/>
+                      <a:tailEnd type="none" w="med" len="med"/>
+                    </a:lnR>
+                    <a:lnT w="3810" cap="flat" cmpd="sng" algn="ctr">
+                      <a:solidFill>
+                        <a:srgbClr val="D3D3D3"/>
+                      </a:solidFill>
+                      <a:prstDash val="solid"/>
+                      <a:round/>
+                      <a:headEnd type="none" w="med" len="med"/>
+                      <a:tailEnd type="none" w="med" len="med"/>
+                    </a:lnT>
+                    <a:lnB w="3810" cap="flat" cmpd="sng" algn="ctr">
+                      <a:solidFill>
+                        <a:srgbClr val="D3D3D3"/>
+                      </a:solidFill>
+                      <a:prstDash val="solid"/>
+                      <a:round/>
+                      <a:headEnd type="none" w="med" len="med"/>
+                      <a:tailEnd type="none" w="med" len="med"/>
+                    </a:lnB>
+                    <a:solidFill>
+                      <a:srgbClr val="FFFFFF"/>
+                    </a:solidFill>
+                  </a:tcPr>
+                </a:tc>
+                <a:tc>
+                  <a:txBody>
+                    <a:bodyPr/>
+                    <a:lstStyle/>
+                    <a:p>
+                      <a:pPr algn="ctr" fontAlgn="base"/>
+                      <a:r>
+                        <a:rPr lang="en-US" sz="1600">
+                          <a:solidFill>
+                            <a:srgbClr val="666666"/>
+                          </a:solidFill>
+                          <a:effectLst/>
+                          <a:latin typeface="inherit"/>
+                        </a:rPr>
+                        <a:t>283</a:t>
+                      </a:r>
+                    </a:p>
+                  </a:txBody>
+                  <a:tcPr marL="2702" marR="2702" marT="1689" marB="1689">
+                    <a:lnL w="3810" cap="flat" cmpd="sng" algn="ctr">
+                      <a:solidFill>
+                        <a:srgbClr val="D3D3D3"/>
+                      </a:solidFill>
+                      <a:prstDash val="solid"/>
+                      <a:round/>
+                      <a:headEnd type="none" w="med" len="med"/>
+                      <a:tailEnd type="none" w="med" len="med"/>
+                    </a:lnL>
+                    <a:lnR w="3810" cap="flat" cmpd="sng" algn="ctr">
+                      <a:solidFill>
+                        <a:srgbClr val="D3D3D3"/>
+                      </a:solidFill>
+                      <a:prstDash val="solid"/>
+                      <a:round/>
+                      <a:headEnd type="none" w="med" len="med"/>
+                      <a:tailEnd type="none" w="med" len="med"/>
+                    </a:lnR>
+                    <a:lnT w="3810" cap="flat" cmpd="sng" algn="ctr">
+                      <a:solidFill>
+                        <a:srgbClr val="D3D3D3"/>
+                      </a:solidFill>
+                      <a:prstDash val="solid"/>
+                      <a:round/>
+                      <a:headEnd type="none" w="med" len="med"/>
+                      <a:tailEnd type="none" w="med" len="med"/>
+                    </a:lnT>
+                    <a:lnB w="3810" cap="flat" cmpd="sng" algn="ctr">
+                      <a:solidFill>
+                        <a:srgbClr val="D3D3D3"/>
+                      </a:solidFill>
+                      <a:prstDash val="solid"/>
+                      <a:round/>
+                      <a:headEnd type="none" w="med" len="med"/>
+                      <a:tailEnd type="none" w="med" len="med"/>
+                    </a:lnB>
+                    <a:solidFill>
+                      <a:srgbClr val="FFFFFF"/>
+                    </a:solidFill>
+                  </a:tcPr>
+                </a:tc>
+                <a:tc>
+                  <a:txBody>
+                    <a:bodyPr/>
+                    <a:lstStyle/>
+                    <a:p>
+                      <a:pPr algn="ctr" fontAlgn="base"/>
+                      <a:r>
+                        <a:rPr lang="en-US" sz="1600">
+                          <a:solidFill>
+                            <a:srgbClr val="666666"/>
+                          </a:solidFill>
+                          <a:effectLst/>
+                          <a:latin typeface="inherit"/>
+                        </a:rPr>
+                        <a:t>100.1</a:t>
+                      </a:r>
+                    </a:p>
+                  </a:txBody>
+                  <a:tcPr marL="2702" marR="2702" marT="1689" marB="1689">
+                    <a:lnL w="3810" cap="flat" cmpd="sng" algn="ctr">
+                      <a:solidFill>
+                        <a:srgbClr val="D3D3D3"/>
+                      </a:solidFill>
+                      <a:prstDash val="solid"/>
+                      <a:round/>
+                      <a:headEnd type="none" w="med" len="med"/>
+                      <a:tailEnd type="none" w="med" len="med"/>
+                    </a:lnL>
+                    <a:lnR w="3810" cap="flat" cmpd="sng" algn="ctr">
+                      <a:solidFill>
+                        <a:srgbClr val="D3D3D3"/>
+                      </a:solidFill>
+                      <a:prstDash val="solid"/>
+                      <a:round/>
+                      <a:headEnd type="none" w="med" len="med"/>
+                      <a:tailEnd type="none" w="med" len="med"/>
+                    </a:lnR>
+                    <a:lnT w="3810" cap="flat" cmpd="sng" algn="ctr">
+                      <a:solidFill>
+                        <a:srgbClr val="D3D3D3"/>
+                      </a:solidFill>
+                      <a:prstDash val="solid"/>
+                      <a:round/>
+                      <a:headEnd type="none" w="med" len="med"/>
+                      <a:tailEnd type="none" w="med" len="med"/>
+                    </a:lnT>
+                    <a:lnB w="3810" cap="flat" cmpd="sng" algn="ctr">
+                      <a:solidFill>
+                        <a:srgbClr val="D3D3D3"/>
+                      </a:solidFill>
+                      <a:prstDash val="solid"/>
+                      <a:round/>
+                      <a:headEnd type="none" w="med" len="med"/>
+                      <a:tailEnd type="none" w="med" len="med"/>
+                    </a:lnB>
+                    <a:solidFill>
+                      <a:srgbClr val="FFFFFF"/>
+                    </a:solidFill>
+                  </a:tcPr>
+                </a:tc>
+                <a:tc>
+                  <a:txBody>
+                    <a:bodyPr/>
+                    <a:lstStyle/>
+                    <a:p>
+                      <a:pPr algn="ctr" fontAlgn="base"/>
+                      <a:r>
+                        <a:rPr lang="en-US" sz="1600">
+                          <a:solidFill>
+                            <a:srgbClr val="666666"/>
+                          </a:solidFill>
+                          <a:effectLst/>
+                          <a:latin typeface="inherit"/>
+                        </a:rPr>
+                        <a:t>20.3</a:t>
+                      </a:r>
+                    </a:p>
+                  </a:txBody>
+                  <a:tcPr marL="2702" marR="2702" marT="1689" marB="1689">
+                    <a:lnL w="3810" cap="flat" cmpd="sng" algn="ctr">
+                      <a:solidFill>
+                        <a:srgbClr val="D3D3D3"/>
+                      </a:solidFill>
+                      <a:prstDash val="solid"/>
+                      <a:round/>
+                      <a:headEnd type="none" w="med" len="med"/>
+                      <a:tailEnd type="none" w="med" len="med"/>
+                    </a:lnL>
+                    <a:lnR w="3810" cap="flat" cmpd="sng" algn="ctr">
+                      <a:solidFill>
+                        <a:srgbClr val="D3D3D3"/>
+                      </a:solidFill>
+                      <a:prstDash val="solid"/>
+                      <a:round/>
+                      <a:headEnd type="none" w="med" len="med"/>
+                      <a:tailEnd type="none" w="med" len="med"/>
+                    </a:lnR>
+                    <a:lnT w="3810" cap="flat" cmpd="sng" algn="ctr">
+                      <a:solidFill>
+                        <a:srgbClr val="D3D3D3"/>
+                      </a:solidFill>
+                      <a:prstDash val="solid"/>
+                      <a:round/>
+                      <a:headEnd type="none" w="med" len="med"/>
+                      <a:tailEnd type="none" w="med" len="med"/>
+                    </a:lnT>
+                    <a:lnB w="3810" cap="flat" cmpd="sng" algn="ctr">
+                      <a:solidFill>
+                        <a:srgbClr val="D3D3D3"/>
+                      </a:solidFill>
+                      <a:prstDash val="solid"/>
+                      <a:round/>
+                      <a:headEnd type="none" w="med" len="med"/>
+                      <a:tailEnd type="none" w="med" len="med"/>
+                    </a:lnB>
+                    <a:solidFill>
+                      <a:srgbClr val="FFFFFF"/>
+                    </a:solidFill>
+                  </a:tcPr>
+                </a:tc>
+                <a:tc>
+                  <a:txBody>
+                    <a:bodyPr/>
+                    <a:lstStyle/>
+                    <a:p>
+                      <a:pPr algn="ctr" fontAlgn="base"/>
+                      <a:r>
+                        <a:rPr lang="en-US" sz="1600" dirty="0">
+                          <a:solidFill>
+                            <a:srgbClr val="666666"/>
+                          </a:solidFill>
+                          <a:effectLst/>
+                          <a:latin typeface="inherit"/>
+                        </a:rPr>
+                        <a:t>49</a:t>
+                      </a:r>
+                    </a:p>
+                  </a:txBody>
+                  <a:tcPr marL="2702" marR="2702" marT="1689" marB="1689">
+                    <a:lnL w="3810" cap="flat" cmpd="sng" algn="ctr">
+                      <a:solidFill>
+                        <a:srgbClr val="D3D3D3"/>
+                      </a:solidFill>
+                      <a:prstDash val="solid"/>
+                      <a:round/>
+                      <a:headEnd type="none" w="med" len="med"/>
+                      <a:tailEnd type="none" w="med" len="med"/>
+                    </a:lnL>
+                    <a:lnR w="3810" cap="flat" cmpd="sng" algn="ctr">
+                      <a:solidFill>
+                        <a:srgbClr val="D3D3D3"/>
+                      </a:solidFill>
+                      <a:prstDash val="solid"/>
+                      <a:round/>
+                      <a:headEnd type="none" w="med" len="med"/>
+                      <a:tailEnd type="none" w="med" len="med"/>
+                    </a:lnR>
+                    <a:lnT w="3810" cap="flat" cmpd="sng" algn="ctr">
+                      <a:solidFill>
+                        <a:srgbClr val="D3D3D3"/>
+                      </a:solidFill>
+                      <a:prstDash val="solid"/>
+                      <a:round/>
+                      <a:headEnd type="none" w="med" len="med"/>
+                      <a:tailEnd type="none" w="med" len="med"/>
+                    </a:lnT>
+                    <a:lnB w="3810" cap="flat" cmpd="sng" algn="ctr">
+                      <a:solidFill>
+                        <a:srgbClr val="D3D3D3"/>
+                      </a:solidFill>
+                      <a:prstDash val="solid"/>
+                      <a:round/>
+                      <a:headEnd type="none" w="med" len="med"/>
+                      <a:tailEnd type="none" w="med" len="med"/>
+                    </a:lnB>
+                    <a:solidFill>
+                      <a:srgbClr val="FFFFFF"/>
+                    </a:solidFill>
+                  </a:tcPr>
+                </a:tc>
+                <a:tc>
+                  <a:txBody>
+                    <a:bodyPr/>
+                    <a:lstStyle/>
+                    <a:p>
+                      <a:pPr algn="ctr" fontAlgn="base"/>
+                      <a:r>
+                        <a:rPr lang="en-US" sz="1600" dirty="0">
+                          <a:solidFill>
+                            <a:srgbClr val="666666"/>
+                          </a:solidFill>
+                          <a:effectLst/>
+                          <a:latin typeface="inherit"/>
+                        </a:rPr>
+                        <a:t>151</a:t>
+                      </a:r>
+                    </a:p>
+                  </a:txBody>
+                  <a:tcPr marL="2702" marR="2702" marT="1689" marB="1689">
+                    <a:lnL w="3810" cap="flat" cmpd="sng" algn="ctr">
+                      <a:solidFill>
+                        <a:srgbClr val="D3D3D3"/>
+                      </a:solidFill>
+                      <a:prstDash val="solid"/>
+                      <a:round/>
+                      <a:headEnd type="none" w="med" len="med"/>
+                      <a:tailEnd type="none" w="med" len="med"/>
+                    </a:lnL>
+                    <a:lnR w="3810" cap="flat" cmpd="sng" algn="ctr">
+                      <a:solidFill>
+                        <a:srgbClr val="D3D3D3"/>
+                      </a:solidFill>
+                      <a:prstDash val="solid"/>
+                      <a:round/>
+                      <a:headEnd type="none" w="med" len="med"/>
+                      <a:tailEnd type="none" w="med" len="med"/>
+                    </a:lnR>
+                    <a:lnT w="3810" cap="flat" cmpd="sng" algn="ctr">
+                      <a:solidFill>
+                        <a:srgbClr val="D3D3D3"/>
+                      </a:solidFill>
+                      <a:prstDash val="solid"/>
+                      <a:round/>
+                      <a:headEnd type="none" w="med" len="med"/>
+                      <a:tailEnd type="none" w="med" len="med"/>
+                    </a:lnT>
+                    <a:lnB w="3810" cap="flat" cmpd="sng" algn="ctr">
+                      <a:solidFill>
+                        <a:srgbClr val="D3D3D3"/>
+                      </a:solidFill>
+                      <a:prstDash val="solid"/>
+                      <a:round/>
+                      <a:headEnd type="none" w="med" len="med"/>
+                      <a:tailEnd type="none" w="med" len="med"/>
+                    </a:lnB>
+                    <a:solidFill>
+                      <a:srgbClr val="FFFFFF"/>
+                    </a:solidFill>
+                  </a:tcPr>
+                </a:tc>
+              </a:tr>
+              <a:tr h="175316">
+                <a:tc>
+                  <a:txBody>
+                    <a:bodyPr/>
+                    <a:lstStyle/>
+                    <a:p>
+                      <a:pPr algn="ctr" fontAlgn="base"/>
+                      <a:r>
+                        <a:rPr lang="en-US" sz="1600" dirty="0">
+                          <a:solidFill>
+                            <a:srgbClr val="666666"/>
+                          </a:solidFill>
+                          <a:effectLst/>
+                          <a:latin typeface="inherit"/>
+                        </a:rPr>
+                        <a:t>Bayley PDI at 1 y</a:t>
+                      </a:r>
+                    </a:p>
+                  </a:txBody>
+                  <a:tcPr marL="2702" marR="2702" marT="1689" marB="1689">
+                    <a:lnL w="3810" cap="flat" cmpd="sng" algn="ctr">
+                      <a:solidFill>
+                        <a:srgbClr val="D3D3D3"/>
+                      </a:solidFill>
+                      <a:prstDash val="solid"/>
+                      <a:round/>
+                      <a:headEnd type="none" w="med" len="med"/>
+                      <a:tailEnd type="none" w="med" len="med"/>
+                    </a:lnL>
+                    <a:lnR w="3810" cap="flat" cmpd="sng" algn="ctr">
+                      <a:solidFill>
+                        <a:srgbClr val="D3D3D3"/>
+                      </a:solidFill>
+                      <a:prstDash val="solid"/>
+                      <a:round/>
+                      <a:headEnd type="none" w="med" len="med"/>
+                      <a:tailEnd type="none" w="med" len="med"/>
+                    </a:lnR>
+                    <a:lnT w="3810" cap="flat" cmpd="sng" algn="ctr">
+                      <a:solidFill>
+                        <a:srgbClr val="D3D3D3"/>
+                      </a:solidFill>
+                      <a:prstDash val="solid"/>
+                      <a:round/>
+                      <a:headEnd type="none" w="med" len="med"/>
+                      <a:tailEnd type="none" w="med" len="med"/>
+                    </a:lnT>
+                    <a:lnB w="3810" cap="flat" cmpd="sng" algn="ctr">
+                      <a:solidFill>
+                        <a:srgbClr val="D3D3D3"/>
+                      </a:solidFill>
+                      <a:prstDash val="solid"/>
+                      <a:round/>
+                      <a:headEnd type="none" w="med" len="med"/>
+                      <a:tailEnd type="none" w="med" len="med"/>
+                    </a:lnB>
+                    <a:solidFill>
+                      <a:srgbClr val="FFFFFF"/>
+                    </a:solidFill>
+                  </a:tcPr>
+                </a:tc>
+                <a:tc>
+                  <a:txBody>
+                    <a:bodyPr/>
+                    <a:lstStyle/>
+                    <a:p>
+                      <a:pPr algn="ctr" fontAlgn="base"/>
+                      <a:r>
+                        <a:rPr lang="en-US" sz="1600">
+                          <a:solidFill>
+                            <a:srgbClr val="666666"/>
+                          </a:solidFill>
+                          <a:effectLst/>
+                          <a:latin typeface="inherit"/>
+                        </a:rPr>
+                        <a:t>265</a:t>
+                      </a:r>
+                    </a:p>
+                  </a:txBody>
+                  <a:tcPr marL="2702" marR="2702" marT="1689" marB="1689">
+                    <a:lnL w="3810" cap="flat" cmpd="sng" algn="ctr">
+                      <a:solidFill>
+                        <a:srgbClr val="D3D3D3"/>
+                      </a:solidFill>
+                      <a:prstDash val="solid"/>
+                      <a:round/>
+                      <a:headEnd type="none" w="med" len="med"/>
+                      <a:tailEnd type="none" w="med" len="med"/>
+                    </a:lnL>
+                    <a:lnR w="3810" cap="flat" cmpd="sng" algn="ctr">
+                      <a:solidFill>
+                        <a:srgbClr val="D3D3D3"/>
+                      </a:solidFill>
+                      <a:prstDash val="solid"/>
+                      <a:round/>
+                      <a:headEnd type="none" w="med" len="med"/>
+                      <a:tailEnd type="none" w="med" len="med"/>
+                    </a:lnR>
+                    <a:lnT w="3810" cap="flat" cmpd="sng" algn="ctr">
+                      <a:solidFill>
+                        <a:srgbClr val="D3D3D3"/>
+                      </a:solidFill>
+                      <a:prstDash val="solid"/>
+                      <a:round/>
+                      <a:headEnd type="none" w="med" len="med"/>
+                      <a:tailEnd type="none" w="med" len="med"/>
+                    </a:lnT>
+                    <a:lnB w="3810" cap="flat" cmpd="sng" algn="ctr">
+                      <a:solidFill>
+                        <a:srgbClr val="D3D3D3"/>
+                      </a:solidFill>
+                      <a:prstDash val="solid"/>
+                      <a:round/>
+                      <a:headEnd type="none" w="med" len="med"/>
+                      <a:tailEnd type="none" w="med" len="med"/>
+                    </a:lnB>
+                    <a:solidFill>
+                      <a:srgbClr val="FFFFFF"/>
+                    </a:solidFill>
+                  </a:tcPr>
+                </a:tc>
+                <a:tc>
+                  <a:txBody>
+                    <a:bodyPr/>
+                    <a:lstStyle/>
+                    <a:p>
+                      <a:pPr algn="ctr" fontAlgn="base"/>
+                      <a:r>
+                        <a:rPr lang="en-US" sz="1600">
+                          <a:solidFill>
+                            <a:srgbClr val="666666"/>
+                          </a:solidFill>
+                          <a:effectLst/>
+                          <a:latin typeface="inherit"/>
+                        </a:rPr>
+                        <a:t>98.1</a:t>
+                      </a:r>
+                    </a:p>
+                  </a:txBody>
+                  <a:tcPr marL="2702" marR="2702" marT="1689" marB="1689">
+                    <a:lnL w="3810" cap="flat" cmpd="sng" algn="ctr">
+                      <a:solidFill>
+                        <a:srgbClr val="D3D3D3"/>
+                      </a:solidFill>
+                      <a:prstDash val="solid"/>
+                      <a:round/>
+                      <a:headEnd type="none" w="med" len="med"/>
+                      <a:tailEnd type="none" w="med" len="med"/>
+                    </a:lnL>
+                    <a:lnR w="3810" cap="flat" cmpd="sng" algn="ctr">
+                      <a:solidFill>
+                        <a:srgbClr val="D3D3D3"/>
+                      </a:solidFill>
+                      <a:prstDash val="solid"/>
+                      <a:round/>
+                      <a:headEnd type="none" w="med" len="med"/>
+                      <a:tailEnd type="none" w="med" len="med"/>
+                    </a:lnR>
+                    <a:lnT w="3810" cap="flat" cmpd="sng" algn="ctr">
+                      <a:solidFill>
+                        <a:srgbClr val="D3D3D3"/>
+                      </a:solidFill>
+                      <a:prstDash val="solid"/>
+                      <a:round/>
+                      <a:headEnd type="none" w="med" len="med"/>
+                      <a:tailEnd type="none" w="med" len="med"/>
+                    </a:lnT>
+                    <a:lnB w="3810" cap="flat" cmpd="sng" algn="ctr">
+                      <a:solidFill>
+                        <a:srgbClr val="D3D3D3"/>
+                      </a:solidFill>
+                      <a:prstDash val="solid"/>
+                      <a:round/>
+                      <a:headEnd type="none" w="med" len="med"/>
+                      <a:tailEnd type="none" w="med" len="med"/>
+                    </a:lnB>
+                    <a:solidFill>
+                      <a:srgbClr val="FFFFFF"/>
+                    </a:solidFill>
+                  </a:tcPr>
+                </a:tc>
+                <a:tc>
+                  <a:txBody>
+                    <a:bodyPr/>
+                    <a:lstStyle/>
+                    <a:p>
+                      <a:pPr algn="ctr" fontAlgn="base"/>
+                      <a:r>
+                        <a:rPr lang="en-US" sz="1600">
+                          <a:solidFill>
+                            <a:srgbClr val="666666"/>
+                          </a:solidFill>
+                          <a:effectLst/>
+                          <a:latin typeface="inherit"/>
+                        </a:rPr>
+                        <a:t>18.3</a:t>
+                      </a:r>
+                    </a:p>
+                  </a:txBody>
+                  <a:tcPr marL="2702" marR="2702" marT="1689" marB="1689">
+                    <a:lnL w="3810" cap="flat" cmpd="sng" algn="ctr">
+                      <a:solidFill>
+                        <a:srgbClr val="D3D3D3"/>
+                      </a:solidFill>
+                      <a:prstDash val="solid"/>
+                      <a:round/>
+                      <a:headEnd type="none" w="med" len="med"/>
+                      <a:tailEnd type="none" w="med" len="med"/>
+                    </a:lnL>
+                    <a:lnR w="3810" cap="flat" cmpd="sng" algn="ctr">
+                      <a:solidFill>
+                        <a:srgbClr val="D3D3D3"/>
+                      </a:solidFill>
+                      <a:prstDash val="solid"/>
+                      <a:round/>
+                      <a:headEnd type="none" w="med" len="med"/>
+                      <a:tailEnd type="none" w="med" len="med"/>
+                    </a:lnR>
+                    <a:lnT w="3810" cap="flat" cmpd="sng" algn="ctr">
+                      <a:solidFill>
+                        <a:srgbClr val="D3D3D3"/>
+                      </a:solidFill>
+                      <a:prstDash val="solid"/>
+                      <a:round/>
+                      <a:headEnd type="none" w="med" len="med"/>
+                      <a:tailEnd type="none" w="med" len="med"/>
+                    </a:lnT>
+                    <a:lnB w="3810" cap="flat" cmpd="sng" algn="ctr">
+                      <a:solidFill>
+                        <a:srgbClr val="D3D3D3"/>
+                      </a:solidFill>
+                      <a:prstDash val="solid"/>
+                      <a:round/>
+                      <a:headEnd type="none" w="med" len="med"/>
+                      <a:tailEnd type="none" w="med" len="med"/>
+                    </a:lnB>
+                    <a:solidFill>
+                      <a:srgbClr val="FFFFFF"/>
+                    </a:solidFill>
+                  </a:tcPr>
+                </a:tc>
+                <a:tc>
+                  <a:txBody>
+                    <a:bodyPr/>
+                    <a:lstStyle/>
+                    <a:p>
+                      <a:pPr algn="ctr" fontAlgn="base"/>
+                      <a:r>
+                        <a:rPr lang="en-US" sz="1600">
+                          <a:solidFill>
+                            <a:srgbClr val="666666"/>
+                          </a:solidFill>
+                          <a:effectLst/>
+                          <a:latin typeface="inherit"/>
+                        </a:rPr>
+                        <a:t>49</a:t>
+                      </a:r>
+                    </a:p>
+                  </a:txBody>
+                  <a:tcPr marL="2702" marR="2702" marT="1689" marB="1689">
+                    <a:lnL w="3810" cap="flat" cmpd="sng" algn="ctr">
+                      <a:solidFill>
+                        <a:srgbClr val="D3D3D3"/>
+                      </a:solidFill>
+                      <a:prstDash val="solid"/>
+                      <a:round/>
+                      <a:headEnd type="none" w="med" len="med"/>
+                      <a:tailEnd type="none" w="med" len="med"/>
+                    </a:lnL>
+                    <a:lnR w="3810" cap="flat" cmpd="sng" algn="ctr">
+                      <a:solidFill>
+                        <a:srgbClr val="D3D3D3"/>
+                      </a:solidFill>
+                      <a:prstDash val="solid"/>
+                      <a:round/>
+                      <a:headEnd type="none" w="med" len="med"/>
+                      <a:tailEnd type="none" w="med" len="med"/>
+                    </a:lnR>
+                    <a:lnT w="3810" cap="flat" cmpd="sng" algn="ctr">
+                      <a:solidFill>
+                        <a:srgbClr val="D3D3D3"/>
+                      </a:solidFill>
+                      <a:prstDash val="solid"/>
+                      <a:round/>
+                      <a:headEnd type="none" w="med" len="med"/>
+                      <a:tailEnd type="none" w="med" len="med"/>
+                    </a:lnT>
+                    <a:lnB w="3810" cap="flat" cmpd="sng" algn="ctr">
+                      <a:solidFill>
+                        <a:srgbClr val="D3D3D3"/>
+                      </a:solidFill>
+                      <a:prstDash val="solid"/>
+                      <a:round/>
+                      <a:headEnd type="none" w="med" len="med"/>
+                      <a:tailEnd type="none" w="med" len="med"/>
+                    </a:lnB>
+                    <a:solidFill>
+                      <a:srgbClr val="FFFFFF"/>
+                    </a:solidFill>
+                  </a:tcPr>
+                </a:tc>
+                <a:tc>
+                  <a:txBody>
+                    <a:bodyPr/>
+                    <a:lstStyle/>
+                    <a:p>
+                      <a:pPr algn="ctr" fontAlgn="base"/>
+                      <a:r>
+                        <a:rPr lang="en-US" sz="1600" dirty="0">
+                          <a:solidFill>
+                            <a:srgbClr val="666666"/>
+                          </a:solidFill>
+                          <a:effectLst/>
+                          <a:latin typeface="inherit"/>
+                        </a:rPr>
+                        <a:t>138</a:t>
+                      </a:r>
+                    </a:p>
+                  </a:txBody>
+                  <a:tcPr marL="2702" marR="2702" marT="1689" marB="1689">
+                    <a:lnL w="3810" cap="flat" cmpd="sng" algn="ctr">
+                      <a:solidFill>
+                        <a:srgbClr val="D3D3D3"/>
+                      </a:solidFill>
+                      <a:prstDash val="solid"/>
+                      <a:round/>
+                      <a:headEnd type="none" w="med" len="med"/>
+                      <a:tailEnd type="none" w="med" len="med"/>
+                    </a:lnL>
+                    <a:lnR w="3810" cap="flat" cmpd="sng" algn="ctr">
+                      <a:solidFill>
+                        <a:srgbClr val="D3D3D3"/>
+                      </a:solidFill>
+                      <a:prstDash val="solid"/>
+                      <a:round/>
+                      <a:headEnd type="none" w="med" len="med"/>
+                      <a:tailEnd type="none" w="med" len="med"/>
+                    </a:lnR>
+                    <a:lnT w="3810" cap="flat" cmpd="sng" algn="ctr">
+                      <a:solidFill>
+                        <a:srgbClr val="D3D3D3"/>
+                      </a:solidFill>
+                      <a:prstDash val="solid"/>
+                      <a:round/>
+                      <a:headEnd type="none" w="med" len="med"/>
+                      <a:tailEnd type="none" w="med" len="med"/>
+                    </a:lnT>
+                    <a:lnB w="3810" cap="flat" cmpd="sng" algn="ctr">
+                      <a:solidFill>
+                        <a:srgbClr val="D3D3D3"/>
+                      </a:solidFill>
+                      <a:prstDash val="solid"/>
+                      <a:round/>
+                      <a:headEnd type="none" w="med" len="med"/>
+                      <a:tailEnd type="none" w="med" len="med"/>
+                    </a:lnB>
+                    <a:solidFill>
+                      <a:srgbClr val="FFFFFF"/>
+                    </a:solidFill>
+                  </a:tcPr>
+                </a:tc>
+              </a:tr>
+            </a:tbl>
+          </a:graphicData>
+        </a:graphic>
+      </p:graphicFrame>
+    </p:spTree>
+    <p:extLst>
+      <p:ext uri="{BB962C8B-B14F-4D97-AF65-F5344CB8AC3E}">
+        <p14:creationId xmlns:p14="http://schemas.microsoft.com/office/powerpoint/2010/main" val="944648470"/>
+      </p:ext>
+    </p:extLst>
+  </p:cSld>
+  <p:clrMapOvr>
+    <a:masterClrMapping/>
+  </p:clrMapOvr>
+</p:sld>
+</file>
+
 <file path=ppt/theme/theme1.xml><?xml version="1.0" encoding="utf-8"?>
 <a:theme xmlns:a="http://schemas.openxmlformats.org/drawingml/2006/main" name="Office Theme">
   <a:themeElements>
